--- a/48. FuelCell Modeling/fig/fig.pptx
+++ b/48. FuelCell Modeling/fig/fig.pptx
@@ -273,7 +273,7 @@
           <a:p>
             <a:fld id="{7503527A-671E-4129-AC22-6737D312D891}" type="datetimeFigureOut">
               <a:rPr lang="fr-FR" smtClean="0"/>
-              <a:t>22/12/2024</a:t>
+              <a:t>15/01/2025</a:t>
             </a:fld>
             <a:endParaRPr lang="fr-FR"/>
           </a:p>
@@ -471,7 +471,7 @@
           <a:p>
             <a:fld id="{7503527A-671E-4129-AC22-6737D312D891}" type="datetimeFigureOut">
               <a:rPr lang="fr-FR" smtClean="0"/>
-              <a:t>22/12/2024</a:t>
+              <a:t>15/01/2025</a:t>
             </a:fld>
             <a:endParaRPr lang="fr-FR"/>
           </a:p>
@@ -679,7 +679,7 @@
           <a:p>
             <a:fld id="{7503527A-671E-4129-AC22-6737D312D891}" type="datetimeFigureOut">
               <a:rPr lang="fr-FR" smtClean="0"/>
-              <a:t>22/12/2024</a:t>
+              <a:t>15/01/2025</a:t>
             </a:fld>
             <a:endParaRPr lang="fr-FR"/>
           </a:p>
@@ -877,7 +877,7 @@
           <a:p>
             <a:fld id="{7503527A-671E-4129-AC22-6737D312D891}" type="datetimeFigureOut">
               <a:rPr lang="fr-FR" smtClean="0"/>
-              <a:t>22/12/2024</a:t>
+              <a:t>15/01/2025</a:t>
             </a:fld>
             <a:endParaRPr lang="fr-FR"/>
           </a:p>
@@ -1152,7 +1152,7 @@
           <a:p>
             <a:fld id="{7503527A-671E-4129-AC22-6737D312D891}" type="datetimeFigureOut">
               <a:rPr lang="fr-FR" smtClean="0"/>
-              <a:t>22/12/2024</a:t>
+              <a:t>15/01/2025</a:t>
             </a:fld>
             <a:endParaRPr lang="fr-FR"/>
           </a:p>
@@ -1417,7 +1417,7 @@
           <a:p>
             <a:fld id="{7503527A-671E-4129-AC22-6737D312D891}" type="datetimeFigureOut">
               <a:rPr lang="fr-FR" smtClean="0"/>
-              <a:t>22/12/2024</a:t>
+              <a:t>15/01/2025</a:t>
             </a:fld>
             <a:endParaRPr lang="fr-FR"/>
           </a:p>
@@ -1829,7 +1829,7 @@
           <a:p>
             <a:fld id="{7503527A-671E-4129-AC22-6737D312D891}" type="datetimeFigureOut">
               <a:rPr lang="fr-FR" smtClean="0"/>
-              <a:t>22/12/2024</a:t>
+              <a:t>15/01/2025</a:t>
             </a:fld>
             <a:endParaRPr lang="fr-FR"/>
           </a:p>
@@ -1970,7 +1970,7 @@
           <a:p>
             <a:fld id="{7503527A-671E-4129-AC22-6737D312D891}" type="datetimeFigureOut">
               <a:rPr lang="fr-FR" smtClean="0"/>
-              <a:t>22/12/2024</a:t>
+              <a:t>15/01/2025</a:t>
             </a:fld>
             <a:endParaRPr lang="fr-FR"/>
           </a:p>
@@ -2083,7 +2083,7 @@
           <a:p>
             <a:fld id="{7503527A-671E-4129-AC22-6737D312D891}" type="datetimeFigureOut">
               <a:rPr lang="fr-FR" smtClean="0"/>
-              <a:t>22/12/2024</a:t>
+              <a:t>15/01/2025</a:t>
             </a:fld>
             <a:endParaRPr lang="fr-FR"/>
           </a:p>
@@ -2394,7 +2394,7 @@
           <a:p>
             <a:fld id="{7503527A-671E-4129-AC22-6737D312D891}" type="datetimeFigureOut">
               <a:rPr lang="fr-FR" smtClean="0"/>
-              <a:t>22/12/2024</a:t>
+              <a:t>15/01/2025</a:t>
             </a:fld>
             <a:endParaRPr lang="fr-FR"/>
           </a:p>
@@ -2682,7 +2682,7 @@
           <a:p>
             <a:fld id="{7503527A-671E-4129-AC22-6737D312D891}" type="datetimeFigureOut">
               <a:rPr lang="fr-FR" smtClean="0"/>
-              <a:t>22/12/2024</a:t>
+              <a:t>15/01/2025</a:t>
             </a:fld>
             <a:endParaRPr lang="fr-FR"/>
           </a:p>
@@ -2923,7 +2923,7 @@
           <a:p>
             <a:fld id="{7503527A-671E-4129-AC22-6737D312D891}" type="datetimeFigureOut">
               <a:rPr lang="fr-FR" smtClean="0"/>
-              <a:t>22/12/2024</a:t>
+              <a:t>15/01/2025</a:t>
             </a:fld>
             <a:endParaRPr lang="fr-FR"/>
           </a:p>
@@ -3354,7 +3354,7 @@
         </p:nvSpPr>
         <p:spPr>
           <a:xfrm>
-            <a:off x="2047760" y="1270508"/>
+            <a:off x="2047760" y="825425"/>
             <a:ext cx="8728240" cy="5398492"/>
           </a:xfrm>
           <a:prstGeom prst="rect">
@@ -3394,10 +3394,10 @@
       </p:sp>
       <p:pic>
         <p:nvPicPr>
-          <p:cNvPr id="22" name="Image 21">
-            <a:extLst>
-              <a:ext uri="{FF2B5EF4-FFF2-40B4-BE49-F238E27FC236}">
-                <a16:creationId xmlns:a16="http://schemas.microsoft.com/office/drawing/2014/main" id="{75902BC2-B773-BBA1-9D82-1ABED6AE77F7}"/>
+          <p:cNvPr id="3" name="Image 2">
+            <a:extLst>
+              <a:ext uri="{FF2B5EF4-FFF2-40B4-BE49-F238E27FC236}">
+                <a16:creationId xmlns:a16="http://schemas.microsoft.com/office/drawing/2014/main" id="{E70EE8C4-2F58-FC9C-DB24-0A45DB75A729}"/>
               </a:ext>
             </a:extLst>
           </p:cNvPr>
@@ -3414,8 +3414,8 @@
         </p:blipFill>
         <p:spPr>
           <a:xfrm>
-            <a:off x="3547067" y="1549631"/>
-            <a:ext cx="4925112" cy="2610214"/>
+            <a:off x="3692083" y="1405746"/>
+            <a:ext cx="4551797" cy="2822589"/>
           </a:xfrm>
           <a:prstGeom prst="rect">
             <a:avLst/>
@@ -3436,7 +3436,7 @@
         </p:nvSpPr>
         <p:spPr>
           <a:xfrm>
-            <a:off x="8141363" y="2733011"/>
+            <a:off x="8141363" y="2371503"/>
             <a:ext cx="1150937" cy="830997"/>
           </a:xfrm>
           <a:prstGeom prst="rect">
@@ -3488,7 +3488,7 @@
         </p:nvCxnSpPr>
         <p:spPr>
           <a:xfrm flipV="1">
-            <a:off x="8176088" y="2759152"/>
+            <a:off x="8176088" y="2397644"/>
             <a:ext cx="0" cy="842378"/>
           </a:xfrm>
           <a:prstGeom prst="straightConnector1">
@@ -3523,7 +3523,7 @@
         </p:nvCxnSpPr>
         <p:spPr>
           <a:xfrm flipV="1">
-            <a:off x="6641038" y="4142535"/>
+            <a:off x="6641038" y="3781027"/>
             <a:ext cx="80181" cy="326870"/>
           </a:xfrm>
           <a:prstGeom prst="straightConnector1">
@@ -3543,10 +3543,50 @@
       </p:cxnSp>
       <p:sp>
         <p:nvSpPr>
-          <p:cNvPr id="26" name="Rectangle : coins arrondis 25">
-            <a:extLst>
-              <a:ext uri="{FF2B5EF4-FFF2-40B4-BE49-F238E27FC236}">
-                <a16:creationId xmlns:a16="http://schemas.microsoft.com/office/drawing/2014/main" id="{FB23F60A-2E09-A3FC-1217-68C09F4F1B3B}"/>
+          <p:cNvPr id="27" name="ZoneTexte 26">
+            <a:extLst>
+              <a:ext uri="{FF2B5EF4-FFF2-40B4-BE49-F238E27FC236}">
+                <a16:creationId xmlns:a16="http://schemas.microsoft.com/office/drawing/2014/main" id="{36047289-A5EB-01E8-0092-6198DC779379}"/>
+              </a:ext>
+            </a:extLst>
+          </p:cNvPr>
+          <p:cNvSpPr txBox="1"/>
+          <p:nvPr/>
+        </p:nvSpPr>
+        <p:spPr>
+          <a:xfrm>
+            <a:off x="3765005" y="1070241"/>
+            <a:ext cx="2088270" cy="400110"/>
+          </a:xfrm>
+          <a:prstGeom prst="rect">
+            <a:avLst/>
+          </a:prstGeom>
+          <a:noFill/>
+        </p:spPr>
+        <p:txBody>
+          <a:bodyPr wrap="square">
+            <a:spAutoFit/>
+          </a:bodyPr>
+          <a:lstStyle/>
+          <a:p>
+            <a:r>
+              <a:rPr lang="fr-FR" sz="2000" b="1" dirty="0">
+                <a:solidFill>
+                  <a:srgbClr val="4329FF"/>
+                </a:solidFill>
+                <a:latin typeface="Kross Neue Grotesk"/>
+              </a:rPr>
+              <a:t>C-code block</a:t>
+            </a:r>
+          </a:p>
+        </p:txBody>
+      </p:sp>
+      <p:sp>
+        <p:nvSpPr>
+          <p:cNvPr id="28" name="Rectangle : coins arrondis 27">
+            <a:extLst>
+              <a:ext uri="{FF2B5EF4-FFF2-40B4-BE49-F238E27FC236}">
+                <a16:creationId xmlns:a16="http://schemas.microsoft.com/office/drawing/2014/main" id="{A5A2A222-8A8E-13F6-CDDA-C7DA27F569F0}"/>
               </a:ext>
             </a:extLst>
           </p:cNvPr>
@@ -3555,7 +3595,189 @@
         </p:nvSpPr>
         <p:spPr>
           <a:xfrm>
-            <a:off x="3432000" y="1448971"/>
+            <a:off x="7541340" y="1188123"/>
+            <a:ext cx="775503" cy="2610214"/>
+          </a:xfrm>
+          <a:prstGeom prst="roundRect">
+            <a:avLst/>
+          </a:prstGeom>
+          <a:solidFill>
+            <a:srgbClr val="4329FF">
+              <a:alpha val="10000"/>
+            </a:srgbClr>
+          </a:solidFill>
+          <a:ln w="12700" cap="flat" cmpd="sng" algn="ctr">
+            <a:solidFill>
+              <a:srgbClr val="4329FF">
+                <a:shade val="15000"/>
+              </a:srgbClr>
+            </a:solidFill>
+            <a:prstDash val="dash"/>
+            <a:miter lim="800000"/>
+          </a:ln>
+          <a:effectLst/>
+        </p:spPr>
+        <p:txBody>
+          <a:bodyPr rtlCol="0" anchor="ctr"/>
+          <a:lstStyle/>
+          <a:p>
+            <a:pPr marL="0" marR="0" lvl="0" indent="0" algn="ctr" defTabSz="914400" eaLnBrk="1" fontAlgn="auto" latinLnBrk="0" hangingPunct="1">
+              <a:lnSpc>
+                <a:spcPct val="100000"/>
+              </a:lnSpc>
+              <a:spcBef>
+                <a:spcPts val="0"/>
+              </a:spcBef>
+              <a:spcAft>
+                <a:spcPts val="0"/>
+              </a:spcAft>
+              <a:buClrTx/>
+              <a:buSzTx/>
+              <a:buFontTx/>
+              <a:buNone/>
+              <a:tabLst/>
+              <a:defRPr/>
+            </a:pPr>
+            <a:endParaRPr kumimoji="0" lang="fr-FR" sz="1800" b="0" i="0" u="none" strike="noStrike" kern="0" cap="none" spc="0" normalizeH="0" baseline="0" noProof="0">
+              <a:ln>
+                <a:noFill/>
+              </a:ln>
+              <a:solidFill>
+                <a:srgbClr val="FFFFFF"/>
+              </a:solidFill>
+              <a:effectLst/>
+              <a:uLnTx/>
+              <a:uFillTx/>
+              <a:latin typeface="Kross Neue Grotesk"/>
+              <a:ea typeface="+mn-ea"/>
+              <a:cs typeface="+mn-cs"/>
+            </a:endParaRPr>
+          </a:p>
+        </p:txBody>
+      </p:sp>
+      <p:sp>
+        <p:nvSpPr>
+          <p:cNvPr id="29" name="Rectangle : coins arrondis 28">
+            <a:extLst>
+              <a:ext uri="{FF2B5EF4-FFF2-40B4-BE49-F238E27FC236}">
+                <a16:creationId xmlns:a16="http://schemas.microsoft.com/office/drawing/2014/main" id="{66B529F3-13E5-0D68-720B-47F2D5252FBD}"/>
+              </a:ext>
+            </a:extLst>
+          </p:cNvPr>
+          <p:cNvSpPr/>
+          <p:nvPr/>
+        </p:nvSpPr>
+        <p:spPr>
+          <a:xfrm>
+            <a:off x="6001074" y="2001762"/>
+            <a:ext cx="1440290" cy="1779265"/>
+          </a:xfrm>
+          <a:prstGeom prst="roundRect">
+            <a:avLst/>
+          </a:prstGeom>
+          <a:solidFill>
+            <a:srgbClr val="FF7E46">
+              <a:alpha val="10000"/>
+            </a:srgbClr>
+          </a:solidFill>
+          <a:ln w="12700" cap="flat" cmpd="sng" algn="ctr">
+            <a:solidFill>
+              <a:srgbClr val="FF7E46"/>
+            </a:solidFill>
+            <a:prstDash val="dash"/>
+            <a:miter lim="800000"/>
+          </a:ln>
+          <a:effectLst/>
+        </p:spPr>
+        <p:txBody>
+          <a:bodyPr rtlCol="0" anchor="ctr"/>
+          <a:lstStyle/>
+          <a:p>
+            <a:pPr marL="0" marR="0" lvl="0" indent="0" algn="ctr" defTabSz="914400" eaLnBrk="1" fontAlgn="auto" latinLnBrk="0" hangingPunct="1">
+              <a:lnSpc>
+                <a:spcPct val="100000"/>
+              </a:lnSpc>
+              <a:spcBef>
+                <a:spcPts val="0"/>
+              </a:spcBef>
+              <a:spcAft>
+                <a:spcPts val="0"/>
+              </a:spcAft>
+              <a:buClrTx/>
+              <a:buSzTx/>
+              <a:buFontTx/>
+              <a:buNone/>
+              <a:tabLst/>
+              <a:defRPr/>
+            </a:pPr>
+            <a:endParaRPr kumimoji="0" lang="fr-FR" sz="1800" b="0" i="0" u="none" strike="noStrike" kern="0" cap="none" spc="0" normalizeH="0" baseline="0" noProof="0">
+              <a:ln>
+                <a:noFill/>
+              </a:ln>
+              <a:solidFill>
+                <a:srgbClr val="FFFFFF"/>
+              </a:solidFill>
+              <a:effectLst/>
+              <a:uLnTx/>
+              <a:uFillTx/>
+              <a:latin typeface="Kross Neue Grotesk"/>
+              <a:ea typeface="+mn-ea"/>
+              <a:cs typeface="+mn-cs"/>
+            </a:endParaRPr>
+          </a:p>
+        </p:txBody>
+      </p:sp>
+      <p:pic>
+        <p:nvPicPr>
+          <p:cNvPr id="31" name="Image 30" descr="Une image contenant Graphique, cercle, capture d’écran, logo&#10;&#10;Description générée automatiquement">
+            <a:extLst>
+              <a:ext uri="{FF2B5EF4-FFF2-40B4-BE49-F238E27FC236}">
+                <a16:creationId xmlns:a16="http://schemas.microsoft.com/office/drawing/2014/main" id="{08EFF4E1-58D9-6321-66DD-C4A7265BCC39}"/>
+              </a:ext>
+            </a:extLst>
+          </p:cNvPr>
+          <p:cNvPicPr>
+            <a:picLocks noChangeAspect="1"/>
+          </p:cNvPicPr>
+          <p:nvPr/>
+        </p:nvPicPr>
+        <p:blipFill>
+          <a:blip r:embed="rId3">
+            <a:extLst>
+              <a:ext uri="{28A0092B-C50C-407E-A947-70E740481C1C}">
+                <a14:useLocalDpi xmlns:a14="http://schemas.microsoft.com/office/drawing/2010/main" val="0"/>
+              </a:ext>
+            </a:extLst>
+          </a:blip>
+          <a:stretch>
+            <a:fillRect/>
+          </a:stretch>
+        </p:blipFill>
+        <p:spPr>
+          <a:xfrm>
+            <a:off x="5798949" y="1087463"/>
+            <a:ext cx="353307" cy="389900"/>
+          </a:xfrm>
+          <a:prstGeom prst="rect">
+            <a:avLst/>
+          </a:prstGeom>
+        </p:spPr>
+      </p:pic>
+      <p:sp>
+        <p:nvSpPr>
+          <p:cNvPr id="26" name="Rectangle : coins arrondis 25">
+            <a:extLst>
+              <a:ext uri="{FF2B5EF4-FFF2-40B4-BE49-F238E27FC236}">
+                <a16:creationId xmlns:a16="http://schemas.microsoft.com/office/drawing/2014/main" id="{FB23F60A-2E09-A3FC-1217-68C09F4F1B3B}"/>
+              </a:ext>
+            </a:extLst>
+          </p:cNvPr>
+          <p:cNvSpPr/>
+          <p:nvPr/>
+        </p:nvSpPr>
+        <p:spPr>
+          <a:xfrm>
+            <a:off x="3360000" y="964750"/>
             <a:ext cx="5824281" cy="5079029"/>
           </a:xfrm>
           <a:prstGeom prst="roundRect">
@@ -3617,198 +3839,12 @@
           </a:p>
         </p:txBody>
       </p:sp>
-      <p:sp>
-        <p:nvSpPr>
-          <p:cNvPr id="27" name="ZoneTexte 26">
-            <a:extLst>
-              <a:ext uri="{FF2B5EF4-FFF2-40B4-BE49-F238E27FC236}">
-                <a16:creationId xmlns:a16="http://schemas.microsoft.com/office/drawing/2014/main" id="{36047289-A5EB-01E8-0092-6198DC779379}"/>
-              </a:ext>
-            </a:extLst>
-          </p:cNvPr>
-          <p:cNvSpPr txBox="1"/>
-          <p:nvPr/>
-        </p:nvSpPr>
-        <p:spPr>
-          <a:xfrm>
-            <a:off x="3765005" y="1431749"/>
-            <a:ext cx="2088270" cy="400110"/>
-          </a:xfrm>
-          <a:prstGeom prst="rect">
-            <a:avLst/>
-          </a:prstGeom>
-          <a:noFill/>
-        </p:spPr>
-        <p:txBody>
-          <a:bodyPr wrap="square">
-            <a:spAutoFit/>
-          </a:bodyPr>
-          <a:lstStyle/>
-          <a:p>
-            <a:r>
-              <a:rPr lang="fr-FR" sz="2000" b="1" dirty="0">
-                <a:solidFill>
-                  <a:srgbClr val="4329FF"/>
-                </a:solidFill>
-                <a:latin typeface="Kross Neue Grotesk"/>
-              </a:rPr>
-              <a:t>C-code block</a:t>
-            </a:r>
-          </a:p>
-        </p:txBody>
-      </p:sp>
-      <p:sp>
-        <p:nvSpPr>
-          <p:cNvPr id="28" name="Rectangle : coins arrondis 27">
-            <a:extLst>
-              <a:ext uri="{FF2B5EF4-FFF2-40B4-BE49-F238E27FC236}">
-                <a16:creationId xmlns:a16="http://schemas.microsoft.com/office/drawing/2014/main" id="{A5A2A222-8A8E-13F6-CDDA-C7DA27F569F0}"/>
-              </a:ext>
-            </a:extLst>
-          </p:cNvPr>
-          <p:cNvSpPr/>
-          <p:nvPr/>
-        </p:nvSpPr>
-        <p:spPr>
-          <a:xfrm>
-            <a:off x="7541340" y="1549631"/>
-            <a:ext cx="775503" cy="2610214"/>
-          </a:xfrm>
-          <a:prstGeom prst="roundRect">
-            <a:avLst/>
-          </a:prstGeom>
-          <a:solidFill>
-            <a:srgbClr val="4329FF">
-              <a:alpha val="10000"/>
-            </a:srgbClr>
-          </a:solidFill>
-          <a:ln w="12700" cap="flat" cmpd="sng" algn="ctr">
-            <a:solidFill>
-              <a:srgbClr val="4329FF">
-                <a:shade val="15000"/>
-              </a:srgbClr>
-            </a:solidFill>
-            <a:prstDash val="dash"/>
-            <a:miter lim="800000"/>
-          </a:ln>
-          <a:effectLst/>
-        </p:spPr>
-        <p:txBody>
-          <a:bodyPr rtlCol="0" anchor="ctr"/>
-          <a:lstStyle/>
-          <a:p>
-            <a:pPr marL="0" marR="0" lvl="0" indent="0" algn="ctr" defTabSz="914400" eaLnBrk="1" fontAlgn="auto" latinLnBrk="0" hangingPunct="1">
-              <a:lnSpc>
-                <a:spcPct val="100000"/>
-              </a:lnSpc>
-              <a:spcBef>
-                <a:spcPts val="0"/>
-              </a:spcBef>
-              <a:spcAft>
-                <a:spcPts val="0"/>
-              </a:spcAft>
-              <a:buClrTx/>
-              <a:buSzTx/>
-              <a:buFontTx/>
-              <a:buNone/>
-              <a:tabLst/>
-              <a:defRPr/>
-            </a:pPr>
-            <a:endParaRPr kumimoji="0" lang="fr-FR" sz="1800" b="0" i="0" u="none" strike="noStrike" kern="0" cap="none" spc="0" normalizeH="0" baseline="0" noProof="0">
-              <a:ln>
-                <a:noFill/>
-              </a:ln>
-              <a:solidFill>
-                <a:srgbClr val="FFFFFF"/>
-              </a:solidFill>
-              <a:effectLst/>
-              <a:uLnTx/>
-              <a:uFillTx/>
-              <a:latin typeface="Kross Neue Grotesk"/>
-              <a:ea typeface="+mn-ea"/>
-              <a:cs typeface="+mn-cs"/>
-            </a:endParaRPr>
-          </a:p>
-        </p:txBody>
-      </p:sp>
-      <p:sp>
-        <p:nvSpPr>
-          <p:cNvPr id="29" name="Rectangle : coins arrondis 28">
-            <a:extLst>
-              <a:ext uri="{FF2B5EF4-FFF2-40B4-BE49-F238E27FC236}">
-                <a16:creationId xmlns:a16="http://schemas.microsoft.com/office/drawing/2014/main" id="{66B529F3-13E5-0D68-720B-47F2D5252FBD}"/>
-              </a:ext>
-            </a:extLst>
-          </p:cNvPr>
-          <p:cNvSpPr/>
-          <p:nvPr/>
-        </p:nvSpPr>
-        <p:spPr>
-          <a:xfrm>
-            <a:off x="6001074" y="2363270"/>
-            <a:ext cx="1440290" cy="1779265"/>
-          </a:xfrm>
-          <a:prstGeom prst="roundRect">
-            <a:avLst/>
-          </a:prstGeom>
-          <a:solidFill>
-            <a:srgbClr val="FF7E46">
-              <a:alpha val="10000"/>
-            </a:srgbClr>
-          </a:solidFill>
-          <a:ln w="12700" cap="flat" cmpd="sng" algn="ctr">
-            <a:solidFill>
-              <a:srgbClr val="FF7E46"/>
-            </a:solidFill>
-            <a:prstDash val="dash"/>
-            <a:miter lim="800000"/>
-          </a:ln>
-          <a:effectLst/>
-        </p:spPr>
-        <p:txBody>
-          <a:bodyPr rtlCol="0" anchor="ctr"/>
-          <a:lstStyle/>
-          <a:p>
-            <a:pPr marL="0" marR="0" lvl="0" indent="0" algn="ctr" defTabSz="914400" eaLnBrk="1" fontAlgn="auto" latinLnBrk="0" hangingPunct="1">
-              <a:lnSpc>
-                <a:spcPct val="100000"/>
-              </a:lnSpc>
-              <a:spcBef>
-                <a:spcPts val="0"/>
-              </a:spcBef>
-              <a:spcAft>
-                <a:spcPts val="0"/>
-              </a:spcAft>
-              <a:buClrTx/>
-              <a:buSzTx/>
-              <a:buFontTx/>
-              <a:buNone/>
-              <a:tabLst/>
-              <a:defRPr/>
-            </a:pPr>
-            <a:endParaRPr kumimoji="0" lang="fr-FR" sz="1800" b="0" i="0" u="none" strike="noStrike" kern="0" cap="none" spc="0" normalizeH="0" baseline="0" noProof="0">
-              <a:ln>
-                <a:noFill/>
-              </a:ln>
-              <a:solidFill>
-                <a:srgbClr val="FFFFFF"/>
-              </a:solidFill>
-              <a:effectLst/>
-              <a:uLnTx/>
-              <a:uFillTx/>
-              <a:latin typeface="Kross Neue Grotesk"/>
-              <a:ea typeface="+mn-ea"/>
-              <a:cs typeface="+mn-cs"/>
-            </a:endParaRPr>
-          </a:p>
-        </p:txBody>
-      </p:sp>
       <p:pic>
         <p:nvPicPr>
-          <p:cNvPr id="30" name="Image 29">
-            <a:extLst>
-              <a:ext uri="{FF2B5EF4-FFF2-40B4-BE49-F238E27FC236}">
-                <a16:creationId xmlns:a16="http://schemas.microsoft.com/office/drawing/2014/main" id="{1B45ED91-FF57-46E7-3553-E8662C831DBF}"/>
+          <p:cNvPr id="5" name="Image 4">
+            <a:extLst>
+              <a:ext uri="{FF2B5EF4-FFF2-40B4-BE49-F238E27FC236}">
+                <a16:creationId xmlns:a16="http://schemas.microsoft.com/office/drawing/2014/main" id="{A3141B48-9CBF-46D8-CBD8-90D63CE656C7}"/>
               </a:ext>
             </a:extLst>
           </p:cNvPr>
@@ -3818,61 +3854,25 @@
           <p:nvPr/>
         </p:nvPicPr>
         <p:blipFill>
-          <a:blip r:embed="rId3"/>
+          <a:blip r:embed="rId4"/>
           <a:stretch>
             <a:fillRect/>
           </a:stretch>
         </p:blipFill>
         <p:spPr>
           <a:xfrm>
-            <a:off x="3765005" y="4370954"/>
-            <a:ext cx="5279125" cy="1944541"/>
+            <a:off x="4008000" y="4213066"/>
+            <a:ext cx="4664198" cy="1734426"/>
           </a:xfrm>
           <a:prstGeom prst="rect">
             <a:avLst/>
           </a:prstGeom>
-          <a:ln w="12700">
+          <a:ln>
             <a:solidFill>
-              <a:srgbClr val="FF7E46"/>
+              <a:schemeClr val="accent2"/>
             </a:solidFill>
             <a:prstDash val="dash"/>
           </a:ln>
-        </p:spPr>
-      </p:pic>
-      <p:pic>
-        <p:nvPicPr>
-          <p:cNvPr id="31" name="Image 30" descr="Une image contenant Graphique, cercle, capture d’écran, logo&#10;&#10;Description générée automatiquement">
-            <a:extLst>
-              <a:ext uri="{FF2B5EF4-FFF2-40B4-BE49-F238E27FC236}">
-                <a16:creationId xmlns:a16="http://schemas.microsoft.com/office/drawing/2014/main" id="{08EFF4E1-58D9-6321-66DD-C4A7265BCC39}"/>
-              </a:ext>
-            </a:extLst>
-          </p:cNvPr>
-          <p:cNvPicPr>
-            <a:picLocks noChangeAspect="1"/>
-          </p:cNvPicPr>
-          <p:nvPr/>
-        </p:nvPicPr>
-        <p:blipFill>
-          <a:blip r:embed="rId4">
-            <a:extLst>
-              <a:ext uri="{28A0092B-C50C-407E-A947-70E740481C1C}">
-                <a14:useLocalDpi xmlns:a14="http://schemas.microsoft.com/office/drawing/2010/main" val="0"/>
-              </a:ext>
-            </a:extLst>
-          </a:blip>
-          <a:stretch>
-            <a:fillRect/>
-          </a:stretch>
-        </p:blipFill>
-        <p:spPr>
-          <a:xfrm>
-            <a:off x="5798949" y="1448971"/>
-            <a:ext cx="353307" cy="389900"/>
-          </a:xfrm>
-          <a:prstGeom prst="rect">
-            <a:avLst/>
-          </a:prstGeom>
         </p:spPr>
       </p:pic>
     </p:spTree>
@@ -3957,70 +3957,2663 @@
           </a:p>
         </p:txBody>
       </p:sp>
-      <p:pic>
-        <p:nvPicPr>
-          <p:cNvPr id="47" name="Image 46">
-            <a:extLst>
-              <a:ext uri="{FF2B5EF4-FFF2-40B4-BE49-F238E27FC236}">
-                <a16:creationId xmlns:a16="http://schemas.microsoft.com/office/drawing/2014/main" id="{FE5E5108-F839-938A-7D26-8717C402C8C7}"/>
-              </a:ext>
-            </a:extLst>
-          </p:cNvPr>
-          <p:cNvPicPr>
-            <a:picLocks noChangeAspect="1"/>
-          </p:cNvPicPr>
+      <p:grpSp>
+        <p:nvGrpSpPr>
+          <p:cNvPr id="52" name="Groupe 51">
+            <a:extLst>
+              <a:ext uri="{FF2B5EF4-FFF2-40B4-BE49-F238E27FC236}">
+                <a16:creationId xmlns:a16="http://schemas.microsoft.com/office/drawing/2014/main" id="{66523845-5680-4810-1E08-0DF4EEFB11CE}"/>
+              </a:ext>
+            </a:extLst>
+          </p:cNvPr>
+          <p:cNvGrpSpPr/>
           <p:nvPr/>
-        </p:nvPicPr>
-        <p:blipFill>
-          <a:blip r:embed="rId2"/>
-          <a:stretch>
-            <a:fillRect/>
-          </a:stretch>
-        </p:blipFill>
+        </p:nvGrpSpPr>
+        <p:grpSpPr>
+          <a:xfrm>
+            <a:off x="8204022" y="1287493"/>
+            <a:ext cx="648300" cy="338380"/>
+            <a:chOff x="3091070" y="2109890"/>
+            <a:chExt cx="648300" cy="338380"/>
+          </a:xfrm>
+        </p:grpSpPr>
+        <p:sp>
+          <p:nvSpPr>
+            <p:cNvPr id="53" name="Line 21">
+              <a:extLst>
+                <a:ext uri="{FF2B5EF4-FFF2-40B4-BE49-F238E27FC236}">
+                  <a16:creationId xmlns:a16="http://schemas.microsoft.com/office/drawing/2014/main" id="{9495B8C8-B7F2-8DAE-855F-5724BEAE6DD0}"/>
+                </a:ext>
+              </a:extLst>
+            </p:cNvPr>
+            <p:cNvSpPr>
+              <a:spLocks noChangeShapeType="1"/>
+            </p:cNvSpPr>
+            <p:nvPr/>
+          </p:nvSpPr>
+          <p:spPr bwMode="auto">
+            <a:xfrm>
+              <a:off x="3091070" y="2294797"/>
+              <a:ext cx="152545" cy="0"/>
+            </a:xfrm>
+            <a:prstGeom prst="line">
+              <a:avLst/>
+            </a:prstGeom>
+            <a:noFill/>
+            <a:ln w="19050">
+              <a:solidFill>
+                <a:srgbClr val="4329FF"/>
+              </a:solidFill>
+              <a:round/>
+              <a:headEnd/>
+              <a:tailEnd/>
+            </a:ln>
+            <a:effectLst/>
+            <a:extLst>
+              <a:ext uri="{909E8E84-426E-40DD-AFC4-6F175D3DCCD1}">
+                <a14:hiddenFill xmlns:a14="http://schemas.microsoft.com/office/drawing/2010/main">
+                  <a:noFill/>
+                </a14:hiddenFill>
+              </a:ext>
+              <a:ext uri="{AF507438-7753-43E0-B8FC-AC1667EBCBE1}">
+                <a14:hiddenEffects xmlns:a14="http://schemas.microsoft.com/office/drawing/2010/main">
+                  <a:effectLst>
+                    <a:outerShdw dist="35921" dir="2700000" algn="ctr" rotWithShape="0">
+                      <a:schemeClr val="bg2"/>
+                    </a:outerShdw>
+                  </a:effectLst>
+                </a14:hiddenEffects>
+              </a:ext>
+            </a:extLst>
+          </p:spPr>
+          <p:txBody>
+            <a:bodyPr/>
+            <a:lstStyle/>
+            <a:p>
+              <a:pPr marL="0" marR="0" lvl="0" indent="0" defTabSz="914400" eaLnBrk="1" fontAlgn="auto" latinLnBrk="0" hangingPunct="1">
+                <a:lnSpc>
+                  <a:spcPct val="100000"/>
+                </a:lnSpc>
+                <a:spcBef>
+                  <a:spcPts val="0"/>
+                </a:spcBef>
+                <a:spcAft>
+                  <a:spcPts val="0"/>
+                </a:spcAft>
+                <a:buClrTx/>
+                <a:buSzTx/>
+                <a:buFontTx/>
+                <a:buNone/>
+                <a:tabLst/>
+                <a:defRPr/>
+              </a:pPr>
+              <a:endParaRPr kumimoji="0" lang="en-US" sz="1800" b="0" i="0" u="none" strike="noStrike" kern="0" cap="none" spc="0" normalizeH="0" baseline="0" noProof="0">
+                <a:ln>
+                  <a:noFill/>
+                </a:ln>
+                <a:solidFill>
+                  <a:srgbClr val="000000"/>
+                </a:solidFill>
+                <a:effectLst/>
+                <a:uLnTx/>
+                <a:uFillTx/>
+                <a:latin typeface="Kross Neue Grotesk"/>
+              </a:endParaRPr>
+            </a:p>
+          </p:txBody>
+        </p:sp>
+        <p:sp>
+          <p:nvSpPr>
+            <p:cNvPr id="54" name="Line 35">
+              <a:extLst>
+                <a:ext uri="{FF2B5EF4-FFF2-40B4-BE49-F238E27FC236}">
+                  <a16:creationId xmlns:a16="http://schemas.microsoft.com/office/drawing/2014/main" id="{920AA1F9-6EEF-E2DA-DDF0-E04825B3E211}"/>
+                </a:ext>
+              </a:extLst>
+            </p:cNvPr>
+            <p:cNvSpPr>
+              <a:spLocks noChangeShapeType="1"/>
+            </p:cNvSpPr>
+            <p:nvPr/>
+          </p:nvSpPr>
+          <p:spPr bwMode="auto">
+            <a:xfrm>
+              <a:off x="3583844" y="2289250"/>
+              <a:ext cx="155526" cy="0"/>
+            </a:xfrm>
+            <a:prstGeom prst="line">
+              <a:avLst/>
+            </a:prstGeom>
+            <a:noFill/>
+            <a:ln w="19050">
+              <a:solidFill>
+                <a:srgbClr val="4329FF"/>
+              </a:solidFill>
+              <a:round/>
+              <a:headEnd/>
+              <a:tailEnd/>
+            </a:ln>
+            <a:effectLst/>
+            <a:extLst>
+              <a:ext uri="{909E8E84-426E-40DD-AFC4-6F175D3DCCD1}">
+                <a14:hiddenFill xmlns:a14="http://schemas.microsoft.com/office/drawing/2010/main">
+                  <a:noFill/>
+                </a14:hiddenFill>
+              </a:ext>
+              <a:ext uri="{AF507438-7753-43E0-B8FC-AC1667EBCBE1}">
+                <a14:hiddenEffects xmlns:a14="http://schemas.microsoft.com/office/drawing/2010/main">
+                  <a:effectLst>
+                    <a:outerShdw dist="35921" dir="2700000" algn="ctr" rotWithShape="0">
+                      <a:schemeClr val="bg2"/>
+                    </a:outerShdw>
+                  </a:effectLst>
+                </a14:hiddenEffects>
+              </a:ext>
+            </a:extLst>
+          </p:spPr>
+          <p:txBody>
+            <a:bodyPr wrap="square" anchor="ctr">
+              <a:spAutoFit/>
+            </a:bodyPr>
+            <a:lstStyle/>
+            <a:p>
+              <a:pPr marL="0" marR="0" lvl="0" indent="0" defTabSz="914400" eaLnBrk="1" fontAlgn="auto" latinLnBrk="0" hangingPunct="1">
+                <a:lnSpc>
+                  <a:spcPct val="100000"/>
+                </a:lnSpc>
+                <a:spcBef>
+                  <a:spcPts val="0"/>
+                </a:spcBef>
+                <a:spcAft>
+                  <a:spcPts val="0"/>
+                </a:spcAft>
+                <a:buClrTx/>
+                <a:buSzTx/>
+                <a:buFontTx/>
+                <a:buNone/>
+                <a:tabLst/>
+                <a:defRPr/>
+              </a:pPr>
+              <a:endParaRPr kumimoji="0" lang="en-US" sz="1800" b="0" i="0" u="none" strike="noStrike" kern="0" cap="none" spc="0" normalizeH="0" baseline="0" noProof="0">
+                <a:ln>
+                  <a:noFill/>
+                </a:ln>
+                <a:solidFill>
+                  <a:srgbClr val="000000"/>
+                </a:solidFill>
+                <a:effectLst/>
+                <a:uLnTx/>
+                <a:uFillTx/>
+                <a:latin typeface="Kross Neue Grotesk"/>
+              </a:endParaRPr>
+            </a:p>
+          </p:txBody>
+        </p:sp>
+        <p:sp>
+          <p:nvSpPr>
+            <p:cNvPr id="55" name="Line 37">
+              <a:extLst>
+                <a:ext uri="{FF2B5EF4-FFF2-40B4-BE49-F238E27FC236}">
+                  <a16:creationId xmlns:a16="http://schemas.microsoft.com/office/drawing/2014/main" id="{6F9396A3-7A24-8079-80D4-85B55EAF3957}"/>
+                </a:ext>
+              </a:extLst>
+            </p:cNvPr>
+            <p:cNvSpPr>
+              <a:spLocks noChangeShapeType="1"/>
+            </p:cNvSpPr>
+            <p:nvPr/>
+          </p:nvSpPr>
+          <p:spPr bwMode="auto">
+            <a:xfrm flipV="1">
+              <a:off x="3269502" y="2109890"/>
+              <a:ext cx="278285" cy="338380"/>
+            </a:xfrm>
+            <a:prstGeom prst="line">
+              <a:avLst/>
+            </a:prstGeom>
+            <a:noFill/>
+            <a:ln w="19050">
+              <a:solidFill>
+                <a:srgbClr val="4329FF"/>
+              </a:solidFill>
+              <a:round/>
+              <a:headEnd/>
+              <a:tailEnd type="triangle" w="med" len="med"/>
+            </a:ln>
+            <a:effectLst/>
+            <a:extLst>
+              <a:ext uri="{909E8E84-426E-40DD-AFC4-6F175D3DCCD1}">
+                <a14:hiddenFill xmlns:a14="http://schemas.microsoft.com/office/drawing/2010/main">
+                  <a:noFill/>
+                </a14:hiddenFill>
+              </a:ext>
+              <a:ext uri="{AF507438-7753-43E0-B8FC-AC1667EBCBE1}">
+                <a14:hiddenEffects xmlns:a14="http://schemas.microsoft.com/office/drawing/2010/main">
+                  <a:effectLst>
+                    <a:outerShdw dist="35921" dir="2700000" algn="ctr" rotWithShape="0">
+                      <a:schemeClr val="bg2"/>
+                    </a:outerShdw>
+                  </a:effectLst>
+                </a14:hiddenEffects>
+              </a:ext>
+            </a:extLst>
+          </p:spPr>
+          <p:txBody>
+            <a:bodyPr anchor="ctr">
+              <a:spAutoFit/>
+            </a:bodyPr>
+            <a:lstStyle/>
+            <a:p>
+              <a:pPr marL="0" marR="0" lvl="0" indent="0" defTabSz="914400" eaLnBrk="1" fontAlgn="auto" latinLnBrk="0" hangingPunct="1">
+                <a:lnSpc>
+                  <a:spcPct val="100000"/>
+                </a:lnSpc>
+                <a:spcBef>
+                  <a:spcPts val="0"/>
+                </a:spcBef>
+                <a:spcAft>
+                  <a:spcPts val="0"/>
+                </a:spcAft>
+                <a:buClrTx/>
+                <a:buSzTx/>
+                <a:buFontTx/>
+                <a:buNone/>
+                <a:tabLst/>
+                <a:defRPr/>
+              </a:pPr>
+              <a:endParaRPr kumimoji="0" lang="en-US" sz="1800" b="0" i="0" u="none" strike="noStrike" kern="0" cap="none" spc="0" normalizeH="0" baseline="0" noProof="0">
+                <a:ln>
+                  <a:noFill/>
+                </a:ln>
+                <a:solidFill>
+                  <a:srgbClr val="000000"/>
+                </a:solidFill>
+                <a:effectLst/>
+                <a:uLnTx/>
+                <a:uFillTx/>
+                <a:latin typeface="Kross Neue Grotesk"/>
+              </a:endParaRPr>
+            </a:p>
+          </p:txBody>
+        </p:sp>
+        <p:sp>
+          <p:nvSpPr>
+            <p:cNvPr id="56" name="Rectangle 38">
+              <a:extLst>
+                <a:ext uri="{FF2B5EF4-FFF2-40B4-BE49-F238E27FC236}">
+                  <a16:creationId xmlns:a16="http://schemas.microsoft.com/office/drawing/2014/main" id="{47DB920F-F7D0-E924-FF35-D1659EC86ECE}"/>
+                </a:ext>
+              </a:extLst>
+            </p:cNvPr>
+            <p:cNvSpPr>
+              <a:spLocks noChangeArrowheads="1"/>
+            </p:cNvSpPr>
+            <p:nvPr/>
+          </p:nvSpPr>
+          <p:spPr bwMode="auto">
+            <a:xfrm>
+              <a:off x="3243615" y="2215287"/>
+              <a:ext cx="341154" cy="131284"/>
+            </a:xfrm>
+            <a:prstGeom prst="rect">
+              <a:avLst/>
+            </a:prstGeom>
+            <a:noFill/>
+            <a:ln w="19050" algn="ctr">
+              <a:solidFill>
+                <a:srgbClr val="4329FF"/>
+              </a:solidFill>
+              <a:miter lim="800000"/>
+              <a:headEnd/>
+              <a:tailEnd/>
+            </a:ln>
+            <a:effectLst/>
+            <a:extLst>
+              <a:ext uri="{909E8E84-426E-40DD-AFC4-6F175D3DCCD1}">
+                <a14:hiddenFill xmlns:a14="http://schemas.microsoft.com/office/drawing/2010/main">
+                  <a:solidFill>
+                    <a:schemeClr val="accent1"/>
+                  </a:solidFill>
+                </a14:hiddenFill>
+              </a:ext>
+              <a:ext uri="{AF507438-7753-43E0-B8FC-AC1667EBCBE1}">
+                <a14:hiddenEffects xmlns:a14="http://schemas.microsoft.com/office/drawing/2010/main">
+                  <a:effectLst>
+                    <a:outerShdw dist="35921" dir="2700000" algn="ctr" rotWithShape="0">
+                      <a:schemeClr val="bg2"/>
+                    </a:outerShdw>
+                  </a:effectLst>
+                </a14:hiddenEffects>
+              </a:ext>
+            </a:extLst>
+          </p:spPr>
+          <p:txBody>
+            <a:bodyPr wrap="none" anchor="ctr"/>
+            <a:lstStyle/>
+            <a:p>
+              <a:pPr marL="0" marR="0" lvl="0" indent="0" defTabSz="914400" eaLnBrk="1" fontAlgn="auto" latinLnBrk="0" hangingPunct="1">
+                <a:lnSpc>
+                  <a:spcPct val="100000"/>
+                </a:lnSpc>
+                <a:spcBef>
+                  <a:spcPts val="0"/>
+                </a:spcBef>
+                <a:spcAft>
+                  <a:spcPts val="0"/>
+                </a:spcAft>
+                <a:buClrTx/>
+                <a:buSzTx/>
+                <a:buFontTx/>
+                <a:buNone/>
+                <a:tabLst/>
+                <a:defRPr/>
+              </a:pPr>
+              <a:endParaRPr kumimoji="0" lang="en-US" sz="1800" b="0" i="0" u="none" strike="noStrike" kern="0" cap="none" spc="0" normalizeH="0" baseline="0" noProof="0">
+                <a:ln>
+                  <a:noFill/>
+                </a:ln>
+                <a:solidFill>
+                  <a:srgbClr val="000000"/>
+                </a:solidFill>
+                <a:effectLst/>
+                <a:uLnTx/>
+                <a:uFillTx/>
+                <a:latin typeface="Kross Neue Grotesk"/>
+              </a:endParaRPr>
+            </a:p>
+          </p:txBody>
+        </p:sp>
+      </p:grpSp>
+      <p:sp>
+        <p:nvSpPr>
+          <p:cNvPr id="57" name="ZoneTexte 56">
+            <a:extLst>
+              <a:ext uri="{FF2B5EF4-FFF2-40B4-BE49-F238E27FC236}">
+                <a16:creationId xmlns:a16="http://schemas.microsoft.com/office/drawing/2014/main" id="{04847F83-4557-F297-D43C-25568EA60446}"/>
+              </a:ext>
+            </a:extLst>
+          </p:cNvPr>
+          <p:cNvSpPr txBox="1"/>
+          <p:nvPr/>
+        </p:nvSpPr>
         <p:spPr>
           <a:xfrm>
-            <a:off x="6200756" y="2021408"/>
-            <a:ext cx="1633744" cy="3967664"/>
+            <a:off x="6354351" y="1226151"/>
+            <a:ext cx="1872768" cy="400110"/>
           </a:xfrm>
           <a:prstGeom prst="rect">
             <a:avLst/>
           </a:prstGeom>
+          <a:noFill/>
         </p:spPr>
-      </p:pic>
-      <p:sp>
-        <p:nvSpPr>
-          <p:cNvPr id="48" name="Rectangle : coins arrondis 47">
-            <a:extLst>
-              <a:ext uri="{FF2B5EF4-FFF2-40B4-BE49-F238E27FC236}">
-                <a16:creationId xmlns:a16="http://schemas.microsoft.com/office/drawing/2014/main" id="{6F4BC800-9333-77C3-14A4-DB698B7F0A8B}"/>
-              </a:ext>
-            </a:extLst>
-          </p:cNvPr>
-          <p:cNvSpPr/>
+        <p:txBody>
+          <a:bodyPr wrap="square">
+            <a:spAutoFit/>
+          </a:bodyPr>
+          <a:lstStyle/>
+          <a:p>
+            <a:r>
+              <a:rPr lang="fr-FR" sz="2000" b="1" dirty="0">
+                <a:solidFill>
+                  <a:srgbClr val="4329FF"/>
+                </a:solidFill>
+                <a:latin typeface="Kross Neue Grotesk"/>
+              </a:rPr>
+              <a:t>PWL </a:t>
+            </a:r>
+            <a:r>
+              <a:rPr lang="fr-FR" sz="2000" b="1" dirty="0" err="1">
+                <a:solidFill>
+                  <a:srgbClr val="4329FF"/>
+                </a:solidFill>
+                <a:latin typeface="Kross Neue Grotesk"/>
+              </a:rPr>
+              <a:t>Resistor</a:t>
+            </a:r>
+            <a:endParaRPr lang="fr-FR" sz="2000" b="1" dirty="0">
+              <a:solidFill>
+                <a:srgbClr val="4329FF"/>
+              </a:solidFill>
+              <a:latin typeface="Kross Neue Grotesk"/>
+            </a:endParaRPr>
+          </a:p>
+        </p:txBody>
+      </p:sp>
+      <p:sp>
+        <p:nvSpPr>
+          <p:cNvPr id="58" name="AutoShape 126">
+            <a:extLst>
+              <a:ext uri="{FF2B5EF4-FFF2-40B4-BE49-F238E27FC236}">
+                <a16:creationId xmlns:a16="http://schemas.microsoft.com/office/drawing/2014/main" id="{9E8070C8-3CC8-CCD2-64CC-8FAB18E68787}"/>
+              </a:ext>
+            </a:extLst>
+          </p:cNvPr>
+          <p:cNvSpPr>
+            <a:spLocks noChangeArrowheads="1"/>
+          </p:cNvSpPr>
           <p:nvPr/>
         </p:nvSpPr>
-        <p:spPr>
+        <p:spPr bwMode="auto">
           <a:xfrm>
-            <a:off x="6055370" y="1226150"/>
-            <a:ext cx="5321342" cy="5106339"/>
+            <a:off x="1177467" y="1738435"/>
+            <a:ext cx="2371630" cy="1052093"/>
           </a:xfrm>
           <a:prstGeom prst="roundRect">
             <a:avLst>
-              <a:gd name="adj" fmla="val 8113"/>
+              <a:gd name="adj" fmla="val 16667"/>
             </a:avLst>
           </a:prstGeom>
           <a:solidFill>
-            <a:srgbClr val="4329FF">
-              <a:alpha val="5000"/>
+            <a:srgbClr val="EE765D">
+              <a:lumMod val="20000"/>
+              <a:lumOff val="80000"/>
             </a:srgbClr>
+          </a:solidFill>
+          <a:ln>
+            <a:noFill/>
+          </a:ln>
+          <a:effectLst/>
+        </p:spPr>
+        <p:txBody>
+          <a:bodyPr wrap="none" anchor="ctr"/>
+          <a:lstStyle/>
+          <a:p>
+            <a:pPr marL="0" marR="0" lvl="0" indent="0" defTabSz="914400" eaLnBrk="1" fontAlgn="auto" latinLnBrk="0" hangingPunct="1">
+              <a:lnSpc>
+                <a:spcPct val="100000"/>
+              </a:lnSpc>
+              <a:spcBef>
+                <a:spcPts val="0"/>
+              </a:spcBef>
+              <a:spcAft>
+                <a:spcPts val="0"/>
+              </a:spcAft>
+              <a:buClrTx/>
+              <a:buSzTx/>
+              <a:buFontTx/>
+              <a:buNone/>
+              <a:tabLst/>
+              <a:defRPr/>
+            </a:pPr>
+            <a:endParaRPr kumimoji="0" lang="en-US" sz="1800" b="0" i="0" u="none" strike="noStrike" kern="0" cap="none" spc="0" normalizeH="0" baseline="0" noProof="0">
+              <a:ln>
+                <a:noFill/>
+              </a:ln>
+              <a:solidFill>
+                <a:srgbClr val="000000"/>
+              </a:solidFill>
+              <a:effectLst/>
+              <a:uLnTx/>
+              <a:uFillTx/>
+              <a:latin typeface="Kross Neue Grotesk"/>
+            </a:endParaRPr>
+          </a:p>
+        </p:txBody>
+      </p:sp>
+      <p:sp>
+        <p:nvSpPr>
+          <p:cNvPr id="59" name="AutoShape 125">
+            <a:extLst>
+              <a:ext uri="{FF2B5EF4-FFF2-40B4-BE49-F238E27FC236}">
+                <a16:creationId xmlns:a16="http://schemas.microsoft.com/office/drawing/2014/main" id="{EE3AF3DE-2F48-5784-5484-4DD25F89498F}"/>
+              </a:ext>
+            </a:extLst>
+          </p:cNvPr>
+          <p:cNvSpPr>
+            <a:spLocks noChangeArrowheads="1"/>
+          </p:cNvSpPr>
+          <p:nvPr/>
+        </p:nvSpPr>
+        <p:spPr bwMode="auto">
+          <a:xfrm>
+            <a:off x="1196981" y="2949156"/>
+            <a:ext cx="2329210" cy="908696"/>
+          </a:xfrm>
+          <a:prstGeom prst="roundRect">
+            <a:avLst>
+              <a:gd name="adj" fmla="val 16667"/>
+            </a:avLst>
+          </a:prstGeom>
+          <a:solidFill>
+            <a:srgbClr val="F9F2A2">
+              <a:lumMod val="20000"/>
+              <a:lumOff val="80000"/>
+            </a:srgbClr>
+          </a:solidFill>
+          <a:ln>
+            <a:noFill/>
+          </a:ln>
+          <a:effectLst/>
+        </p:spPr>
+        <p:txBody>
+          <a:bodyPr wrap="none" anchor="ctr"/>
+          <a:lstStyle/>
+          <a:p>
+            <a:pPr marL="0" marR="0" lvl="0" indent="0" defTabSz="914400" eaLnBrk="1" fontAlgn="auto" latinLnBrk="0" hangingPunct="1">
+              <a:lnSpc>
+                <a:spcPct val="100000"/>
+              </a:lnSpc>
+              <a:spcBef>
+                <a:spcPts val="0"/>
+              </a:spcBef>
+              <a:spcAft>
+                <a:spcPts val="0"/>
+              </a:spcAft>
+              <a:buClrTx/>
+              <a:buSzTx/>
+              <a:buFontTx/>
+              <a:buNone/>
+              <a:tabLst/>
+              <a:defRPr/>
+            </a:pPr>
+            <a:endParaRPr kumimoji="0" lang="en-US" sz="1800" b="0" i="0" u="none" strike="noStrike" kern="0" cap="none" spc="0" normalizeH="0" baseline="0" noProof="0">
+              <a:ln>
+                <a:noFill/>
+              </a:ln>
+              <a:solidFill>
+                <a:srgbClr val="000000"/>
+              </a:solidFill>
+              <a:effectLst/>
+              <a:uLnTx/>
+              <a:uFillTx/>
+              <a:latin typeface="Kross Neue Grotesk"/>
+            </a:endParaRPr>
+          </a:p>
+        </p:txBody>
+      </p:sp>
+      <p:sp>
+        <p:nvSpPr>
+          <p:cNvPr id="60" name="AutoShape 123">
+            <a:extLst>
+              <a:ext uri="{FF2B5EF4-FFF2-40B4-BE49-F238E27FC236}">
+                <a16:creationId xmlns:a16="http://schemas.microsoft.com/office/drawing/2014/main" id="{F07C2CEE-4556-9D6E-3689-78CD8C22308C}"/>
+              </a:ext>
+            </a:extLst>
+          </p:cNvPr>
+          <p:cNvSpPr>
+            <a:spLocks noChangeArrowheads="1"/>
+          </p:cNvSpPr>
+          <p:nvPr/>
+        </p:nvSpPr>
+        <p:spPr bwMode="auto">
+          <a:xfrm>
+            <a:off x="1210678" y="4017625"/>
+            <a:ext cx="2299431" cy="1041236"/>
+          </a:xfrm>
+          <a:prstGeom prst="roundRect">
+            <a:avLst>
+              <a:gd name="adj" fmla="val 16667"/>
+            </a:avLst>
+          </a:prstGeom>
+          <a:solidFill>
+            <a:srgbClr val="0A0203">
+              <a:lumMod val="20000"/>
+              <a:lumOff val="80000"/>
+            </a:srgbClr>
+          </a:solidFill>
+          <a:ln>
+            <a:noFill/>
+          </a:ln>
+          <a:effectLst/>
+        </p:spPr>
+        <p:txBody>
+          <a:bodyPr wrap="none" anchor="ctr"/>
+          <a:lstStyle/>
+          <a:p>
+            <a:pPr marL="0" marR="0" lvl="0" indent="0" defTabSz="914400" eaLnBrk="1" fontAlgn="auto" latinLnBrk="0" hangingPunct="1">
+              <a:lnSpc>
+                <a:spcPct val="100000"/>
+              </a:lnSpc>
+              <a:spcBef>
+                <a:spcPts val="0"/>
+              </a:spcBef>
+              <a:spcAft>
+                <a:spcPts val="0"/>
+              </a:spcAft>
+              <a:buClrTx/>
+              <a:buSzTx/>
+              <a:buFontTx/>
+              <a:buNone/>
+              <a:tabLst/>
+              <a:defRPr/>
+            </a:pPr>
+            <a:endParaRPr kumimoji="0" lang="en-US" sz="1800" b="0" i="0" u="none" strike="noStrike" kern="0" cap="none" spc="0" normalizeH="0" baseline="0" noProof="0">
+              <a:ln>
+                <a:noFill/>
+              </a:ln>
+              <a:solidFill>
+                <a:srgbClr val="000000"/>
+              </a:solidFill>
+              <a:effectLst/>
+              <a:uLnTx/>
+              <a:uFillTx/>
+              <a:latin typeface="Kross Neue Grotesk"/>
+            </a:endParaRPr>
+          </a:p>
+        </p:txBody>
+      </p:sp>
+      <p:sp>
+        <p:nvSpPr>
+          <p:cNvPr id="61" name="Oval 8">
+            <a:extLst>
+              <a:ext uri="{FF2B5EF4-FFF2-40B4-BE49-F238E27FC236}">
+                <a16:creationId xmlns:a16="http://schemas.microsoft.com/office/drawing/2014/main" id="{67D494F8-8736-9325-7D95-4F0F15BF64A7}"/>
+              </a:ext>
+            </a:extLst>
+          </p:cNvPr>
+          <p:cNvSpPr>
+            <a:spLocks noChangeArrowheads="1"/>
+          </p:cNvSpPr>
+          <p:nvPr/>
+        </p:nvSpPr>
+        <p:spPr bwMode="auto">
+          <a:xfrm>
+            <a:off x="2885523" y="5280641"/>
+            <a:ext cx="450850" cy="450850"/>
+          </a:xfrm>
+          <a:prstGeom prst="ellipse">
+            <a:avLst/>
+          </a:prstGeom>
+          <a:noFill/>
+          <a:ln w="28575" algn="ctr">
+            <a:solidFill>
+              <a:srgbClr val="000000"/>
+            </a:solidFill>
+            <a:round/>
+            <a:headEnd/>
+            <a:tailEnd/>
+          </a:ln>
+          <a:effectLst/>
+          <a:extLst>
+            <a:ext uri="{909E8E84-426E-40DD-AFC4-6F175D3DCCD1}">
+              <a14:hiddenFill xmlns:a14="http://schemas.microsoft.com/office/drawing/2010/main">
+                <a:solidFill>
+                  <a:srgbClr val="FF9900"/>
+                </a:solidFill>
+              </a14:hiddenFill>
+            </a:ext>
+            <a:ext uri="{AF507438-7753-43E0-B8FC-AC1667EBCBE1}">
+              <a14:hiddenEffects xmlns:a14="http://schemas.microsoft.com/office/drawing/2010/main">
+                <a:effectLst>
+                  <a:outerShdw dist="35921" dir="2700000" algn="ctr" rotWithShape="0">
+                    <a:schemeClr val="bg2"/>
+                  </a:outerShdw>
+                </a:effectLst>
+              </a14:hiddenEffects>
+            </a:ext>
+          </a:extLst>
+        </p:spPr>
+        <p:txBody>
+          <a:bodyPr wrap="none" anchor="ctr"/>
+          <a:lstStyle/>
+          <a:p>
+            <a:endParaRPr lang="en-US">
+              <a:solidFill>
+                <a:srgbClr val="000000"/>
+              </a:solidFill>
+              <a:latin typeface="Kross Neue Grotesk"/>
+            </a:endParaRPr>
+          </a:p>
+        </p:txBody>
+      </p:sp>
+      <p:graphicFrame>
+        <p:nvGraphicFramePr>
+          <p:cNvPr id="62" name="Object 33">
+            <a:extLst>
+              <a:ext uri="{FF2B5EF4-FFF2-40B4-BE49-F238E27FC236}">
+                <a16:creationId xmlns:a16="http://schemas.microsoft.com/office/drawing/2014/main" id="{376E9039-560C-2C0E-61CF-815EA32EBAED}"/>
+              </a:ext>
+            </a:extLst>
+          </p:cNvPr>
+          <p:cNvGraphicFramePr>
+            <a:graphicFrameLocks noChangeAspect="1"/>
+          </p:cNvGraphicFramePr>
+          <p:nvPr>
+            <p:extLst>
+              <p:ext uri="{D42A27DB-BD31-4B8C-83A1-F6EECF244321}">
+                <p14:modId xmlns:p14="http://schemas.microsoft.com/office/powerpoint/2010/main" val="2045796627"/>
+              </p:ext>
+            </p:extLst>
+          </p:nvPr>
+        </p:nvGraphicFramePr>
+        <p:xfrm>
+          <a:off x="2221104" y="3132449"/>
+          <a:ext cx="539750" cy="488950"/>
+        </p:xfrm>
+        <a:graphic>
+          <a:graphicData uri="http://schemas.openxmlformats.org/presentationml/2006/ole">
+            <mc:AlternateContent xmlns:mc="http://schemas.openxmlformats.org/markup-compatibility/2006">
+              <mc:Choice xmlns:v="urn:schemas-microsoft-com:vml" Requires="v">
+                <p:oleObj name="Equation" r:id="rId2" imgW="266400" imgH="241200" progId="Equation.3">
+                  <p:embed/>
+                </p:oleObj>
+              </mc:Choice>
+              <mc:Fallback>
+                <p:oleObj name="Equation" r:id="rId2" imgW="266400" imgH="241200" progId="Equation.3">
+                  <p:embed/>
+                  <p:pic>
+                    <p:nvPicPr>
+                      <p:cNvPr id="13" name="Object 33">
+                        <a:extLst>
+                          <a:ext uri="{FF2B5EF4-FFF2-40B4-BE49-F238E27FC236}">
+                            <a16:creationId xmlns:a16="http://schemas.microsoft.com/office/drawing/2014/main" id="{0DADBDAE-C1ED-F2B7-60A3-DA98CD7BD7AE}"/>
+                          </a:ext>
+                        </a:extLst>
+                      </p:cNvPr>
+                      <p:cNvPicPr>
+                        <a:picLocks noChangeAspect="1" noChangeArrowheads="1"/>
+                      </p:cNvPicPr>
+                      <p:nvPr/>
+                    </p:nvPicPr>
+                    <p:blipFill>
+                      <a:blip r:embed="rId3">
+                        <a:extLst>
+                          <a:ext uri="{28A0092B-C50C-407E-A947-70E740481C1C}">
+                            <a14:useLocalDpi xmlns:a14="http://schemas.microsoft.com/office/drawing/2010/main" val="0"/>
+                          </a:ext>
+                        </a:extLst>
+                      </a:blip>
+                      <a:srcRect/>
+                      <a:stretch>
+                        <a:fillRect/>
+                      </a:stretch>
+                    </p:blipFill>
+                    <p:spPr bwMode="auto">
+                      <a:xfrm>
+                        <a:off x="2221104" y="3132449"/>
+                        <a:ext cx="539750" cy="488950"/>
+                      </a:xfrm>
+                      <a:prstGeom prst="rect">
+                        <a:avLst/>
+                      </a:prstGeom>
+                      <a:noFill/>
+                      <a:ln>
+                        <a:noFill/>
+                      </a:ln>
+                      <a:effectLst/>
+                      <a:extLst>
+                        <a:ext uri="{909E8E84-426E-40DD-AFC4-6F175D3DCCD1}">
+                          <a14:hiddenFill xmlns:a14="http://schemas.microsoft.com/office/drawing/2010/main">
+                            <a:solidFill>
+                              <a:schemeClr val="accent1"/>
+                            </a:solidFill>
+                          </a14:hiddenFill>
+                        </a:ext>
+                        <a:ext uri="{91240B29-F687-4F45-9708-019B960494DF}">
+                          <a14:hiddenLine xmlns:a14="http://schemas.microsoft.com/office/drawing/2010/main" w="9525">
+                            <a:solidFill>
+                              <a:schemeClr val="tx1"/>
+                            </a:solidFill>
+                            <a:miter lim="800000"/>
+                            <a:headEnd/>
+                            <a:tailEnd/>
+                          </a14:hiddenLine>
+                        </a:ext>
+                        <a:ext uri="{AF507438-7753-43E0-B8FC-AC1667EBCBE1}">
+                          <a14:hiddenEffects xmlns:a14="http://schemas.microsoft.com/office/drawing/2010/main">
+                            <a:effectLst>
+                              <a:outerShdw dist="35921" dir="2700000" algn="ctr" rotWithShape="0">
+                                <a:schemeClr val="bg2"/>
+                              </a:outerShdw>
+                            </a:effectLst>
+                          </a14:hiddenEffects>
+                        </a:ext>
+                      </a:extLst>
+                    </p:spPr>
+                  </p:pic>
+                </p:oleObj>
+              </mc:Fallback>
+            </mc:AlternateContent>
+          </a:graphicData>
+        </a:graphic>
+      </p:graphicFrame>
+      <p:sp>
+        <p:nvSpPr>
+          <p:cNvPr id="63" name="Line 9">
+            <a:extLst>
+              <a:ext uri="{FF2B5EF4-FFF2-40B4-BE49-F238E27FC236}">
+                <a16:creationId xmlns:a16="http://schemas.microsoft.com/office/drawing/2014/main" id="{F7CF8FFE-9C7A-04D5-5755-07D5801AB628}"/>
+              </a:ext>
+            </a:extLst>
+          </p:cNvPr>
+          <p:cNvSpPr>
+            <a:spLocks noChangeShapeType="1"/>
+          </p:cNvSpPr>
+          <p:nvPr/>
+        </p:nvSpPr>
+        <p:spPr bwMode="auto">
+          <a:xfrm flipV="1">
+            <a:off x="2783922" y="5166811"/>
+            <a:ext cx="0" cy="534988"/>
+          </a:xfrm>
+          <a:prstGeom prst="line">
+            <a:avLst/>
+          </a:prstGeom>
+          <a:noFill/>
+          <a:ln w="28575">
+            <a:solidFill>
+              <a:srgbClr val="000000"/>
+            </a:solidFill>
+            <a:round/>
+            <a:headEnd/>
+            <a:tailEnd type="triangle" w="med" len="med"/>
+          </a:ln>
+          <a:effectLst/>
+          <a:extLst>
+            <a:ext uri="{909E8E84-426E-40DD-AFC4-6F175D3DCCD1}">
+              <a14:hiddenFill xmlns:a14="http://schemas.microsoft.com/office/drawing/2010/main">
+                <a:noFill/>
+              </a14:hiddenFill>
+            </a:ext>
+            <a:ext uri="{AF507438-7753-43E0-B8FC-AC1667EBCBE1}">
+              <a14:hiddenEffects xmlns:a14="http://schemas.microsoft.com/office/drawing/2010/main">
+                <a:effectLst>
+                  <a:outerShdw dist="35921" dir="2700000" algn="ctr" rotWithShape="0">
+                    <a:schemeClr val="bg2"/>
+                  </a:outerShdw>
+                </a:effectLst>
+              </a14:hiddenEffects>
+            </a:ext>
+          </a:extLst>
+        </p:spPr>
+        <p:txBody>
+          <a:bodyPr wrap="none" anchor="ctr"/>
+          <a:lstStyle/>
+          <a:p>
+            <a:endParaRPr lang="en-US">
+              <a:solidFill>
+                <a:srgbClr val="000000"/>
+              </a:solidFill>
+              <a:latin typeface="Kross Neue Grotesk"/>
+            </a:endParaRPr>
+          </a:p>
+        </p:txBody>
+      </p:sp>
+      <p:sp>
+        <p:nvSpPr>
+          <p:cNvPr id="64" name="Line 21">
+            <a:extLst>
+              <a:ext uri="{FF2B5EF4-FFF2-40B4-BE49-F238E27FC236}">
+                <a16:creationId xmlns:a16="http://schemas.microsoft.com/office/drawing/2014/main" id="{5888C2D8-0517-72AE-48F6-2994DF8C1F14}"/>
+              </a:ext>
+            </a:extLst>
+          </p:cNvPr>
+          <p:cNvSpPr>
+            <a:spLocks noChangeShapeType="1"/>
+          </p:cNvSpPr>
+          <p:nvPr/>
+        </p:nvSpPr>
+        <p:spPr bwMode="auto">
+          <a:xfrm flipV="1">
+            <a:off x="3108090" y="4865293"/>
+            <a:ext cx="0" cy="1143555"/>
+          </a:xfrm>
+          <a:prstGeom prst="line">
+            <a:avLst/>
+          </a:prstGeom>
+          <a:noFill/>
+          <a:ln w="28575">
+            <a:solidFill>
+              <a:srgbClr val="000000"/>
+            </a:solidFill>
+            <a:round/>
+            <a:headEnd/>
+            <a:tailEnd/>
+          </a:ln>
+          <a:effectLst/>
+          <a:extLst>
+            <a:ext uri="{909E8E84-426E-40DD-AFC4-6F175D3DCCD1}">
+              <a14:hiddenFill xmlns:a14="http://schemas.microsoft.com/office/drawing/2010/main">
+                <a:noFill/>
+              </a14:hiddenFill>
+            </a:ext>
+            <a:ext uri="{AF507438-7753-43E0-B8FC-AC1667EBCBE1}">
+              <a14:hiddenEffects xmlns:a14="http://schemas.microsoft.com/office/drawing/2010/main">
+                <a:effectLst>
+                  <a:outerShdw dist="35921" dir="2700000" algn="ctr" rotWithShape="0">
+                    <a:schemeClr val="bg2"/>
+                  </a:outerShdw>
+                </a:effectLst>
+              </a14:hiddenEffects>
+            </a:ext>
+          </a:extLst>
+        </p:spPr>
+        <p:txBody>
+          <a:bodyPr/>
+          <a:lstStyle/>
+          <a:p>
+            <a:endParaRPr lang="en-US">
+              <a:solidFill>
+                <a:srgbClr val="000000"/>
+              </a:solidFill>
+              <a:latin typeface="Kross Neue Grotesk"/>
+            </a:endParaRPr>
+          </a:p>
+        </p:txBody>
+      </p:sp>
+      <p:graphicFrame>
+        <p:nvGraphicFramePr>
+          <p:cNvPr id="65" name="Object 22">
+            <a:extLst>
+              <a:ext uri="{FF2B5EF4-FFF2-40B4-BE49-F238E27FC236}">
+                <a16:creationId xmlns:a16="http://schemas.microsoft.com/office/drawing/2014/main" id="{206B8547-90B7-5413-58CF-B7C7021B7C99}"/>
+              </a:ext>
+            </a:extLst>
+          </p:cNvPr>
+          <p:cNvGraphicFramePr>
+            <a:graphicFrameLocks noGrp="1" noChangeAspect="1"/>
+          </p:cNvGraphicFramePr>
+          <p:nvPr>
+            <p:extLst>
+              <p:ext uri="{D42A27DB-BD31-4B8C-83A1-F6EECF244321}">
+                <p14:modId xmlns:p14="http://schemas.microsoft.com/office/powerpoint/2010/main" val="3087896385"/>
+              </p:ext>
+            </p:extLst>
+          </p:nvPr>
+        </p:nvGraphicFramePr>
+        <p:xfrm>
+          <a:off x="2273427" y="5222533"/>
+          <a:ext cx="450850" cy="454025"/>
+        </p:xfrm>
+        <a:graphic>
+          <a:graphicData uri="http://schemas.openxmlformats.org/presentationml/2006/ole">
+            <mc:AlternateContent xmlns:mc="http://schemas.openxmlformats.org/markup-compatibility/2006">
+              <mc:Choice xmlns:v="urn:schemas-microsoft-com:vml" Requires="v">
+                <p:oleObj name="Equation" r:id="rId4" imgW="215640" imgH="228600" progId="Equation.3">
+                  <p:embed/>
+                </p:oleObj>
+              </mc:Choice>
+              <mc:Fallback>
+                <p:oleObj name="Equation" r:id="rId4" imgW="215640" imgH="228600" progId="Equation.3">
+                  <p:embed/>
+                  <p:pic>
+                    <p:nvPicPr>
+                      <p:cNvPr id="22" name="Object 22">
+                        <a:extLst>
+                          <a:ext uri="{FF2B5EF4-FFF2-40B4-BE49-F238E27FC236}">
+                            <a16:creationId xmlns:a16="http://schemas.microsoft.com/office/drawing/2014/main" id="{C2712EA5-01DA-A96F-0D37-CD0C6CD9C103}"/>
+                          </a:ext>
+                        </a:extLst>
+                      </p:cNvPr>
+                      <p:cNvPicPr>
+                        <a:picLocks noGrp="1" noChangeAspect="1" noChangeArrowheads="1"/>
+                      </p:cNvPicPr>
+                      <p:nvPr/>
+                    </p:nvPicPr>
+                    <p:blipFill>
+                      <a:blip r:embed="rId5">
+                        <a:extLst>
+                          <a:ext uri="{28A0092B-C50C-407E-A947-70E740481C1C}">
+                            <a14:useLocalDpi xmlns:a14="http://schemas.microsoft.com/office/drawing/2010/main" val="0"/>
+                          </a:ext>
+                        </a:extLst>
+                      </a:blip>
+                      <a:srcRect/>
+                      <a:stretch>
+                        <a:fillRect/>
+                      </a:stretch>
+                    </p:blipFill>
+                    <p:spPr bwMode="auto">
+                      <a:xfrm>
+                        <a:off x="2273427" y="5222533"/>
+                        <a:ext cx="450850" cy="454025"/>
+                      </a:xfrm>
+                      <a:prstGeom prst="rect">
+                        <a:avLst/>
+                      </a:prstGeom>
+                      <a:noFill/>
+                      <a:ln>
+                        <a:noFill/>
+                      </a:ln>
+                      <a:effectLst/>
+                      <a:extLst>
+                        <a:ext uri="{909E8E84-426E-40DD-AFC4-6F175D3DCCD1}">
+                          <a14:hiddenFill xmlns:a14="http://schemas.microsoft.com/office/drawing/2010/main">
+                            <a:solidFill>
+                              <a:schemeClr val="accent1"/>
+                            </a:solidFill>
+                          </a14:hiddenFill>
+                        </a:ext>
+                        <a:ext uri="{91240B29-F687-4F45-9708-019B960494DF}">
+                          <a14:hiddenLine xmlns:a14="http://schemas.microsoft.com/office/drawing/2010/main" w="9525">
+                            <a:solidFill>
+                              <a:schemeClr val="tx1"/>
+                            </a:solidFill>
+                            <a:miter lim="800000"/>
+                            <a:headEnd/>
+                            <a:tailEnd/>
+                          </a14:hiddenLine>
+                        </a:ext>
+                        <a:ext uri="{AF507438-7753-43E0-B8FC-AC1667EBCBE1}">
+                          <a14:hiddenEffects xmlns:a14="http://schemas.microsoft.com/office/drawing/2010/main">
+                            <a:effectLst>
+                              <a:outerShdw dist="35921" dir="2700000" algn="ctr" rotWithShape="0">
+                                <a:schemeClr val="bg2"/>
+                              </a:outerShdw>
+                            </a:effectLst>
+                          </a14:hiddenEffects>
+                        </a:ext>
+                      </a:extLst>
+                    </p:spPr>
+                  </p:pic>
+                </p:oleObj>
+              </mc:Fallback>
+            </mc:AlternateContent>
+          </a:graphicData>
+        </a:graphic>
+      </p:graphicFrame>
+      <p:sp>
+        <p:nvSpPr>
+          <p:cNvPr id="66" name="Text Box 27">
+            <a:extLst>
+              <a:ext uri="{FF2B5EF4-FFF2-40B4-BE49-F238E27FC236}">
+                <a16:creationId xmlns:a16="http://schemas.microsoft.com/office/drawing/2014/main" id="{3C26BE68-3C3E-C0EC-6D64-51D3ED933B28}"/>
+              </a:ext>
+            </a:extLst>
+          </p:cNvPr>
+          <p:cNvSpPr txBox="1">
+            <a:spLocks noChangeArrowheads="1"/>
+          </p:cNvSpPr>
+          <p:nvPr/>
+        </p:nvSpPr>
+        <p:spPr bwMode="auto">
+          <a:xfrm>
+            <a:off x="1214429" y="4245855"/>
+            <a:ext cx="1200150" cy="584775"/>
+          </a:xfrm>
+          <a:prstGeom prst="rect">
+            <a:avLst/>
+          </a:prstGeom>
+          <a:noFill/>
+          <a:ln>
+            <a:noFill/>
+          </a:ln>
+          <a:effectLst/>
+          <a:extLst>
+            <a:ext uri="{909E8E84-426E-40DD-AFC4-6F175D3DCCD1}">
+              <a14:hiddenFill xmlns:a14="http://schemas.microsoft.com/office/drawing/2010/main">
+                <a:solidFill>
+                  <a:srgbClr val="FF9900"/>
+                </a:solidFill>
+              </a14:hiddenFill>
+            </a:ext>
+            <a:ext uri="{91240B29-F687-4F45-9708-019B960494DF}">
+              <a14:hiddenLine xmlns:a14="http://schemas.microsoft.com/office/drawing/2010/main" w="9525" algn="ctr">
+                <a:solidFill>
+                  <a:srgbClr val="FFFFFF"/>
+                </a:solidFill>
+                <a:miter lim="800000"/>
+                <a:headEnd/>
+                <a:tailEnd/>
+              </a14:hiddenLine>
+            </a:ext>
+            <a:ext uri="{AF507438-7753-43E0-B8FC-AC1667EBCBE1}">
+              <a14:hiddenEffects xmlns:a14="http://schemas.microsoft.com/office/drawing/2010/main">
+                <a:effectLst>
+                  <a:outerShdw dist="35921" dir="2700000" algn="ctr" rotWithShape="0">
+                    <a:schemeClr val="bg2"/>
+                  </a:outerShdw>
+                </a:effectLst>
+              </a14:hiddenEffects>
+            </a:ext>
+          </a:extLst>
+        </p:spPr>
+        <p:txBody>
+          <a:bodyPr wrap="square">
+            <a:spAutoFit/>
+          </a:bodyPr>
+          <a:lstStyle/>
+          <a:p>
+            <a:r>
+              <a:rPr lang="en-GB" altLang="fr-FR" sz="1600" i="1" dirty="0">
+                <a:solidFill>
+                  <a:srgbClr val="000000"/>
+                </a:solidFill>
+                <a:latin typeface="Kross Neue Grotesk"/>
+              </a:rPr>
+              <a:t>Activation losses</a:t>
+            </a:r>
+          </a:p>
+        </p:txBody>
+      </p:sp>
+      <p:graphicFrame>
+        <p:nvGraphicFramePr>
+          <p:cNvPr id="67" name="Object 30">
+            <a:extLst>
+              <a:ext uri="{FF2B5EF4-FFF2-40B4-BE49-F238E27FC236}">
+                <a16:creationId xmlns:a16="http://schemas.microsoft.com/office/drawing/2014/main" id="{35924EAF-63EA-6E6C-D9F5-4A5DA00166C9}"/>
+              </a:ext>
+            </a:extLst>
+          </p:cNvPr>
+          <p:cNvGraphicFramePr>
+            <a:graphicFrameLocks noChangeAspect="1"/>
+          </p:cNvGraphicFramePr>
+          <p:nvPr>
+            <p:extLst>
+              <p:ext uri="{D42A27DB-BD31-4B8C-83A1-F6EECF244321}">
+                <p14:modId xmlns:p14="http://schemas.microsoft.com/office/powerpoint/2010/main" val="1887288583"/>
+              </p:ext>
+            </p:extLst>
+          </p:nvPr>
+        </p:nvGraphicFramePr>
+        <p:xfrm>
+          <a:off x="2252578" y="4286187"/>
+          <a:ext cx="449262" cy="425450"/>
+        </p:xfrm>
+        <a:graphic>
+          <a:graphicData uri="http://schemas.openxmlformats.org/presentationml/2006/ole">
+            <mc:AlternateContent xmlns:mc="http://schemas.openxmlformats.org/markup-compatibility/2006">
+              <mc:Choice xmlns:v="urn:schemas-microsoft-com:vml" Requires="v">
+                <p:oleObj name="Equation" r:id="rId6" imgW="241200" imgH="228600" progId="Equation.3">
+                  <p:embed/>
+                </p:oleObj>
+              </mc:Choice>
+              <mc:Fallback>
+                <p:oleObj name="Equation" r:id="rId6" imgW="241200" imgH="228600" progId="Equation.3">
+                  <p:embed/>
+                  <p:pic>
+                    <p:nvPicPr>
+                      <p:cNvPr id="33" name="Object 30">
+                        <a:extLst>
+                          <a:ext uri="{FF2B5EF4-FFF2-40B4-BE49-F238E27FC236}">
+                            <a16:creationId xmlns:a16="http://schemas.microsoft.com/office/drawing/2014/main" id="{1DD3C53D-F10E-DD8D-0FDB-45066441BF3E}"/>
+                          </a:ext>
+                        </a:extLst>
+                      </p:cNvPr>
+                      <p:cNvPicPr>
+                        <a:picLocks noChangeAspect="1" noChangeArrowheads="1"/>
+                      </p:cNvPicPr>
+                      <p:nvPr/>
+                    </p:nvPicPr>
+                    <p:blipFill>
+                      <a:blip r:embed="rId7">
+                        <a:extLst>
+                          <a:ext uri="{28A0092B-C50C-407E-A947-70E740481C1C}">
+                            <a14:useLocalDpi xmlns:a14="http://schemas.microsoft.com/office/drawing/2010/main" val="0"/>
+                          </a:ext>
+                        </a:extLst>
+                      </a:blip>
+                      <a:srcRect/>
+                      <a:stretch>
+                        <a:fillRect/>
+                      </a:stretch>
+                    </p:blipFill>
+                    <p:spPr bwMode="auto">
+                      <a:xfrm>
+                        <a:off x="2252578" y="4286187"/>
+                        <a:ext cx="449262" cy="425450"/>
+                      </a:xfrm>
+                      <a:prstGeom prst="rect">
+                        <a:avLst/>
+                      </a:prstGeom>
+                      <a:noFill/>
+                      <a:ln>
+                        <a:noFill/>
+                      </a:ln>
+                      <a:effectLst/>
+                      <a:extLst>
+                        <a:ext uri="{909E8E84-426E-40DD-AFC4-6F175D3DCCD1}">
+                          <a14:hiddenFill xmlns:a14="http://schemas.microsoft.com/office/drawing/2010/main">
+                            <a:solidFill>
+                              <a:schemeClr val="accent1"/>
+                            </a:solidFill>
+                          </a14:hiddenFill>
+                        </a:ext>
+                        <a:ext uri="{91240B29-F687-4F45-9708-019B960494DF}">
+                          <a14:hiddenLine xmlns:a14="http://schemas.microsoft.com/office/drawing/2010/main" w="9525">
+                            <a:solidFill>
+                              <a:schemeClr val="tx1"/>
+                            </a:solidFill>
+                            <a:miter lim="800000"/>
+                            <a:headEnd/>
+                            <a:tailEnd/>
+                          </a14:hiddenLine>
+                        </a:ext>
+                        <a:ext uri="{AF507438-7753-43E0-B8FC-AC1667EBCBE1}">
+                          <a14:hiddenEffects xmlns:a14="http://schemas.microsoft.com/office/drawing/2010/main">
+                            <a:effectLst>
+                              <a:outerShdw dist="35921" dir="2700000" algn="ctr" rotWithShape="0">
+                                <a:schemeClr val="bg2"/>
+                              </a:outerShdw>
+                            </a:effectLst>
+                          </a14:hiddenEffects>
+                        </a:ext>
+                      </a:extLst>
+                    </p:spPr>
+                  </p:pic>
+                </p:oleObj>
+              </mc:Fallback>
+            </mc:AlternateContent>
+          </a:graphicData>
+        </a:graphic>
+      </p:graphicFrame>
+      <p:sp>
+        <p:nvSpPr>
+          <p:cNvPr id="68" name="Text Box 32">
+            <a:extLst>
+              <a:ext uri="{FF2B5EF4-FFF2-40B4-BE49-F238E27FC236}">
+                <a16:creationId xmlns:a16="http://schemas.microsoft.com/office/drawing/2014/main" id="{B922432D-438E-CBFB-0E64-B9A057A4A9F9}"/>
+              </a:ext>
+            </a:extLst>
+          </p:cNvPr>
+          <p:cNvSpPr txBox="1">
+            <a:spLocks noChangeArrowheads="1"/>
+          </p:cNvSpPr>
+          <p:nvPr/>
+        </p:nvSpPr>
+        <p:spPr bwMode="auto">
+          <a:xfrm>
+            <a:off x="1198747" y="3182059"/>
+            <a:ext cx="969182" cy="584775"/>
+          </a:xfrm>
+          <a:prstGeom prst="rect">
+            <a:avLst/>
+          </a:prstGeom>
+          <a:noFill/>
+          <a:ln>
+            <a:noFill/>
+          </a:ln>
+          <a:effectLst/>
+          <a:extLst>
+            <a:ext uri="{909E8E84-426E-40DD-AFC4-6F175D3DCCD1}">
+              <a14:hiddenFill xmlns:a14="http://schemas.microsoft.com/office/drawing/2010/main">
+                <a:solidFill>
+                  <a:srgbClr val="FF9900"/>
+                </a:solidFill>
+              </a14:hiddenFill>
+            </a:ext>
+            <a:ext uri="{91240B29-F687-4F45-9708-019B960494DF}">
+              <a14:hiddenLine xmlns:a14="http://schemas.microsoft.com/office/drawing/2010/main" w="9525" algn="ctr">
+                <a:solidFill>
+                  <a:srgbClr val="FFFFFF"/>
+                </a:solidFill>
+                <a:miter lim="800000"/>
+                <a:headEnd/>
+                <a:tailEnd/>
+              </a14:hiddenLine>
+            </a:ext>
+            <a:ext uri="{AF507438-7753-43E0-B8FC-AC1667EBCBE1}">
+              <a14:hiddenEffects xmlns:a14="http://schemas.microsoft.com/office/drawing/2010/main">
+                <a:effectLst>
+                  <a:outerShdw dist="35921" dir="2700000" algn="ctr" rotWithShape="0">
+                    <a:schemeClr val="bg2"/>
+                  </a:outerShdw>
+                </a:effectLst>
+              </a14:hiddenEffects>
+            </a:ext>
+          </a:extLst>
+        </p:spPr>
+        <p:txBody>
+          <a:bodyPr wrap="square">
+            <a:spAutoFit/>
+          </a:bodyPr>
+          <a:lstStyle/>
+          <a:p>
+            <a:r>
+              <a:rPr lang="en-GB" altLang="fr-FR" sz="1600" i="1" dirty="0">
+                <a:solidFill>
+                  <a:srgbClr val="000000"/>
+                </a:solidFill>
+                <a:latin typeface="Kross Neue Grotesk"/>
+              </a:rPr>
+              <a:t>Diffusion losses</a:t>
+            </a:r>
+          </a:p>
+        </p:txBody>
+      </p:sp>
+      <p:sp>
+        <p:nvSpPr>
+          <p:cNvPr id="69" name="Line 37">
+            <a:extLst>
+              <a:ext uri="{FF2B5EF4-FFF2-40B4-BE49-F238E27FC236}">
+                <a16:creationId xmlns:a16="http://schemas.microsoft.com/office/drawing/2014/main" id="{447C74CA-01F5-7096-20B4-A3EE47494674}"/>
+              </a:ext>
+            </a:extLst>
+          </p:cNvPr>
+          <p:cNvSpPr>
+            <a:spLocks noChangeShapeType="1"/>
+          </p:cNvSpPr>
+          <p:nvPr/>
+        </p:nvSpPr>
+        <p:spPr bwMode="auto">
+          <a:xfrm flipV="1">
+            <a:off x="2881650" y="4260518"/>
+            <a:ext cx="477838" cy="581025"/>
+          </a:xfrm>
+          <a:prstGeom prst="line">
+            <a:avLst/>
+          </a:prstGeom>
+          <a:noFill/>
+          <a:ln w="25400">
+            <a:solidFill>
+              <a:srgbClr val="000000"/>
+            </a:solidFill>
+            <a:round/>
+            <a:headEnd/>
+            <a:tailEnd type="triangle" w="med" len="med"/>
+          </a:ln>
+          <a:effectLst/>
+          <a:extLst>
+            <a:ext uri="{909E8E84-426E-40DD-AFC4-6F175D3DCCD1}">
+              <a14:hiddenFill xmlns:a14="http://schemas.microsoft.com/office/drawing/2010/main">
+                <a:noFill/>
+              </a14:hiddenFill>
+            </a:ext>
+            <a:ext uri="{AF507438-7753-43E0-B8FC-AC1667EBCBE1}">
+              <a14:hiddenEffects xmlns:a14="http://schemas.microsoft.com/office/drawing/2010/main">
+                <a:effectLst>
+                  <a:outerShdw dist="35921" dir="2700000" algn="ctr" rotWithShape="0">
+                    <a:schemeClr val="bg2"/>
+                  </a:outerShdw>
+                </a:effectLst>
+              </a14:hiddenEffects>
+            </a:ext>
+          </a:extLst>
+        </p:spPr>
+        <p:txBody>
+          <a:bodyPr anchor="ctr">
+            <a:spAutoFit/>
+          </a:bodyPr>
+          <a:lstStyle/>
+          <a:p>
+            <a:endParaRPr lang="en-US">
+              <a:solidFill>
+                <a:srgbClr val="000000"/>
+              </a:solidFill>
+              <a:latin typeface="Kross Neue Grotesk"/>
+            </a:endParaRPr>
+          </a:p>
+        </p:txBody>
+      </p:sp>
+      <p:sp>
+        <p:nvSpPr>
+          <p:cNvPr id="70" name="Rectangle 38">
+            <a:extLst>
+              <a:ext uri="{FF2B5EF4-FFF2-40B4-BE49-F238E27FC236}">
+                <a16:creationId xmlns:a16="http://schemas.microsoft.com/office/drawing/2014/main" id="{9621075D-ED6C-A9C5-6006-84619730A150}"/>
+              </a:ext>
+            </a:extLst>
+          </p:cNvPr>
+          <p:cNvSpPr>
+            <a:spLocks noChangeArrowheads="1"/>
+          </p:cNvSpPr>
+          <p:nvPr/>
+        </p:nvSpPr>
+        <p:spPr bwMode="auto">
+          <a:xfrm rot="16200000">
+            <a:off x="2815196" y="4456527"/>
+            <a:ext cx="585788" cy="225425"/>
+          </a:xfrm>
+          <a:prstGeom prst="rect">
+            <a:avLst/>
+          </a:prstGeom>
+          <a:noFill/>
+          <a:ln w="28575" algn="ctr">
+            <a:solidFill>
+              <a:srgbClr val="000000"/>
+            </a:solidFill>
+            <a:miter lim="800000"/>
+            <a:headEnd/>
+            <a:tailEnd/>
+          </a:ln>
+          <a:effectLst/>
+          <a:extLst>
+            <a:ext uri="{909E8E84-426E-40DD-AFC4-6F175D3DCCD1}">
+              <a14:hiddenFill xmlns:a14="http://schemas.microsoft.com/office/drawing/2010/main">
+                <a:solidFill>
+                  <a:schemeClr val="accent1"/>
+                </a:solidFill>
+              </a14:hiddenFill>
+            </a:ext>
+            <a:ext uri="{AF507438-7753-43E0-B8FC-AC1667EBCBE1}">
+              <a14:hiddenEffects xmlns:a14="http://schemas.microsoft.com/office/drawing/2010/main">
+                <a:effectLst>
+                  <a:outerShdw dist="35921" dir="2700000" algn="ctr" rotWithShape="0">
+                    <a:schemeClr val="bg2"/>
+                  </a:outerShdw>
+                </a:effectLst>
+              </a14:hiddenEffects>
+            </a:ext>
+          </a:extLst>
+        </p:spPr>
+        <p:txBody>
+          <a:bodyPr wrap="none" anchor="ctr"/>
+          <a:lstStyle/>
+          <a:p>
+            <a:pPr marL="0" marR="0" lvl="0" indent="0" defTabSz="914400" eaLnBrk="1" fontAlgn="auto" latinLnBrk="0" hangingPunct="1">
+              <a:lnSpc>
+                <a:spcPct val="100000"/>
+              </a:lnSpc>
+              <a:spcBef>
+                <a:spcPts val="0"/>
+              </a:spcBef>
+              <a:spcAft>
+                <a:spcPts val="0"/>
+              </a:spcAft>
+              <a:buClrTx/>
+              <a:buSzTx/>
+              <a:buFontTx/>
+              <a:buNone/>
+              <a:tabLst/>
+              <a:defRPr/>
+            </a:pPr>
+            <a:endParaRPr kumimoji="0" lang="en-US" sz="1800" b="0" i="0" u="none" strike="noStrike" kern="0" cap="none" spc="0" normalizeH="0" baseline="0" noProof="0">
+              <a:ln>
+                <a:noFill/>
+              </a:ln>
+              <a:solidFill>
+                <a:srgbClr val="000000"/>
+              </a:solidFill>
+              <a:effectLst/>
+              <a:uLnTx/>
+              <a:uFillTx/>
+              <a:latin typeface="Kross Neue Grotesk"/>
+            </a:endParaRPr>
+          </a:p>
+        </p:txBody>
+      </p:sp>
+      <p:sp>
+        <p:nvSpPr>
+          <p:cNvPr id="71" name="Line 39">
+            <a:extLst>
+              <a:ext uri="{FF2B5EF4-FFF2-40B4-BE49-F238E27FC236}">
+                <a16:creationId xmlns:a16="http://schemas.microsoft.com/office/drawing/2014/main" id="{0A4D3710-ADC9-DB7F-17D8-D850910CA62D}"/>
+              </a:ext>
+            </a:extLst>
+          </p:cNvPr>
+          <p:cNvSpPr>
+            <a:spLocks noChangeShapeType="1"/>
+          </p:cNvSpPr>
+          <p:nvPr/>
+        </p:nvSpPr>
+        <p:spPr bwMode="auto">
+          <a:xfrm flipH="1" flipV="1">
+            <a:off x="3108090" y="1755819"/>
+            <a:ext cx="0" cy="198901"/>
+          </a:xfrm>
+          <a:prstGeom prst="line">
+            <a:avLst/>
+          </a:prstGeom>
+          <a:noFill/>
+          <a:ln w="25400">
+            <a:solidFill>
+              <a:srgbClr val="000000"/>
+            </a:solidFill>
+            <a:round/>
+            <a:headEnd/>
+            <a:tailEnd type="triangle" w="lg" len="med"/>
+          </a:ln>
+          <a:effectLst/>
+          <a:extLst>
+            <a:ext uri="{909E8E84-426E-40DD-AFC4-6F175D3DCCD1}">
+              <a14:hiddenFill xmlns:a14="http://schemas.microsoft.com/office/drawing/2010/main">
+                <a:noFill/>
+              </a14:hiddenFill>
+            </a:ext>
+            <a:ext uri="{AF507438-7753-43E0-B8FC-AC1667EBCBE1}">
+              <a14:hiddenEffects xmlns:a14="http://schemas.microsoft.com/office/drawing/2010/main">
+                <a:effectLst>
+                  <a:outerShdw dist="35921" dir="2700000" algn="ctr" rotWithShape="0">
+                    <a:schemeClr val="bg2"/>
+                  </a:outerShdw>
+                </a:effectLst>
+              </a14:hiddenEffects>
+            </a:ext>
+          </a:extLst>
+        </p:spPr>
+        <p:txBody>
+          <a:bodyPr wrap="square">
+            <a:spAutoFit/>
+          </a:bodyPr>
+          <a:lstStyle/>
+          <a:p>
+            <a:endParaRPr lang="en-US">
+              <a:solidFill>
+                <a:srgbClr val="000000"/>
+              </a:solidFill>
+              <a:latin typeface="Kross Neue Grotesk"/>
+            </a:endParaRPr>
+          </a:p>
+        </p:txBody>
+      </p:sp>
+      <p:sp>
+        <p:nvSpPr>
+          <p:cNvPr id="72" name="Text Box 42">
+            <a:extLst>
+              <a:ext uri="{FF2B5EF4-FFF2-40B4-BE49-F238E27FC236}">
+                <a16:creationId xmlns:a16="http://schemas.microsoft.com/office/drawing/2014/main" id="{E31B7056-0E8F-2741-A68C-7727328B65E6}"/>
+              </a:ext>
+            </a:extLst>
+          </p:cNvPr>
+          <p:cNvSpPr txBox="1">
+            <a:spLocks noChangeArrowheads="1"/>
+          </p:cNvSpPr>
+          <p:nvPr/>
+        </p:nvSpPr>
+        <p:spPr bwMode="auto">
+          <a:xfrm>
+            <a:off x="3133978" y="1497548"/>
+            <a:ext cx="248786" cy="369332"/>
+          </a:xfrm>
+          <a:prstGeom prst="rect">
+            <a:avLst/>
+          </a:prstGeom>
+          <a:noFill/>
+          <a:ln>
+            <a:noFill/>
+          </a:ln>
+          <a:effectLst/>
+          <a:extLst>
+            <a:ext uri="{909E8E84-426E-40DD-AFC4-6F175D3DCCD1}">
+              <a14:hiddenFill xmlns:a14="http://schemas.microsoft.com/office/drawing/2010/main">
+                <a:solidFill>
+                  <a:srgbClr val="FF9900"/>
+                </a:solidFill>
+              </a14:hiddenFill>
+            </a:ext>
+            <a:ext uri="{91240B29-F687-4F45-9708-019B960494DF}">
+              <a14:hiddenLine xmlns:a14="http://schemas.microsoft.com/office/drawing/2010/main" w="25400">
+                <a:solidFill>
+                  <a:srgbClr val="FFFFFF"/>
+                </a:solidFill>
+                <a:miter lim="800000"/>
+                <a:headEnd/>
+                <a:tailEnd/>
+              </a14:hiddenLine>
+            </a:ext>
+            <a:ext uri="{AF507438-7753-43E0-B8FC-AC1667EBCBE1}">
+              <a14:hiddenEffects xmlns:a14="http://schemas.microsoft.com/office/drawing/2010/main">
+                <a:effectLst>
+                  <a:outerShdw dist="35921" dir="2700000" algn="ctr" rotWithShape="0">
+                    <a:schemeClr val="bg2"/>
+                  </a:outerShdw>
+                </a:effectLst>
+              </a14:hiddenEffects>
+            </a:ext>
+          </a:extLst>
+        </p:spPr>
+        <p:txBody>
+          <a:bodyPr wrap="none">
+            <a:spAutoFit/>
+          </a:bodyPr>
+          <a:lstStyle/>
+          <a:p>
+            <a:pPr eaLnBrk="0" hangingPunct="0"/>
+            <a:r>
+              <a:rPr lang="en-GB" altLang="fr-FR" b="1" i="1" dirty="0" err="1">
+                <a:solidFill>
+                  <a:srgbClr val="000000"/>
+                </a:solidFill>
+                <a:latin typeface="Times New Roman" panose="02020603050405020304" pitchFamily="18" charset="0"/>
+              </a:rPr>
+              <a:t>i</a:t>
+            </a:r>
+            <a:endParaRPr lang="en-GB" altLang="fr-FR" b="1" i="1" dirty="0">
+              <a:solidFill>
+                <a:srgbClr val="000000"/>
+              </a:solidFill>
+              <a:latin typeface="Times New Roman" panose="02020603050405020304" pitchFamily="18" charset="0"/>
+            </a:endParaRPr>
+          </a:p>
+        </p:txBody>
+      </p:sp>
+      <mc:AlternateContent xmlns:mc="http://schemas.openxmlformats.org/markup-compatibility/2006">
+        <mc:Choice xmlns:a14="http://schemas.microsoft.com/office/drawing/2010/main" Requires="a14">
+          <p:sp>
+            <p:nvSpPr>
+              <p:cNvPr id="73" name="Object 143">
+                <a:extLst>
+                  <a:ext uri="{FF2B5EF4-FFF2-40B4-BE49-F238E27FC236}">
+                    <a16:creationId xmlns:a16="http://schemas.microsoft.com/office/drawing/2014/main" id="{76B96E2A-0676-2F48-9097-57B6D8763762}"/>
+                  </a:ext>
+                </a:extLst>
+              </p:cNvPr>
+              <p:cNvSpPr txBox="1"/>
+              <p:nvPr/>
+            </p:nvSpPr>
+            <p:spPr bwMode="auto">
+              <a:xfrm>
+                <a:off x="2248474" y="2036637"/>
+                <a:ext cx="592138" cy="461962"/>
+              </a:xfrm>
+              <a:prstGeom prst="rect">
+                <a:avLst/>
+              </a:prstGeom>
+              <a:noFill/>
+              <a:ln>
+                <a:noFill/>
+              </a:ln>
+              <a:effectLst/>
+            </p:spPr>
+            <p:txBody>
+              <a:bodyPr>
+                <a:normAutofit/>
+              </a:bodyPr>
+              <a:lstStyle/>
+              <a:p>
+                <a:pPr/>
+                <a14:m>
+                  <m:oMathPara xmlns:m="http://schemas.openxmlformats.org/officeDocument/2006/math">
+                    <m:oMathParaPr>
+                      <m:jc m:val="left"/>
+                    </m:oMathParaPr>
+                    <m:oMath xmlns:m="http://schemas.openxmlformats.org/officeDocument/2006/math">
+                      <m:sSub>
+                        <m:sSubPr>
+                          <m:ctrlPr>
+                            <a:rPr lang="fr-FR" i="1">
+                              <a:solidFill>
+                                <a:srgbClr val="000000"/>
+                              </a:solidFill>
+                              <a:latin typeface="Cambria Math" panose="02040503050406030204" pitchFamily="18" charset="0"/>
+                            </a:rPr>
+                          </m:ctrlPr>
+                        </m:sSubPr>
+                        <m:e>
+                          <m:r>
+                            <a:rPr lang="fr-FR" i="1">
+                              <a:solidFill>
+                                <a:srgbClr val="000000"/>
+                              </a:solidFill>
+                              <a:latin typeface="Cambria Math" panose="02040503050406030204" pitchFamily="18" charset="0"/>
+                            </a:rPr>
+                            <m:t>𝑅</m:t>
+                          </m:r>
+                        </m:e>
+                        <m:sub>
+                          <m:r>
+                            <a:rPr lang="fr-FR" i="1">
+                              <a:solidFill>
+                                <a:srgbClr val="000000"/>
+                              </a:solidFill>
+                              <a:latin typeface="Cambria Math" panose="02040503050406030204" pitchFamily="18" charset="0"/>
+                            </a:rPr>
+                            <m:t>𝑜h𝑚</m:t>
+                          </m:r>
+                        </m:sub>
+                      </m:sSub>
+                    </m:oMath>
+                  </m:oMathPara>
+                </a14:m>
+                <a:endParaRPr lang="fr-FR" dirty="0">
+                  <a:solidFill>
+                    <a:srgbClr val="000000"/>
+                  </a:solidFill>
+                  <a:latin typeface="Kross Neue Grotesk"/>
+                </a:endParaRPr>
+              </a:p>
+            </p:txBody>
+          </p:sp>
+        </mc:Choice>
+        <mc:Fallback>
+          <p:sp>
+            <p:nvSpPr>
+              <p:cNvPr id="73" name="Object 143">
+                <a:extLst>
+                  <a:ext uri="{FF2B5EF4-FFF2-40B4-BE49-F238E27FC236}">
+                    <a16:creationId xmlns:a16="http://schemas.microsoft.com/office/drawing/2014/main" id="{76B96E2A-0676-2F48-9097-57B6D8763762}"/>
+                  </a:ext>
+                </a:extLst>
+              </p:cNvPr>
+              <p:cNvSpPr txBox="1">
+                <a:spLocks noRot="1" noChangeAspect="1" noMove="1" noResize="1" noEditPoints="1" noAdjustHandles="1" noChangeArrowheads="1" noChangeShapeType="1" noTextEdit="1"/>
+              </p:cNvSpPr>
+              <p:nvPr/>
+            </p:nvSpPr>
+            <p:spPr bwMode="auto">
+              <a:xfrm>
+                <a:off x="2248474" y="2036637"/>
+                <a:ext cx="592138" cy="461962"/>
+              </a:xfrm>
+              <a:prstGeom prst="rect">
+                <a:avLst/>
+              </a:prstGeom>
+              <a:blipFill>
+                <a:blip r:embed="rId8"/>
+                <a:stretch>
+                  <a:fillRect r="-10309"/>
+                </a:stretch>
+              </a:blipFill>
+              <a:ln>
+                <a:noFill/>
+              </a:ln>
+              <a:effectLst/>
+            </p:spPr>
+            <p:txBody>
+              <a:bodyPr/>
+              <a:lstStyle/>
+              <a:p>
+                <a:r>
+                  <a:rPr lang="fr-FR">
+                    <a:noFill/>
+                  </a:rPr>
+                  <a:t> </a:t>
+                </a:r>
+              </a:p>
+            </p:txBody>
+          </p:sp>
+        </mc:Fallback>
+      </mc:AlternateContent>
+      <p:sp>
+        <p:nvSpPr>
+          <p:cNvPr id="74" name="Text Box 146">
+            <a:extLst>
+              <a:ext uri="{FF2B5EF4-FFF2-40B4-BE49-F238E27FC236}">
+                <a16:creationId xmlns:a16="http://schemas.microsoft.com/office/drawing/2014/main" id="{6A0677D6-8DF5-E673-33A9-316F83EE5F33}"/>
+              </a:ext>
+            </a:extLst>
+          </p:cNvPr>
+          <p:cNvSpPr txBox="1">
+            <a:spLocks noChangeArrowheads="1"/>
+          </p:cNvSpPr>
+          <p:nvPr/>
+        </p:nvSpPr>
+        <p:spPr bwMode="auto">
+          <a:xfrm>
+            <a:off x="2599329" y="1197310"/>
+            <a:ext cx="536575" cy="701675"/>
+          </a:xfrm>
+          <a:prstGeom prst="rect">
+            <a:avLst/>
+          </a:prstGeom>
+          <a:noFill/>
+          <a:ln>
+            <a:noFill/>
+          </a:ln>
+          <a:effectLst/>
+          <a:extLst>
+            <a:ext uri="{909E8E84-426E-40DD-AFC4-6F175D3DCCD1}">
+              <a14:hiddenFill xmlns:a14="http://schemas.microsoft.com/office/drawing/2010/main">
+                <a:solidFill>
+                  <a:srgbClr val="FF9900"/>
+                </a:solidFill>
+              </a14:hiddenFill>
+            </a:ext>
+            <a:ext uri="{91240B29-F687-4F45-9708-019B960494DF}">
+              <a14:hiddenLine xmlns:a14="http://schemas.microsoft.com/office/drawing/2010/main" w="25400">
+                <a:solidFill>
+                  <a:srgbClr val="FFFFFF"/>
+                </a:solidFill>
+                <a:miter lim="800000"/>
+                <a:headEnd/>
+                <a:tailEnd/>
+              </a14:hiddenLine>
+            </a:ext>
+            <a:ext uri="{AF507438-7753-43E0-B8FC-AC1667EBCBE1}">
+              <a14:hiddenEffects xmlns:a14="http://schemas.microsoft.com/office/drawing/2010/main">
+                <a:effectLst>
+                  <a:outerShdw dist="35921" dir="2700000" algn="ctr" rotWithShape="0">
+                    <a:schemeClr val="bg2"/>
+                  </a:outerShdw>
+                </a:effectLst>
+              </a14:hiddenEffects>
+            </a:ext>
+          </a:extLst>
+        </p:spPr>
+        <p:txBody>
+          <a:bodyPr>
+            <a:spAutoFit/>
+          </a:bodyPr>
+          <a:lstStyle/>
+          <a:p>
+            <a:pPr eaLnBrk="0" hangingPunct="0"/>
+            <a:r>
+              <a:rPr lang="fr-FR" altLang="fr-FR" sz="4000" b="1" dirty="0">
+                <a:solidFill>
+                  <a:srgbClr val="000000"/>
+                </a:solidFill>
+                <a:latin typeface="Kross Neue Grotesk"/>
+              </a:rPr>
+              <a:t>+</a:t>
+            </a:r>
+          </a:p>
+        </p:txBody>
+      </p:sp>
+      <p:sp>
+        <p:nvSpPr>
+          <p:cNvPr id="75" name="Text Box 147">
+            <a:extLst>
+              <a:ext uri="{FF2B5EF4-FFF2-40B4-BE49-F238E27FC236}">
+                <a16:creationId xmlns:a16="http://schemas.microsoft.com/office/drawing/2014/main" id="{288847E6-6D07-1CDB-8752-97939AC6A61C}"/>
+              </a:ext>
+            </a:extLst>
+          </p:cNvPr>
+          <p:cNvSpPr txBox="1">
+            <a:spLocks noChangeArrowheads="1"/>
+          </p:cNvSpPr>
+          <p:nvPr/>
+        </p:nvSpPr>
+        <p:spPr bwMode="auto">
+          <a:xfrm>
+            <a:off x="2544543" y="5587498"/>
+            <a:ext cx="536575" cy="701675"/>
+          </a:xfrm>
+          <a:prstGeom prst="rect">
+            <a:avLst/>
+          </a:prstGeom>
+          <a:noFill/>
+          <a:ln>
+            <a:noFill/>
+          </a:ln>
+          <a:effectLst/>
+          <a:extLst>
+            <a:ext uri="{909E8E84-426E-40DD-AFC4-6F175D3DCCD1}">
+              <a14:hiddenFill xmlns:a14="http://schemas.microsoft.com/office/drawing/2010/main">
+                <a:solidFill>
+                  <a:srgbClr val="FF9900"/>
+                </a:solidFill>
+              </a14:hiddenFill>
+            </a:ext>
+            <a:ext uri="{91240B29-F687-4F45-9708-019B960494DF}">
+              <a14:hiddenLine xmlns:a14="http://schemas.microsoft.com/office/drawing/2010/main" w="25400">
+                <a:solidFill>
+                  <a:srgbClr val="FFFFFF"/>
+                </a:solidFill>
+                <a:miter lim="800000"/>
+                <a:headEnd/>
+                <a:tailEnd/>
+              </a14:hiddenLine>
+            </a:ext>
+            <a:ext uri="{AF507438-7753-43E0-B8FC-AC1667EBCBE1}">
+              <a14:hiddenEffects xmlns:a14="http://schemas.microsoft.com/office/drawing/2010/main">
+                <a:effectLst>
+                  <a:outerShdw dist="35921" dir="2700000" algn="ctr" rotWithShape="0">
+                    <a:schemeClr val="bg2"/>
+                  </a:outerShdw>
+                </a:effectLst>
+              </a14:hiddenEffects>
+            </a:ext>
+          </a:extLst>
+        </p:spPr>
+        <p:txBody>
+          <a:bodyPr>
+            <a:spAutoFit/>
+          </a:bodyPr>
+          <a:lstStyle/>
+          <a:p>
+            <a:pPr eaLnBrk="0" hangingPunct="0"/>
+            <a:r>
+              <a:rPr lang="fr-FR" altLang="fr-FR" sz="4000" b="1" dirty="0">
+                <a:solidFill>
+                  <a:srgbClr val="000000"/>
+                </a:solidFill>
+                <a:latin typeface="Kross Neue Grotesk"/>
+              </a:rPr>
+              <a:t>-</a:t>
+            </a:r>
+          </a:p>
+        </p:txBody>
+      </p:sp>
+      <p:sp>
+        <p:nvSpPr>
+          <p:cNvPr id="76" name="Line 9">
+            <a:extLst>
+              <a:ext uri="{FF2B5EF4-FFF2-40B4-BE49-F238E27FC236}">
+                <a16:creationId xmlns:a16="http://schemas.microsoft.com/office/drawing/2014/main" id="{5276CF46-502D-A230-3782-9AEC3165050A}"/>
+              </a:ext>
+            </a:extLst>
+          </p:cNvPr>
+          <p:cNvSpPr>
+            <a:spLocks noChangeShapeType="1"/>
+          </p:cNvSpPr>
+          <p:nvPr/>
+        </p:nvSpPr>
+        <p:spPr bwMode="auto">
+          <a:xfrm>
+            <a:off x="2783922" y="4337445"/>
+            <a:ext cx="0" cy="524689"/>
+          </a:xfrm>
+          <a:prstGeom prst="line">
+            <a:avLst/>
+          </a:prstGeom>
+          <a:noFill/>
+          <a:ln w="28575">
+            <a:solidFill>
+              <a:srgbClr val="000000"/>
+            </a:solidFill>
+            <a:round/>
+            <a:headEnd/>
+            <a:tailEnd type="triangle" w="med" len="med"/>
+          </a:ln>
+          <a:effectLst/>
+          <a:extLst>
+            <a:ext uri="{909E8E84-426E-40DD-AFC4-6F175D3DCCD1}">
+              <a14:hiddenFill xmlns:a14="http://schemas.microsoft.com/office/drawing/2010/main">
+                <a:noFill/>
+              </a14:hiddenFill>
+            </a:ext>
+            <a:ext uri="{AF507438-7753-43E0-B8FC-AC1667EBCBE1}">
+              <a14:hiddenEffects xmlns:a14="http://schemas.microsoft.com/office/drawing/2010/main">
+                <a:effectLst>
+                  <a:outerShdw dist="35921" dir="2700000" algn="ctr" rotWithShape="0">
+                    <a:schemeClr val="bg2"/>
+                  </a:outerShdw>
+                </a:effectLst>
+              </a14:hiddenEffects>
+            </a:ext>
+          </a:extLst>
+        </p:spPr>
+        <p:txBody>
+          <a:bodyPr wrap="none" anchor="ctr"/>
+          <a:lstStyle/>
+          <a:p>
+            <a:endParaRPr lang="en-US">
+              <a:solidFill>
+                <a:srgbClr val="000000"/>
+              </a:solidFill>
+              <a:latin typeface="Kross Neue Grotesk"/>
+            </a:endParaRPr>
+          </a:p>
+        </p:txBody>
+      </p:sp>
+      <p:sp>
+        <p:nvSpPr>
+          <p:cNvPr id="77" name="Line 37">
+            <a:extLst>
+              <a:ext uri="{FF2B5EF4-FFF2-40B4-BE49-F238E27FC236}">
+                <a16:creationId xmlns:a16="http://schemas.microsoft.com/office/drawing/2014/main" id="{D428EF7A-3D3D-5F3A-D36A-A7F02F455584}"/>
+              </a:ext>
+            </a:extLst>
+          </p:cNvPr>
+          <p:cNvSpPr>
+            <a:spLocks noChangeShapeType="1"/>
+          </p:cNvSpPr>
+          <p:nvPr/>
+        </p:nvSpPr>
+        <p:spPr bwMode="auto">
+          <a:xfrm flipV="1">
+            <a:off x="2881651" y="3160456"/>
+            <a:ext cx="477838" cy="581025"/>
+          </a:xfrm>
+          <a:prstGeom prst="line">
+            <a:avLst/>
+          </a:prstGeom>
+          <a:noFill/>
+          <a:ln w="25400">
+            <a:solidFill>
+              <a:srgbClr val="000000"/>
+            </a:solidFill>
+            <a:round/>
+            <a:headEnd/>
+            <a:tailEnd type="triangle" w="med" len="med"/>
+          </a:ln>
+          <a:effectLst/>
+          <a:extLst>
+            <a:ext uri="{909E8E84-426E-40DD-AFC4-6F175D3DCCD1}">
+              <a14:hiddenFill xmlns:a14="http://schemas.microsoft.com/office/drawing/2010/main">
+                <a:noFill/>
+              </a14:hiddenFill>
+            </a:ext>
+            <a:ext uri="{AF507438-7753-43E0-B8FC-AC1667EBCBE1}">
+              <a14:hiddenEffects xmlns:a14="http://schemas.microsoft.com/office/drawing/2010/main">
+                <a:effectLst>
+                  <a:outerShdw dist="35921" dir="2700000" algn="ctr" rotWithShape="0">
+                    <a:schemeClr val="bg2"/>
+                  </a:outerShdw>
+                </a:effectLst>
+              </a14:hiddenEffects>
+            </a:ext>
+          </a:extLst>
+        </p:spPr>
+        <p:txBody>
+          <a:bodyPr anchor="ctr">
+            <a:spAutoFit/>
+          </a:bodyPr>
+          <a:lstStyle/>
+          <a:p>
+            <a:endParaRPr lang="en-US">
+              <a:solidFill>
+                <a:srgbClr val="000000"/>
+              </a:solidFill>
+              <a:latin typeface="Kross Neue Grotesk"/>
+            </a:endParaRPr>
+          </a:p>
+        </p:txBody>
+      </p:sp>
+      <p:sp>
+        <p:nvSpPr>
+          <p:cNvPr id="78" name="Rectangle 38">
+            <a:extLst>
+              <a:ext uri="{FF2B5EF4-FFF2-40B4-BE49-F238E27FC236}">
+                <a16:creationId xmlns:a16="http://schemas.microsoft.com/office/drawing/2014/main" id="{AB7E679B-3D72-D9B3-C335-972BFCE2BED8}"/>
+              </a:ext>
+            </a:extLst>
+          </p:cNvPr>
+          <p:cNvSpPr>
+            <a:spLocks noChangeArrowheads="1"/>
+          </p:cNvSpPr>
+          <p:nvPr/>
+        </p:nvSpPr>
+        <p:spPr bwMode="auto">
+          <a:xfrm rot="16200000">
+            <a:off x="2815197" y="3356465"/>
+            <a:ext cx="585788" cy="225425"/>
+          </a:xfrm>
+          <a:prstGeom prst="rect">
+            <a:avLst/>
+          </a:prstGeom>
+          <a:noFill/>
+          <a:ln w="28575" algn="ctr">
+            <a:solidFill>
+              <a:srgbClr val="000000"/>
+            </a:solidFill>
+            <a:miter lim="800000"/>
+            <a:headEnd/>
+            <a:tailEnd/>
+          </a:ln>
+          <a:effectLst/>
+          <a:extLst>
+            <a:ext uri="{909E8E84-426E-40DD-AFC4-6F175D3DCCD1}">
+              <a14:hiddenFill xmlns:a14="http://schemas.microsoft.com/office/drawing/2010/main">
+                <a:solidFill>
+                  <a:schemeClr val="accent1"/>
+                </a:solidFill>
+              </a14:hiddenFill>
+            </a:ext>
+            <a:ext uri="{AF507438-7753-43E0-B8FC-AC1667EBCBE1}">
+              <a14:hiddenEffects xmlns:a14="http://schemas.microsoft.com/office/drawing/2010/main">
+                <a:effectLst>
+                  <a:outerShdw dist="35921" dir="2700000" algn="ctr" rotWithShape="0">
+                    <a:schemeClr val="bg2"/>
+                  </a:outerShdw>
+                </a:effectLst>
+              </a14:hiddenEffects>
+            </a:ext>
+          </a:extLst>
+        </p:spPr>
+        <p:txBody>
+          <a:bodyPr wrap="none" anchor="ctr"/>
+          <a:lstStyle/>
+          <a:p>
+            <a:pPr marL="0" marR="0" lvl="0" indent="0" defTabSz="914400" eaLnBrk="1" fontAlgn="auto" latinLnBrk="0" hangingPunct="1">
+              <a:lnSpc>
+                <a:spcPct val="100000"/>
+              </a:lnSpc>
+              <a:spcBef>
+                <a:spcPts val="0"/>
+              </a:spcBef>
+              <a:spcAft>
+                <a:spcPts val="0"/>
+              </a:spcAft>
+              <a:buClrTx/>
+              <a:buSzTx/>
+              <a:buFontTx/>
+              <a:buNone/>
+              <a:tabLst/>
+              <a:defRPr/>
+            </a:pPr>
+            <a:endParaRPr kumimoji="0" lang="en-US" sz="1800" b="0" i="0" u="none" strike="noStrike" kern="0" cap="none" spc="0" normalizeH="0" baseline="0" noProof="0">
+              <a:ln>
+                <a:noFill/>
+              </a:ln>
+              <a:solidFill>
+                <a:srgbClr val="000000"/>
+              </a:solidFill>
+              <a:effectLst/>
+              <a:uLnTx/>
+              <a:uFillTx/>
+              <a:latin typeface="Kross Neue Grotesk"/>
+            </a:endParaRPr>
+          </a:p>
+        </p:txBody>
+      </p:sp>
+      <p:sp>
+        <p:nvSpPr>
+          <p:cNvPr id="79" name="Line 21">
+            <a:extLst>
+              <a:ext uri="{FF2B5EF4-FFF2-40B4-BE49-F238E27FC236}">
+                <a16:creationId xmlns:a16="http://schemas.microsoft.com/office/drawing/2014/main" id="{09D0AA5F-3D4C-9AC3-C991-AB5385BE336C}"/>
+              </a:ext>
+            </a:extLst>
+          </p:cNvPr>
+          <p:cNvSpPr>
+            <a:spLocks noChangeShapeType="1"/>
+          </p:cNvSpPr>
+          <p:nvPr/>
+        </p:nvSpPr>
+        <p:spPr bwMode="auto">
+          <a:xfrm flipV="1">
+            <a:off x="3108090" y="3779320"/>
+            <a:ext cx="0" cy="506866"/>
+          </a:xfrm>
+          <a:prstGeom prst="line">
+            <a:avLst/>
+          </a:prstGeom>
+          <a:noFill/>
+          <a:ln w="28575">
+            <a:solidFill>
+              <a:srgbClr val="000000"/>
+            </a:solidFill>
+            <a:round/>
+            <a:headEnd/>
+            <a:tailEnd/>
+          </a:ln>
+          <a:effectLst/>
+          <a:extLst>
+            <a:ext uri="{909E8E84-426E-40DD-AFC4-6F175D3DCCD1}">
+              <a14:hiddenFill xmlns:a14="http://schemas.microsoft.com/office/drawing/2010/main">
+                <a:noFill/>
+              </a14:hiddenFill>
+            </a:ext>
+            <a:ext uri="{AF507438-7753-43E0-B8FC-AC1667EBCBE1}">
+              <a14:hiddenEffects xmlns:a14="http://schemas.microsoft.com/office/drawing/2010/main">
+                <a:effectLst>
+                  <a:outerShdw dist="35921" dir="2700000" algn="ctr" rotWithShape="0">
+                    <a:schemeClr val="bg2"/>
+                  </a:outerShdw>
+                </a:effectLst>
+              </a14:hiddenEffects>
+            </a:ext>
+          </a:extLst>
+        </p:spPr>
+        <p:txBody>
+          <a:bodyPr/>
+          <a:lstStyle/>
+          <a:p>
+            <a:endParaRPr lang="en-US">
+              <a:solidFill>
+                <a:srgbClr val="000000"/>
+              </a:solidFill>
+              <a:latin typeface="Kross Neue Grotesk"/>
+            </a:endParaRPr>
+          </a:p>
+        </p:txBody>
+      </p:sp>
+      <p:sp>
+        <p:nvSpPr>
+          <p:cNvPr id="80" name="Line 9">
+            <a:extLst>
+              <a:ext uri="{FF2B5EF4-FFF2-40B4-BE49-F238E27FC236}">
+                <a16:creationId xmlns:a16="http://schemas.microsoft.com/office/drawing/2014/main" id="{DB3C4DC4-D102-CE72-34C9-7A7DEEB5930D}"/>
+              </a:ext>
+            </a:extLst>
+          </p:cNvPr>
+          <p:cNvSpPr>
+            <a:spLocks noChangeShapeType="1"/>
+          </p:cNvSpPr>
+          <p:nvPr/>
+        </p:nvSpPr>
+        <p:spPr bwMode="auto">
+          <a:xfrm>
+            <a:off x="2783922" y="3216792"/>
+            <a:ext cx="0" cy="524689"/>
+          </a:xfrm>
+          <a:prstGeom prst="line">
+            <a:avLst/>
+          </a:prstGeom>
+          <a:noFill/>
+          <a:ln w="28575">
+            <a:solidFill>
+              <a:srgbClr val="000000"/>
+            </a:solidFill>
+            <a:round/>
+            <a:headEnd/>
+            <a:tailEnd type="triangle" w="med" len="med"/>
+          </a:ln>
+          <a:effectLst/>
+          <a:extLst>
+            <a:ext uri="{909E8E84-426E-40DD-AFC4-6F175D3DCCD1}">
+              <a14:hiddenFill xmlns:a14="http://schemas.microsoft.com/office/drawing/2010/main">
+                <a:noFill/>
+              </a14:hiddenFill>
+            </a:ext>
+            <a:ext uri="{AF507438-7753-43E0-B8FC-AC1667EBCBE1}">
+              <a14:hiddenEffects xmlns:a14="http://schemas.microsoft.com/office/drawing/2010/main">
+                <a:effectLst>
+                  <a:outerShdw dist="35921" dir="2700000" algn="ctr" rotWithShape="0">
+                    <a:schemeClr val="bg2"/>
+                  </a:outerShdw>
+                </a:effectLst>
+              </a14:hiddenEffects>
+            </a:ext>
+          </a:extLst>
+        </p:spPr>
+        <p:txBody>
+          <a:bodyPr wrap="none" anchor="ctr"/>
+          <a:lstStyle/>
+          <a:p>
+            <a:endParaRPr lang="en-US">
+              <a:solidFill>
+                <a:srgbClr val="000000"/>
+              </a:solidFill>
+              <a:latin typeface="Kross Neue Grotesk"/>
+            </a:endParaRPr>
+          </a:p>
+        </p:txBody>
+      </p:sp>
+      <p:sp>
+        <p:nvSpPr>
+          <p:cNvPr id="81" name="Rectangle 38">
+            <a:extLst>
+              <a:ext uri="{FF2B5EF4-FFF2-40B4-BE49-F238E27FC236}">
+                <a16:creationId xmlns:a16="http://schemas.microsoft.com/office/drawing/2014/main" id="{24FD92A2-6A17-DED5-64B4-59EBE1433D2D}"/>
+              </a:ext>
+            </a:extLst>
+          </p:cNvPr>
+          <p:cNvSpPr>
+            <a:spLocks noChangeArrowheads="1"/>
+          </p:cNvSpPr>
+          <p:nvPr/>
+        </p:nvSpPr>
+        <p:spPr bwMode="auto">
+          <a:xfrm rot="16200000">
+            <a:off x="2815198" y="2135150"/>
+            <a:ext cx="585788" cy="225425"/>
+          </a:xfrm>
+          <a:prstGeom prst="rect">
+            <a:avLst/>
+          </a:prstGeom>
+          <a:noFill/>
+          <a:ln w="28575" algn="ctr">
+            <a:solidFill>
+              <a:srgbClr val="000000"/>
+            </a:solidFill>
+            <a:miter lim="800000"/>
+            <a:headEnd/>
+            <a:tailEnd/>
+          </a:ln>
+          <a:effectLst/>
+          <a:extLst>
+            <a:ext uri="{909E8E84-426E-40DD-AFC4-6F175D3DCCD1}">
+              <a14:hiddenFill xmlns:a14="http://schemas.microsoft.com/office/drawing/2010/main">
+                <a:solidFill>
+                  <a:schemeClr val="accent1"/>
+                </a:solidFill>
+              </a14:hiddenFill>
+            </a:ext>
+            <a:ext uri="{AF507438-7753-43E0-B8FC-AC1667EBCBE1}">
+              <a14:hiddenEffects xmlns:a14="http://schemas.microsoft.com/office/drawing/2010/main">
+                <a:effectLst>
+                  <a:outerShdw dist="35921" dir="2700000" algn="ctr" rotWithShape="0">
+                    <a:schemeClr val="bg2"/>
+                  </a:outerShdw>
+                </a:effectLst>
+              </a14:hiddenEffects>
+            </a:ext>
+          </a:extLst>
+        </p:spPr>
+        <p:txBody>
+          <a:bodyPr wrap="none" anchor="ctr"/>
+          <a:lstStyle/>
+          <a:p>
+            <a:pPr marL="0" marR="0" lvl="0" indent="0" defTabSz="914400" eaLnBrk="1" fontAlgn="auto" latinLnBrk="0" hangingPunct="1">
+              <a:lnSpc>
+                <a:spcPct val="100000"/>
+              </a:lnSpc>
+              <a:spcBef>
+                <a:spcPts val="0"/>
+              </a:spcBef>
+              <a:spcAft>
+                <a:spcPts val="0"/>
+              </a:spcAft>
+              <a:buClrTx/>
+              <a:buSzTx/>
+              <a:buFontTx/>
+              <a:buNone/>
+              <a:tabLst/>
+              <a:defRPr/>
+            </a:pPr>
+            <a:endParaRPr kumimoji="0" lang="en-US" sz="1800" b="0" i="0" u="none" strike="noStrike" kern="0" cap="none" spc="0" normalizeH="0" baseline="0" noProof="0">
+              <a:ln>
+                <a:noFill/>
+              </a:ln>
+              <a:solidFill>
+                <a:srgbClr val="000000"/>
+              </a:solidFill>
+              <a:effectLst/>
+              <a:uLnTx/>
+              <a:uFillTx/>
+              <a:latin typeface="Kross Neue Grotesk"/>
+            </a:endParaRPr>
+          </a:p>
+        </p:txBody>
+      </p:sp>
+      <p:sp>
+        <p:nvSpPr>
+          <p:cNvPr id="82" name="Line 21">
+            <a:extLst>
+              <a:ext uri="{FF2B5EF4-FFF2-40B4-BE49-F238E27FC236}">
+                <a16:creationId xmlns:a16="http://schemas.microsoft.com/office/drawing/2014/main" id="{D539A99E-E1B9-427B-FE25-DFDE33E3C917}"/>
+              </a:ext>
+            </a:extLst>
+          </p:cNvPr>
+          <p:cNvSpPr>
+            <a:spLocks noChangeShapeType="1"/>
+          </p:cNvSpPr>
+          <p:nvPr/>
+        </p:nvSpPr>
+        <p:spPr bwMode="auto">
+          <a:xfrm flipV="1">
+            <a:off x="3108090" y="2542336"/>
+            <a:ext cx="0" cy="625429"/>
+          </a:xfrm>
+          <a:prstGeom prst="line">
+            <a:avLst/>
+          </a:prstGeom>
+          <a:noFill/>
+          <a:ln w="28575">
+            <a:solidFill>
+              <a:srgbClr val="000000"/>
+            </a:solidFill>
+            <a:round/>
+            <a:headEnd/>
+            <a:tailEnd/>
+          </a:ln>
+          <a:effectLst/>
+          <a:extLst>
+            <a:ext uri="{909E8E84-426E-40DD-AFC4-6F175D3DCCD1}">
+              <a14:hiddenFill xmlns:a14="http://schemas.microsoft.com/office/drawing/2010/main">
+                <a:noFill/>
+              </a14:hiddenFill>
+            </a:ext>
+            <a:ext uri="{AF507438-7753-43E0-B8FC-AC1667EBCBE1}">
+              <a14:hiddenEffects xmlns:a14="http://schemas.microsoft.com/office/drawing/2010/main">
+                <a:effectLst>
+                  <a:outerShdw dist="35921" dir="2700000" algn="ctr" rotWithShape="0">
+                    <a:schemeClr val="bg2"/>
+                  </a:outerShdw>
+                </a:effectLst>
+              </a14:hiddenEffects>
+            </a:ext>
+          </a:extLst>
+        </p:spPr>
+        <p:txBody>
+          <a:bodyPr/>
+          <a:lstStyle/>
+          <a:p>
+            <a:endParaRPr lang="en-US">
+              <a:solidFill>
+                <a:srgbClr val="000000"/>
+              </a:solidFill>
+              <a:latin typeface="Kross Neue Grotesk"/>
+            </a:endParaRPr>
+          </a:p>
+        </p:txBody>
+      </p:sp>
+      <p:sp>
+        <p:nvSpPr>
+          <p:cNvPr id="83" name="Line 21">
+            <a:extLst>
+              <a:ext uri="{FF2B5EF4-FFF2-40B4-BE49-F238E27FC236}">
+                <a16:creationId xmlns:a16="http://schemas.microsoft.com/office/drawing/2014/main" id="{EB48844A-6F76-933E-31A9-46F6AFD3B99A}"/>
+              </a:ext>
+            </a:extLst>
+          </p:cNvPr>
+          <p:cNvSpPr>
+            <a:spLocks noChangeShapeType="1"/>
+          </p:cNvSpPr>
+          <p:nvPr/>
+        </p:nvSpPr>
+        <p:spPr bwMode="auto">
+          <a:xfrm flipV="1">
+            <a:off x="3108090" y="1588116"/>
+            <a:ext cx="0" cy="185880"/>
+          </a:xfrm>
+          <a:prstGeom prst="line">
+            <a:avLst/>
+          </a:prstGeom>
+          <a:noFill/>
+          <a:ln w="28575">
+            <a:solidFill>
+              <a:srgbClr val="000000"/>
+            </a:solidFill>
+            <a:round/>
+            <a:headEnd/>
+            <a:tailEnd/>
+          </a:ln>
+          <a:effectLst/>
+          <a:extLst>
+            <a:ext uri="{909E8E84-426E-40DD-AFC4-6F175D3DCCD1}">
+              <a14:hiddenFill xmlns:a14="http://schemas.microsoft.com/office/drawing/2010/main">
+                <a:noFill/>
+              </a14:hiddenFill>
+            </a:ext>
+            <a:ext uri="{AF507438-7753-43E0-B8FC-AC1667EBCBE1}">
+              <a14:hiddenEffects xmlns:a14="http://schemas.microsoft.com/office/drawing/2010/main">
+                <a:effectLst>
+                  <a:outerShdw dist="35921" dir="2700000" algn="ctr" rotWithShape="0">
+                    <a:schemeClr val="bg2"/>
+                  </a:outerShdw>
+                </a:effectLst>
+              </a14:hiddenEffects>
+            </a:ext>
+          </a:extLst>
+        </p:spPr>
+        <p:txBody>
+          <a:bodyPr/>
+          <a:lstStyle/>
+          <a:p>
+            <a:endParaRPr lang="en-US">
+              <a:solidFill>
+                <a:srgbClr val="000000"/>
+              </a:solidFill>
+              <a:latin typeface="Kross Neue Grotesk"/>
+            </a:endParaRPr>
+          </a:p>
+        </p:txBody>
+      </p:sp>
+      <p:sp>
+        <p:nvSpPr>
+          <p:cNvPr id="84" name="Text Box 32">
+            <a:extLst>
+              <a:ext uri="{FF2B5EF4-FFF2-40B4-BE49-F238E27FC236}">
+                <a16:creationId xmlns:a16="http://schemas.microsoft.com/office/drawing/2014/main" id="{985282B8-05A3-DC08-6521-E93B8012EB83}"/>
+              </a:ext>
+            </a:extLst>
+          </p:cNvPr>
+          <p:cNvSpPr txBox="1">
+            <a:spLocks noChangeArrowheads="1"/>
+          </p:cNvSpPr>
+          <p:nvPr/>
+        </p:nvSpPr>
+        <p:spPr bwMode="auto">
+          <a:xfrm>
+            <a:off x="1198747" y="2008785"/>
+            <a:ext cx="969182" cy="584775"/>
+          </a:xfrm>
+          <a:prstGeom prst="rect">
+            <a:avLst/>
+          </a:prstGeom>
+          <a:noFill/>
+          <a:ln>
+            <a:noFill/>
+          </a:ln>
+          <a:effectLst/>
+          <a:extLst>
+            <a:ext uri="{909E8E84-426E-40DD-AFC4-6F175D3DCCD1}">
+              <a14:hiddenFill xmlns:a14="http://schemas.microsoft.com/office/drawing/2010/main">
+                <a:solidFill>
+                  <a:srgbClr val="FF9900"/>
+                </a:solidFill>
+              </a14:hiddenFill>
+            </a:ext>
+            <a:ext uri="{91240B29-F687-4F45-9708-019B960494DF}">
+              <a14:hiddenLine xmlns:a14="http://schemas.microsoft.com/office/drawing/2010/main" w="9525" algn="ctr">
+                <a:solidFill>
+                  <a:srgbClr val="FFFFFF"/>
+                </a:solidFill>
+                <a:miter lim="800000"/>
+                <a:headEnd/>
+                <a:tailEnd/>
+              </a14:hiddenLine>
+            </a:ext>
+            <a:ext uri="{AF507438-7753-43E0-B8FC-AC1667EBCBE1}">
+              <a14:hiddenEffects xmlns:a14="http://schemas.microsoft.com/office/drawing/2010/main">
+                <a:effectLst>
+                  <a:outerShdw dist="35921" dir="2700000" algn="ctr" rotWithShape="0">
+                    <a:schemeClr val="bg2"/>
+                  </a:outerShdw>
+                </a:effectLst>
+              </a14:hiddenEffects>
+            </a:ext>
+          </a:extLst>
+        </p:spPr>
+        <p:txBody>
+          <a:bodyPr wrap="square">
+            <a:spAutoFit/>
+          </a:bodyPr>
+          <a:lstStyle/>
+          <a:p>
+            <a:r>
+              <a:rPr lang="en-GB" altLang="fr-FR" sz="1600" i="1" dirty="0">
+                <a:solidFill>
+                  <a:srgbClr val="000000"/>
+                </a:solidFill>
+                <a:latin typeface="Kross Neue Grotesk"/>
+              </a:rPr>
+              <a:t>Ohmic losses</a:t>
+            </a:r>
+          </a:p>
+        </p:txBody>
+      </p:sp>
+      <p:grpSp>
+        <p:nvGrpSpPr>
+          <p:cNvPr id="85" name="Groupe 84">
+            <a:extLst>
+              <a:ext uri="{FF2B5EF4-FFF2-40B4-BE49-F238E27FC236}">
+                <a16:creationId xmlns:a16="http://schemas.microsoft.com/office/drawing/2014/main" id="{BC301EAB-D3F4-E7F6-EDAB-719AC1F1EAE1}"/>
+              </a:ext>
+            </a:extLst>
+          </p:cNvPr>
+          <p:cNvGrpSpPr/>
+          <p:nvPr/>
+        </p:nvGrpSpPr>
+        <p:grpSpPr>
+          <a:xfrm>
+            <a:off x="3449880" y="3004179"/>
+            <a:ext cx="198120" cy="2064842"/>
+            <a:chOff x="3500120" y="3004179"/>
+            <a:chExt cx="198120" cy="2064842"/>
+          </a:xfrm>
+        </p:grpSpPr>
+        <p:cxnSp>
+          <p:nvCxnSpPr>
+            <p:cNvPr id="86" name="Connecteur droit 85">
+              <a:extLst>
+                <a:ext uri="{FF2B5EF4-FFF2-40B4-BE49-F238E27FC236}">
+                  <a16:creationId xmlns:a16="http://schemas.microsoft.com/office/drawing/2014/main" id="{69370505-D2F9-64A5-20C7-E77F05D11641}"/>
+                </a:ext>
+              </a:extLst>
+            </p:cNvPr>
+            <p:cNvCxnSpPr>
+              <a:cxnSpLocks/>
+            </p:cNvCxnSpPr>
+            <p:nvPr/>
+          </p:nvCxnSpPr>
+          <p:spPr>
+            <a:xfrm>
+              <a:off x="3500120" y="3004179"/>
+              <a:ext cx="198120" cy="0"/>
+            </a:xfrm>
+            <a:prstGeom prst="line">
+              <a:avLst/>
+            </a:prstGeom>
+            <a:noFill/>
+            <a:ln w="12700" cap="flat" cmpd="sng" algn="ctr">
+              <a:solidFill>
+                <a:srgbClr val="EE765D"/>
+              </a:solidFill>
+              <a:prstDash val="dash"/>
+              <a:miter lim="800000"/>
+            </a:ln>
+            <a:effectLst/>
+          </p:spPr>
+        </p:cxnSp>
+        <p:cxnSp>
+          <p:nvCxnSpPr>
+            <p:cNvPr id="87" name="Connecteur droit 86">
+              <a:extLst>
+                <a:ext uri="{FF2B5EF4-FFF2-40B4-BE49-F238E27FC236}">
+                  <a16:creationId xmlns:a16="http://schemas.microsoft.com/office/drawing/2014/main" id="{E0EC9472-3B05-2FDE-4437-5B5D401850D1}"/>
+                </a:ext>
+              </a:extLst>
+            </p:cNvPr>
+            <p:cNvCxnSpPr>
+              <a:cxnSpLocks/>
+            </p:cNvCxnSpPr>
+            <p:nvPr/>
+          </p:nvCxnSpPr>
+          <p:spPr>
+            <a:xfrm>
+              <a:off x="3500120" y="5069021"/>
+              <a:ext cx="198120" cy="0"/>
+            </a:xfrm>
+            <a:prstGeom prst="line">
+              <a:avLst/>
+            </a:prstGeom>
+            <a:noFill/>
+            <a:ln w="12700" cap="flat" cmpd="sng" algn="ctr">
+              <a:solidFill>
+                <a:srgbClr val="EE765D"/>
+              </a:solidFill>
+              <a:prstDash val="dash"/>
+              <a:miter lim="800000"/>
+            </a:ln>
+            <a:effectLst/>
+          </p:spPr>
+        </p:cxnSp>
+        <p:cxnSp>
+          <p:nvCxnSpPr>
+            <p:cNvPr id="88" name="Connecteur droit 87">
+              <a:extLst>
+                <a:ext uri="{FF2B5EF4-FFF2-40B4-BE49-F238E27FC236}">
+                  <a16:creationId xmlns:a16="http://schemas.microsoft.com/office/drawing/2014/main" id="{986E9728-3EF5-C018-14B1-311D2D9DDE8C}"/>
+                </a:ext>
+              </a:extLst>
+            </p:cNvPr>
+            <p:cNvCxnSpPr>
+              <a:cxnSpLocks/>
+            </p:cNvCxnSpPr>
+            <p:nvPr/>
+          </p:nvCxnSpPr>
+          <p:spPr>
+            <a:xfrm flipV="1">
+              <a:off x="3698240" y="3010307"/>
+              <a:ext cx="0" cy="2048554"/>
+            </a:xfrm>
+            <a:prstGeom prst="line">
+              <a:avLst/>
+            </a:prstGeom>
+            <a:noFill/>
+            <a:ln w="12700" cap="flat" cmpd="sng" algn="ctr">
+              <a:solidFill>
+                <a:srgbClr val="EE765D"/>
+              </a:solidFill>
+              <a:prstDash val="dash"/>
+              <a:miter lim="800000"/>
+            </a:ln>
+            <a:effectLst/>
+          </p:spPr>
+        </p:cxnSp>
+      </p:grpSp>
+      <p:sp>
+        <p:nvSpPr>
+          <p:cNvPr id="89" name="Flèche : droite 88">
+            <a:extLst>
+              <a:ext uri="{FF2B5EF4-FFF2-40B4-BE49-F238E27FC236}">
+                <a16:creationId xmlns:a16="http://schemas.microsoft.com/office/drawing/2014/main" id="{5A86E959-349F-6AA3-A996-D007B8B4ED0F}"/>
+              </a:ext>
+            </a:extLst>
+          </p:cNvPr>
+          <p:cNvSpPr/>
+          <p:nvPr/>
+        </p:nvSpPr>
+        <p:spPr>
+          <a:xfrm>
+            <a:off x="4578497" y="3407007"/>
+            <a:ext cx="358419" cy="246661"/>
+          </a:xfrm>
+          <a:prstGeom prst="rightArrow">
+            <a:avLst/>
+          </a:prstGeom>
+          <a:solidFill>
+            <a:srgbClr val="EE765D"/>
           </a:solidFill>
           <a:ln w="12700" cap="flat" cmpd="sng" algn="ctr">
             <a:solidFill>
-              <a:srgbClr val="4329FF">
-                <a:shade val="15000"/>
-              </a:srgbClr>
+              <a:srgbClr val="EE765D"/>
             </a:solidFill>
-            <a:prstDash val="dash"/>
+            <a:prstDash val="solid"/>
             <a:miter lim="800000"/>
           </a:ln>
           <a:effectLst/>
@@ -4063,6 +6656,262 @@
           </a:p>
         </p:txBody>
       </p:sp>
+      <p:sp>
+        <p:nvSpPr>
+          <p:cNvPr id="90" name="ZoneTexte 89">
+            <a:extLst>
+              <a:ext uri="{FF2B5EF4-FFF2-40B4-BE49-F238E27FC236}">
+                <a16:creationId xmlns:a16="http://schemas.microsoft.com/office/drawing/2014/main" id="{4A1190B7-BD05-CD86-B605-6CC9305A6D9F}"/>
+              </a:ext>
+            </a:extLst>
+          </p:cNvPr>
+          <p:cNvSpPr txBox="1"/>
+          <p:nvPr/>
+        </p:nvSpPr>
+        <p:spPr>
+          <a:xfrm>
+            <a:off x="3816092" y="3762993"/>
+            <a:ext cx="2093340" cy="1162113"/>
+          </a:xfrm>
+          <a:prstGeom prst="rect">
+            <a:avLst/>
+          </a:prstGeom>
+          <a:noFill/>
+        </p:spPr>
+        <p:txBody>
+          <a:bodyPr wrap="square" rtlCol="0">
+            <a:spAutoFit/>
+          </a:bodyPr>
+          <a:lstStyle/>
+          <a:p>
+            <a:pPr>
+              <a:lnSpc>
+                <a:spcPct val="150000"/>
+              </a:lnSpc>
+            </a:pPr>
+            <a:r>
+              <a:rPr lang="fr-FR" sz="1600" dirty="0">
+                <a:solidFill>
+                  <a:srgbClr val="EE765D"/>
+                </a:solidFill>
+                <a:latin typeface="Kross Neue Grotesk"/>
+              </a:rPr>
+              <a:t>Modeling of non-</a:t>
+            </a:r>
+            <a:r>
+              <a:rPr lang="fr-FR" sz="1600" dirty="0" err="1">
+                <a:solidFill>
+                  <a:srgbClr val="EE765D"/>
+                </a:solidFill>
+                <a:latin typeface="Kross Neue Grotesk"/>
+              </a:rPr>
+              <a:t>linear</a:t>
+            </a:r>
+            <a:r>
+              <a:rPr lang="fr-FR" sz="1600" dirty="0">
+                <a:solidFill>
+                  <a:srgbClr val="EE765D"/>
+                </a:solidFill>
+                <a:latin typeface="Kross Neue Grotesk"/>
+              </a:rPr>
+              <a:t> </a:t>
+            </a:r>
+            <a:r>
+              <a:rPr lang="fr-FR" sz="1600" dirty="0" err="1">
+                <a:solidFill>
+                  <a:srgbClr val="EE765D"/>
+                </a:solidFill>
+                <a:latin typeface="Kross Neue Grotesk"/>
+              </a:rPr>
+              <a:t>losses</a:t>
+            </a:r>
+            <a:r>
+              <a:rPr lang="fr-FR" sz="1600" dirty="0">
+                <a:solidFill>
+                  <a:srgbClr val="EE765D"/>
+                </a:solidFill>
+                <a:latin typeface="Kross Neue Grotesk"/>
+              </a:rPr>
+              <a:t> in a single non-</a:t>
+            </a:r>
+            <a:r>
+              <a:rPr lang="fr-FR" sz="1600" dirty="0" err="1">
+                <a:solidFill>
+                  <a:srgbClr val="EE765D"/>
+                </a:solidFill>
+                <a:latin typeface="Kross Neue Grotesk"/>
+              </a:rPr>
+              <a:t>linear</a:t>
+            </a:r>
+            <a:r>
+              <a:rPr lang="fr-FR" sz="1600" dirty="0">
+                <a:solidFill>
+                  <a:srgbClr val="EE765D"/>
+                </a:solidFill>
+                <a:latin typeface="Kross Neue Grotesk"/>
+              </a:rPr>
+              <a:t> </a:t>
+            </a:r>
+            <a:r>
+              <a:rPr lang="fr-FR" sz="1600" dirty="0" err="1">
+                <a:solidFill>
+                  <a:srgbClr val="EE765D"/>
+                </a:solidFill>
+                <a:latin typeface="Kross Neue Grotesk"/>
+              </a:rPr>
+              <a:t>resistor</a:t>
+            </a:r>
+            <a:endParaRPr lang="fr-FR" sz="1600" dirty="0">
+              <a:solidFill>
+                <a:srgbClr val="EE765D"/>
+              </a:solidFill>
+              <a:latin typeface="Kross Neue Grotesk"/>
+            </a:endParaRPr>
+          </a:p>
+        </p:txBody>
+      </p:sp>
+      <p:pic>
+        <p:nvPicPr>
+          <p:cNvPr id="3" name="Image 2">
+            <a:extLst>
+              <a:ext uri="{FF2B5EF4-FFF2-40B4-BE49-F238E27FC236}">
+                <a16:creationId xmlns:a16="http://schemas.microsoft.com/office/drawing/2014/main" id="{ACBB5DD3-C3FE-B831-794E-2DA038458350}"/>
+              </a:ext>
+            </a:extLst>
+          </p:cNvPr>
+          <p:cNvPicPr>
+            <a:picLocks noChangeAspect="1"/>
+          </p:cNvPicPr>
+          <p:nvPr/>
+        </p:nvPicPr>
+        <p:blipFill>
+          <a:blip r:embed="rId9"/>
+          <a:stretch>
+            <a:fillRect/>
+          </a:stretch>
+        </p:blipFill>
+        <p:spPr>
+          <a:xfrm>
+            <a:off x="6204588" y="2097810"/>
+            <a:ext cx="1484490" cy="3839629"/>
+          </a:xfrm>
+          <a:prstGeom prst="rect">
+            <a:avLst/>
+          </a:prstGeom>
+        </p:spPr>
+      </p:pic>
+      <p:sp>
+        <p:nvSpPr>
+          <p:cNvPr id="48" name="Rectangle : coins arrondis 47">
+            <a:extLst>
+              <a:ext uri="{FF2B5EF4-FFF2-40B4-BE49-F238E27FC236}">
+                <a16:creationId xmlns:a16="http://schemas.microsoft.com/office/drawing/2014/main" id="{6F4BC800-9333-77C3-14A4-DB698B7F0A8B}"/>
+              </a:ext>
+            </a:extLst>
+          </p:cNvPr>
+          <p:cNvSpPr/>
+          <p:nvPr/>
+        </p:nvSpPr>
+        <p:spPr>
+          <a:xfrm>
+            <a:off x="6011643" y="1226150"/>
+            <a:ext cx="5321342" cy="5106339"/>
+          </a:xfrm>
+          <a:prstGeom prst="roundRect">
+            <a:avLst>
+              <a:gd name="adj" fmla="val 8113"/>
+            </a:avLst>
+          </a:prstGeom>
+          <a:solidFill>
+            <a:srgbClr val="4329FF">
+              <a:alpha val="5000"/>
+            </a:srgbClr>
+          </a:solidFill>
+          <a:ln w="12700" cap="flat" cmpd="sng" algn="ctr">
+            <a:solidFill>
+              <a:srgbClr val="4329FF">
+                <a:shade val="15000"/>
+              </a:srgbClr>
+            </a:solidFill>
+            <a:prstDash val="dash"/>
+            <a:miter lim="800000"/>
+          </a:ln>
+          <a:effectLst/>
+        </p:spPr>
+        <p:txBody>
+          <a:bodyPr rtlCol="0" anchor="ctr"/>
+          <a:lstStyle/>
+          <a:p>
+            <a:pPr marL="0" marR="0" lvl="0" indent="0" algn="ctr" defTabSz="914400" eaLnBrk="1" fontAlgn="auto" latinLnBrk="0" hangingPunct="1">
+              <a:lnSpc>
+                <a:spcPct val="100000"/>
+              </a:lnSpc>
+              <a:spcBef>
+                <a:spcPts val="0"/>
+              </a:spcBef>
+              <a:spcAft>
+                <a:spcPts val="0"/>
+              </a:spcAft>
+              <a:buClrTx/>
+              <a:buSzTx/>
+              <a:buFontTx/>
+              <a:buNone/>
+              <a:tabLst/>
+              <a:defRPr/>
+            </a:pPr>
+            <a:endParaRPr kumimoji="0" lang="fr-FR" sz="1800" b="0" i="0" u="none" strike="noStrike" kern="0" cap="none" spc="0" normalizeH="0" baseline="0" noProof="0">
+              <a:ln>
+                <a:noFill/>
+              </a:ln>
+              <a:solidFill>
+                <a:srgbClr val="FFFFFF"/>
+              </a:solidFill>
+              <a:effectLst/>
+              <a:uLnTx/>
+              <a:uFillTx/>
+              <a:latin typeface="Kross Neue Grotesk"/>
+              <a:ea typeface="+mn-ea"/>
+              <a:cs typeface="+mn-cs"/>
+            </a:endParaRPr>
+          </a:p>
+        </p:txBody>
+      </p:sp>
+      <p:pic>
+        <p:nvPicPr>
+          <p:cNvPr id="91" name="Image 90">
+            <a:extLst>
+              <a:ext uri="{FF2B5EF4-FFF2-40B4-BE49-F238E27FC236}">
+                <a16:creationId xmlns:a16="http://schemas.microsoft.com/office/drawing/2014/main" id="{EE9BBCFF-2FD9-2A55-FBCC-4E7DA8ED9329}"/>
+              </a:ext>
+            </a:extLst>
+          </p:cNvPr>
+          <p:cNvPicPr>
+            <a:picLocks noChangeAspect="1"/>
+          </p:cNvPicPr>
+          <p:nvPr/>
+        </p:nvPicPr>
+        <p:blipFill>
+          <a:blip r:embed="rId10"/>
+          <a:stretch>
+            <a:fillRect/>
+          </a:stretch>
+        </p:blipFill>
+        <p:spPr>
+          <a:xfrm>
+            <a:off x="7799913" y="2546722"/>
+            <a:ext cx="3451389" cy="2757459"/>
+          </a:xfrm>
+          <a:prstGeom prst="rect">
+            <a:avLst/>
+          </a:prstGeom>
+          <a:ln>
+            <a:solidFill>
+              <a:srgbClr val="EE765D"/>
+            </a:solidFill>
+            <a:prstDash val="dash"/>
+          </a:ln>
+        </p:spPr>
+      </p:pic>
       <p:sp>
         <p:nvSpPr>
           <p:cNvPr id="49" name="Rectangle : coins arrondis 48">
@@ -4576,7 +7425,7 @@
                 <a:avLst/>
               </a:prstGeom>
               <a:blipFill>
-                <a:blip r:embed="rId3"/>
+                <a:blip r:embed="rId11"/>
                 <a:stretch>
                   <a:fillRect/>
                 </a:stretch>
@@ -4601,2855 +7450,6 @@
           </p:sp>
         </mc:Fallback>
       </mc:AlternateContent>
-      <p:grpSp>
-        <p:nvGrpSpPr>
-          <p:cNvPr id="52" name="Groupe 51">
-            <a:extLst>
-              <a:ext uri="{FF2B5EF4-FFF2-40B4-BE49-F238E27FC236}">
-                <a16:creationId xmlns:a16="http://schemas.microsoft.com/office/drawing/2014/main" id="{66523845-5680-4810-1E08-0DF4EEFB11CE}"/>
-              </a:ext>
-            </a:extLst>
-          </p:cNvPr>
-          <p:cNvGrpSpPr/>
-          <p:nvPr/>
-        </p:nvGrpSpPr>
-        <p:grpSpPr>
-          <a:xfrm>
-            <a:off x="8204022" y="1287493"/>
-            <a:ext cx="648300" cy="338380"/>
-            <a:chOff x="3091070" y="2109890"/>
-            <a:chExt cx="648300" cy="338380"/>
-          </a:xfrm>
-        </p:grpSpPr>
-        <p:sp>
-          <p:nvSpPr>
-            <p:cNvPr id="53" name="Line 21">
-              <a:extLst>
-                <a:ext uri="{FF2B5EF4-FFF2-40B4-BE49-F238E27FC236}">
-                  <a16:creationId xmlns:a16="http://schemas.microsoft.com/office/drawing/2014/main" id="{9495B8C8-B7F2-8DAE-855F-5724BEAE6DD0}"/>
-                </a:ext>
-              </a:extLst>
-            </p:cNvPr>
-            <p:cNvSpPr>
-              <a:spLocks noChangeShapeType="1"/>
-            </p:cNvSpPr>
-            <p:nvPr/>
-          </p:nvSpPr>
-          <p:spPr bwMode="auto">
-            <a:xfrm>
-              <a:off x="3091070" y="2294797"/>
-              <a:ext cx="152545" cy="0"/>
-            </a:xfrm>
-            <a:prstGeom prst="line">
-              <a:avLst/>
-            </a:prstGeom>
-            <a:noFill/>
-            <a:ln w="19050">
-              <a:solidFill>
-                <a:srgbClr val="4329FF"/>
-              </a:solidFill>
-              <a:round/>
-              <a:headEnd/>
-              <a:tailEnd/>
-            </a:ln>
-            <a:effectLst/>
-            <a:extLst>
-              <a:ext uri="{909E8E84-426E-40DD-AFC4-6F175D3DCCD1}">
-                <a14:hiddenFill xmlns:a14="http://schemas.microsoft.com/office/drawing/2010/main">
-                  <a:noFill/>
-                </a14:hiddenFill>
-              </a:ext>
-              <a:ext uri="{AF507438-7753-43E0-B8FC-AC1667EBCBE1}">
-                <a14:hiddenEffects xmlns:a14="http://schemas.microsoft.com/office/drawing/2010/main">
-                  <a:effectLst>
-                    <a:outerShdw dist="35921" dir="2700000" algn="ctr" rotWithShape="0">
-                      <a:schemeClr val="bg2"/>
-                    </a:outerShdw>
-                  </a:effectLst>
-                </a14:hiddenEffects>
-              </a:ext>
-            </a:extLst>
-          </p:spPr>
-          <p:txBody>
-            <a:bodyPr/>
-            <a:lstStyle/>
-            <a:p>
-              <a:pPr marL="0" marR="0" lvl="0" indent="0" defTabSz="914400" eaLnBrk="1" fontAlgn="auto" latinLnBrk="0" hangingPunct="1">
-                <a:lnSpc>
-                  <a:spcPct val="100000"/>
-                </a:lnSpc>
-                <a:spcBef>
-                  <a:spcPts val="0"/>
-                </a:spcBef>
-                <a:spcAft>
-                  <a:spcPts val="0"/>
-                </a:spcAft>
-                <a:buClrTx/>
-                <a:buSzTx/>
-                <a:buFontTx/>
-                <a:buNone/>
-                <a:tabLst/>
-                <a:defRPr/>
-              </a:pPr>
-              <a:endParaRPr kumimoji="0" lang="en-US" sz="1800" b="0" i="0" u="none" strike="noStrike" kern="0" cap="none" spc="0" normalizeH="0" baseline="0" noProof="0">
-                <a:ln>
-                  <a:noFill/>
-                </a:ln>
-                <a:solidFill>
-                  <a:srgbClr val="000000"/>
-                </a:solidFill>
-                <a:effectLst/>
-                <a:uLnTx/>
-                <a:uFillTx/>
-                <a:latin typeface="Kross Neue Grotesk"/>
-              </a:endParaRPr>
-            </a:p>
-          </p:txBody>
-        </p:sp>
-        <p:sp>
-          <p:nvSpPr>
-            <p:cNvPr id="54" name="Line 35">
-              <a:extLst>
-                <a:ext uri="{FF2B5EF4-FFF2-40B4-BE49-F238E27FC236}">
-                  <a16:creationId xmlns:a16="http://schemas.microsoft.com/office/drawing/2014/main" id="{920AA1F9-6EEF-E2DA-DDF0-E04825B3E211}"/>
-                </a:ext>
-              </a:extLst>
-            </p:cNvPr>
-            <p:cNvSpPr>
-              <a:spLocks noChangeShapeType="1"/>
-            </p:cNvSpPr>
-            <p:nvPr/>
-          </p:nvSpPr>
-          <p:spPr bwMode="auto">
-            <a:xfrm>
-              <a:off x="3583844" y="2289250"/>
-              <a:ext cx="155526" cy="0"/>
-            </a:xfrm>
-            <a:prstGeom prst="line">
-              <a:avLst/>
-            </a:prstGeom>
-            <a:noFill/>
-            <a:ln w="19050">
-              <a:solidFill>
-                <a:srgbClr val="4329FF"/>
-              </a:solidFill>
-              <a:round/>
-              <a:headEnd/>
-              <a:tailEnd/>
-            </a:ln>
-            <a:effectLst/>
-            <a:extLst>
-              <a:ext uri="{909E8E84-426E-40DD-AFC4-6F175D3DCCD1}">
-                <a14:hiddenFill xmlns:a14="http://schemas.microsoft.com/office/drawing/2010/main">
-                  <a:noFill/>
-                </a14:hiddenFill>
-              </a:ext>
-              <a:ext uri="{AF507438-7753-43E0-B8FC-AC1667EBCBE1}">
-                <a14:hiddenEffects xmlns:a14="http://schemas.microsoft.com/office/drawing/2010/main">
-                  <a:effectLst>
-                    <a:outerShdw dist="35921" dir="2700000" algn="ctr" rotWithShape="0">
-                      <a:schemeClr val="bg2"/>
-                    </a:outerShdw>
-                  </a:effectLst>
-                </a14:hiddenEffects>
-              </a:ext>
-            </a:extLst>
-          </p:spPr>
-          <p:txBody>
-            <a:bodyPr wrap="square" anchor="ctr">
-              <a:spAutoFit/>
-            </a:bodyPr>
-            <a:lstStyle/>
-            <a:p>
-              <a:pPr marL="0" marR="0" lvl="0" indent="0" defTabSz="914400" eaLnBrk="1" fontAlgn="auto" latinLnBrk="0" hangingPunct="1">
-                <a:lnSpc>
-                  <a:spcPct val="100000"/>
-                </a:lnSpc>
-                <a:spcBef>
-                  <a:spcPts val="0"/>
-                </a:spcBef>
-                <a:spcAft>
-                  <a:spcPts val="0"/>
-                </a:spcAft>
-                <a:buClrTx/>
-                <a:buSzTx/>
-                <a:buFontTx/>
-                <a:buNone/>
-                <a:tabLst/>
-                <a:defRPr/>
-              </a:pPr>
-              <a:endParaRPr kumimoji="0" lang="en-US" sz="1800" b="0" i="0" u="none" strike="noStrike" kern="0" cap="none" spc="0" normalizeH="0" baseline="0" noProof="0">
-                <a:ln>
-                  <a:noFill/>
-                </a:ln>
-                <a:solidFill>
-                  <a:srgbClr val="000000"/>
-                </a:solidFill>
-                <a:effectLst/>
-                <a:uLnTx/>
-                <a:uFillTx/>
-                <a:latin typeface="Kross Neue Grotesk"/>
-              </a:endParaRPr>
-            </a:p>
-          </p:txBody>
-        </p:sp>
-        <p:sp>
-          <p:nvSpPr>
-            <p:cNvPr id="55" name="Line 37">
-              <a:extLst>
-                <a:ext uri="{FF2B5EF4-FFF2-40B4-BE49-F238E27FC236}">
-                  <a16:creationId xmlns:a16="http://schemas.microsoft.com/office/drawing/2014/main" id="{6F9396A3-7A24-8079-80D4-85B55EAF3957}"/>
-                </a:ext>
-              </a:extLst>
-            </p:cNvPr>
-            <p:cNvSpPr>
-              <a:spLocks noChangeShapeType="1"/>
-            </p:cNvSpPr>
-            <p:nvPr/>
-          </p:nvSpPr>
-          <p:spPr bwMode="auto">
-            <a:xfrm flipV="1">
-              <a:off x="3269502" y="2109890"/>
-              <a:ext cx="278285" cy="338380"/>
-            </a:xfrm>
-            <a:prstGeom prst="line">
-              <a:avLst/>
-            </a:prstGeom>
-            <a:noFill/>
-            <a:ln w="19050">
-              <a:solidFill>
-                <a:srgbClr val="4329FF"/>
-              </a:solidFill>
-              <a:round/>
-              <a:headEnd/>
-              <a:tailEnd type="triangle" w="med" len="med"/>
-            </a:ln>
-            <a:effectLst/>
-            <a:extLst>
-              <a:ext uri="{909E8E84-426E-40DD-AFC4-6F175D3DCCD1}">
-                <a14:hiddenFill xmlns:a14="http://schemas.microsoft.com/office/drawing/2010/main">
-                  <a:noFill/>
-                </a14:hiddenFill>
-              </a:ext>
-              <a:ext uri="{AF507438-7753-43E0-B8FC-AC1667EBCBE1}">
-                <a14:hiddenEffects xmlns:a14="http://schemas.microsoft.com/office/drawing/2010/main">
-                  <a:effectLst>
-                    <a:outerShdw dist="35921" dir="2700000" algn="ctr" rotWithShape="0">
-                      <a:schemeClr val="bg2"/>
-                    </a:outerShdw>
-                  </a:effectLst>
-                </a14:hiddenEffects>
-              </a:ext>
-            </a:extLst>
-          </p:spPr>
-          <p:txBody>
-            <a:bodyPr anchor="ctr">
-              <a:spAutoFit/>
-            </a:bodyPr>
-            <a:lstStyle/>
-            <a:p>
-              <a:pPr marL="0" marR="0" lvl="0" indent="0" defTabSz="914400" eaLnBrk="1" fontAlgn="auto" latinLnBrk="0" hangingPunct="1">
-                <a:lnSpc>
-                  <a:spcPct val="100000"/>
-                </a:lnSpc>
-                <a:spcBef>
-                  <a:spcPts val="0"/>
-                </a:spcBef>
-                <a:spcAft>
-                  <a:spcPts val="0"/>
-                </a:spcAft>
-                <a:buClrTx/>
-                <a:buSzTx/>
-                <a:buFontTx/>
-                <a:buNone/>
-                <a:tabLst/>
-                <a:defRPr/>
-              </a:pPr>
-              <a:endParaRPr kumimoji="0" lang="en-US" sz="1800" b="0" i="0" u="none" strike="noStrike" kern="0" cap="none" spc="0" normalizeH="0" baseline="0" noProof="0">
-                <a:ln>
-                  <a:noFill/>
-                </a:ln>
-                <a:solidFill>
-                  <a:srgbClr val="000000"/>
-                </a:solidFill>
-                <a:effectLst/>
-                <a:uLnTx/>
-                <a:uFillTx/>
-                <a:latin typeface="Kross Neue Grotesk"/>
-              </a:endParaRPr>
-            </a:p>
-          </p:txBody>
-        </p:sp>
-        <p:sp>
-          <p:nvSpPr>
-            <p:cNvPr id="56" name="Rectangle 38">
-              <a:extLst>
-                <a:ext uri="{FF2B5EF4-FFF2-40B4-BE49-F238E27FC236}">
-                  <a16:creationId xmlns:a16="http://schemas.microsoft.com/office/drawing/2014/main" id="{47DB920F-F7D0-E924-FF35-D1659EC86ECE}"/>
-                </a:ext>
-              </a:extLst>
-            </p:cNvPr>
-            <p:cNvSpPr>
-              <a:spLocks noChangeArrowheads="1"/>
-            </p:cNvSpPr>
-            <p:nvPr/>
-          </p:nvSpPr>
-          <p:spPr bwMode="auto">
-            <a:xfrm>
-              <a:off x="3243615" y="2215287"/>
-              <a:ext cx="341154" cy="131284"/>
-            </a:xfrm>
-            <a:prstGeom prst="rect">
-              <a:avLst/>
-            </a:prstGeom>
-            <a:noFill/>
-            <a:ln w="19050" algn="ctr">
-              <a:solidFill>
-                <a:srgbClr val="4329FF"/>
-              </a:solidFill>
-              <a:miter lim="800000"/>
-              <a:headEnd/>
-              <a:tailEnd/>
-            </a:ln>
-            <a:effectLst/>
-            <a:extLst>
-              <a:ext uri="{909E8E84-426E-40DD-AFC4-6F175D3DCCD1}">
-                <a14:hiddenFill xmlns:a14="http://schemas.microsoft.com/office/drawing/2010/main">
-                  <a:solidFill>
-                    <a:schemeClr val="accent1"/>
-                  </a:solidFill>
-                </a14:hiddenFill>
-              </a:ext>
-              <a:ext uri="{AF507438-7753-43E0-B8FC-AC1667EBCBE1}">
-                <a14:hiddenEffects xmlns:a14="http://schemas.microsoft.com/office/drawing/2010/main">
-                  <a:effectLst>
-                    <a:outerShdw dist="35921" dir="2700000" algn="ctr" rotWithShape="0">
-                      <a:schemeClr val="bg2"/>
-                    </a:outerShdw>
-                  </a:effectLst>
-                </a14:hiddenEffects>
-              </a:ext>
-            </a:extLst>
-          </p:spPr>
-          <p:txBody>
-            <a:bodyPr wrap="none" anchor="ctr"/>
-            <a:lstStyle/>
-            <a:p>
-              <a:pPr marL="0" marR="0" lvl="0" indent="0" defTabSz="914400" eaLnBrk="1" fontAlgn="auto" latinLnBrk="0" hangingPunct="1">
-                <a:lnSpc>
-                  <a:spcPct val="100000"/>
-                </a:lnSpc>
-                <a:spcBef>
-                  <a:spcPts val="0"/>
-                </a:spcBef>
-                <a:spcAft>
-                  <a:spcPts val="0"/>
-                </a:spcAft>
-                <a:buClrTx/>
-                <a:buSzTx/>
-                <a:buFontTx/>
-                <a:buNone/>
-                <a:tabLst/>
-                <a:defRPr/>
-              </a:pPr>
-              <a:endParaRPr kumimoji="0" lang="en-US" sz="1800" b="0" i="0" u="none" strike="noStrike" kern="0" cap="none" spc="0" normalizeH="0" baseline="0" noProof="0">
-                <a:ln>
-                  <a:noFill/>
-                </a:ln>
-                <a:solidFill>
-                  <a:srgbClr val="000000"/>
-                </a:solidFill>
-                <a:effectLst/>
-                <a:uLnTx/>
-                <a:uFillTx/>
-                <a:latin typeface="Kross Neue Grotesk"/>
-              </a:endParaRPr>
-            </a:p>
-          </p:txBody>
-        </p:sp>
-      </p:grpSp>
-      <p:sp>
-        <p:nvSpPr>
-          <p:cNvPr id="57" name="ZoneTexte 56">
-            <a:extLst>
-              <a:ext uri="{FF2B5EF4-FFF2-40B4-BE49-F238E27FC236}">
-                <a16:creationId xmlns:a16="http://schemas.microsoft.com/office/drawing/2014/main" id="{04847F83-4557-F297-D43C-25568EA60446}"/>
-              </a:ext>
-            </a:extLst>
-          </p:cNvPr>
-          <p:cNvSpPr txBox="1"/>
-          <p:nvPr/>
-        </p:nvSpPr>
-        <p:spPr>
-          <a:xfrm>
-            <a:off x="6354351" y="1226151"/>
-            <a:ext cx="1872768" cy="400110"/>
-          </a:xfrm>
-          <a:prstGeom prst="rect">
-            <a:avLst/>
-          </a:prstGeom>
-          <a:noFill/>
-        </p:spPr>
-        <p:txBody>
-          <a:bodyPr wrap="square">
-            <a:spAutoFit/>
-          </a:bodyPr>
-          <a:lstStyle/>
-          <a:p>
-            <a:r>
-              <a:rPr lang="fr-FR" sz="2000" b="1" dirty="0">
-                <a:solidFill>
-                  <a:srgbClr val="4329FF"/>
-                </a:solidFill>
-                <a:latin typeface="Kross Neue Grotesk"/>
-              </a:rPr>
-              <a:t>PWL </a:t>
-            </a:r>
-            <a:r>
-              <a:rPr lang="fr-FR" sz="2000" b="1" dirty="0" err="1">
-                <a:solidFill>
-                  <a:srgbClr val="4329FF"/>
-                </a:solidFill>
-                <a:latin typeface="Kross Neue Grotesk"/>
-              </a:rPr>
-              <a:t>Resistor</a:t>
-            </a:r>
-            <a:endParaRPr lang="fr-FR" sz="2000" b="1" dirty="0">
-              <a:solidFill>
-                <a:srgbClr val="4329FF"/>
-              </a:solidFill>
-              <a:latin typeface="Kross Neue Grotesk"/>
-            </a:endParaRPr>
-          </a:p>
-        </p:txBody>
-      </p:sp>
-      <p:sp>
-        <p:nvSpPr>
-          <p:cNvPr id="58" name="AutoShape 126">
-            <a:extLst>
-              <a:ext uri="{FF2B5EF4-FFF2-40B4-BE49-F238E27FC236}">
-                <a16:creationId xmlns:a16="http://schemas.microsoft.com/office/drawing/2014/main" id="{9E8070C8-3CC8-CCD2-64CC-8FAB18E68787}"/>
-              </a:ext>
-            </a:extLst>
-          </p:cNvPr>
-          <p:cNvSpPr>
-            <a:spLocks noChangeArrowheads="1"/>
-          </p:cNvSpPr>
-          <p:nvPr/>
-        </p:nvSpPr>
-        <p:spPr bwMode="auto">
-          <a:xfrm>
-            <a:off x="1177467" y="1738435"/>
-            <a:ext cx="2371630" cy="1052093"/>
-          </a:xfrm>
-          <a:prstGeom prst="roundRect">
-            <a:avLst>
-              <a:gd name="adj" fmla="val 16667"/>
-            </a:avLst>
-          </a:prstGeom>
-          <a:solidFill>
-            <a:srgbClr val="EE765D">
-              <a:lumMod val="20000"/>
-              <a:lumOff val="80000"/>
-            </a:srgbClr>
-          </a:solidFill>
-          <a:ln>
-            <a:noFill/>
-          </a:ln>
-          <a:effectLst/>
-        </p:spPr>
-        <p:txBody>
-          <a:bodyPr wrap="none" anchor="ctr"/>
-          <a:lstStyle/>
-          <a:p>
-            <a:pPr marL="0" marR="0" lvl="0" indent="0" defTabSz="914400" eaLnBrk="1" fontAlgn="auto" latinLnBrk="0" hangingPunct="1">
-              <a:lnSpc>
-                <a:spcPct val="100000"/>
-              </a:lnSpc>
-              <a:spcBef>
-                <a:spcPts val="0"/>
-              </a:spcBef>
-              <a:spcAft>
-                <a:spcPts val="0"/>
-              </a:spcAft>
-              <a:buClrTx/>
-              <a:buSzTx/>
-              <a:buFontTx/>
-              <a:buNone/>
-              <a:tabLst/>
-              <a:defRPr/>
-            </a:pPr>
-            <a:endParaRPr kumimoji="0" lang="en-US" sz="1800" b="0" i="0" u="none" strike="noStrike" kern="0" cap="none" spc="0" normalizeH="0" baseline="0" noProof="0">
-              <a:ln>
-                <a:noFill/>
-              </a:ln>
-              <a:solidFill>
-                <a:srgbClr val="000000"/>
-              </a:solidFill>
-              <a:effectLst/>
-              <a:uLnTx/>
-              <a:uFillTx/>
-              <a:latin typeface="Kross Neue Grotesk"/>
-            </a:endParaRPr>
-          </a:p>
-        </p:txBody>
-      </p:sp>
-      <p:sp>
-        <p:nvSpPr>
-          <p:cNvPr id="59" name="AutoShape 125">
-            <a:extLst>
-              <a:ext uri="{FF2B5EF4-FFF2-40B4-BE49-F238E27FC236}">
-                <a16:creationId xmlns:a16="http://schemas.microsoft.com/office/drawing/2014/main" id="{EE3AF3DE-2F48-5784-5484-4DD25F89498F}"/>
-              </a:ext>
-            </a:extLst>
-          </p:cNvPr>
-          <p:cNvSpPr>
-            <a:spLocks noChangeArrowheads="1"/>
-          </p:cNvSpPr>
-          <p:nvPr/>
-        </p:nvSpPr>
-        <p:spPr bwMode="auto">
-          <a:xfrm>
-            <a:off x="1196981" y="2949156"/>
-            <a:ext cx="2329210" cy="908696"/>
-          </a:xfrm>
-          <a:prstGeom prst="roundRect">
-            <a:avLst>
-              <a:gd name="adj" fmla="val 16667"/>
-            </a:avLst>
-          </a:prstGeom>
-          <a:solidFill>
-            <a:srgbClr val="F9F2A2">
-              <a:lumMod val="20000"/>
-              <a:lumOff val="80000"/>
-            </a:srgbClr>
-          </a:solidFill>
-          <a:ln>
-            <a:noFill/>
-          </a:ln>
-          <a:effectLst/>
-        </p:spPr>
-        <p:txBody>
-          <a:bodyPr wrap="none" anchor="ctr"/>
-          <a:lstStyle/>
-          <a:p>
-            <a:pPr marL="0" marR="0" lvl="0" indent="0" defTabSz="914400" eaLnBrk="1" fontAlgn="auto" latinLnBrk="0" hangingPunct="1">
-              <a:lnSpc>
-                <a:spcPct val="100000"/>
-              </a:lnSpc>
-              <a:spcBef>
-                <a:spcPts val="0"/>
-              </a:spcBef>
-              <a:spcAft>
-                <a:spcPts val="0"/>
-              </a:spcAft>
-              <a:buClrTx/>
-              <a:buSzTx/>
-              <a:buFontTx/>
-              <a:buNone/>
-              <a:tabLst/>
-              <a:defRPr/>
-            </a:pPr>
-            <a:endParaRPr kumimoji="0" lang="en-US" sz="1800" b="0" i="0" u="none" strike="noStrike" kern="0" cap="none" spc="0" normalizeH="0" baseline="0" noProof="0">
-              <a:ln>
-                <a:noFill/>
-              </a:ln>
-              <a:solidFill>
-                <a:srgbClr val="000000"/>
-              </a:solidFill>
-              <a:effectLst/>
-              <a:uLnTx/>
-              <a:uFillTx/>
-              <a:latin typeface="Kross Neue Grotesk"/>
-            </a:endParaRPr>
-          </a:p>
-        </p:txBody>
-      </p:sp>
-      <p:sp>
-        <p:nvSpPr>
-          <p:cNvPr id="60" name="AutoShape 123">
-            <a:extLst>
-              <a:ext uri="{FF2B5EF4-FFF2-40B4-BE49-F238E27FC236}">
-                <a16:creationId xmlns:a16="http://schemas.microsoft.com/office/drawing/2014/main" id="{F07C2CEE-4556-9D6E-3689-78CD8C22308C}"/>
-              </a:ext>
-            </a:extLst>
-          </p:cNvPr>
-          <p:cNvSpPr>
-            <a:spLocks noChangeArrowheads="1"/>
-          </p:cNvSpPr>
-          <p:nvPr/>
-        </p:nvSpPr>
-        <p:spPr bwMode="auto">
-          <a:xfrm>
-            <a:off x="1210678" y="4017625"/>
-            <a:ext cx="2299431" cy="1041236"/>
-          </a:xfrm>
-          <a:prstGeom prst="roundRect">
-            <a:avLst>
-              <a:gd name="adj" fmla="val 16667"/>
-            </a:avLst>
-          </a:prstGeom>
-          <a:solidFill>
-            <a:srgbClr val="0A0203">
-              <a:lumMod val="20000"/>
-              <a:lumOff val="80000"/>
-            </a:srgbClr>
-          </a:solidFill>
-          <a:ln>
-            <a:noFill/>
-          </a:ln>
-          <a:effectLst/>
-        </p:spPr>
-        <p:txBody>
-          <a:bodyPr wrap="none" anchor="ctr"/>
-          <a:lstStyle/>
-          <a:p>
-            <a:pPr marL="0" marR="0" lvl="0" indent="0" defTabSz="914400" eaLnBrk="1" fontAlgn="auto" latinLnBrk="0" hangingPunct="1">
-              <a:lnSpc>
-                <a:spcPct val="100000"/>
-              </a:lnSpc>
-              <a:spcBef>
-                <a:spcPts val="0"/>
-              </a:spcBef>
-              <a:spcAft>
-                <a:spcPts val="0"/>
-              </a:spcAft>
-              <a:buClrTx/>
-              <a:buSzTx/>
-              <a:buFontTx/>
-              <a:buNone/>
-              <a:tabLst/>
-              <a:defRPr/>
-            </a:pPr>
-            <a:endParaRPr kumimoji="0" lang="en-US" sz="1800" b="0" i="0" u="none" strike="noStrike" kern="0" cap="none" spc="0" normalizeH="0" baseline="0" noProof="0">
-              <a:ln>
-                <a:noFill/>
-              </a:ln>
-              <a:solidFill>
-                <a:srgbClr val="000000"/>
-              </a:solidFill>
-              <a:effectLst/>
-              <a:uLnTx/>
-              <a:uFillTx/>
-              <a:latin typeface="Kross Neue Grotesk"/>
-            </a:endParaRPr>
-          </a:p>
-        </p:txBody>
-      </p:sp>
-      <p:sp>
-        <p:nvSpPr>
-          <p:cNvPr id="61" name="Oval 8">
-            <a:extLst>
-              <a:ext uri="{FF2B5EF4-FFF2-40B4-BE49-F238E27FC236}">
-                <a16:creationId xmlns:a16="http://schemas.microsoft.com/office/drawing/2014/main" id="{67D494F8-8736-9325-7D95-4F0F15BF64A7}"/>
-              </a:ext>
-            </a:extLst>
-          </p:cNvPr>
-          <p:cNvSpPr>
-            <a:spLocks noChangeArrowheads="1"/>
-          </p:cNvSpPr>
-          <p:nvPr/>
-        </p:nvSpPr>
-        <p:spPr bwMode="auto">
-          <a:xfrm>
-            <a:off x="2885523" y="5280641"/>
-            <a:ext cx="450850" cy="450850"/>
-          </a:xfrm>
-          <a:prstGeom prst="ellipse">
-            <a:avLst/>
-          </a:prstGeom>
-          <a:noFill/>
-          <a:ln w="28575" algn="ctr">
-            <a:solidFill>
-              <a:srgbClr val="000000"/>
-            </a:solidFill>
-            <a:round/>
-            <a:headEnd/>
-            <a:tailEnd/>
-          </a:ln>
-          <a:effectLst/>
-          <a:extLst>
-            <a:ext uri="{909E8E84-426E-40DD-AFC4-6F175D3DCCD1}">
-              <a14:hiddenFill xmlns:a14="http://schemas.microsoft.com/office/drawing/2010/main">
-                <a:solidFill>
-                  <a:srgbClr val="FF9900"/>
-                </a:solidFill>
-              </a14:hiddenFill>
-            </a:ext>
-            <a:ext uri="{AF507438-7753-43E0-B8FC-AC1667EBCBE1}">
-              <a14:hiddenEffects xmlns:a14="http://schemas.microsoft.com/office/drawing/2010/main">
-                <a:effectLst>
-                  <a:outerShdw dist="35921" dir="2700000" algn="ctr" rotWithShape="0">
-                    <a:schemeClr val="bg2"/>
-                  </a:outerShdw>
-                </a:effectLst>
-              </a14:hiddenEffects>
-            </a:ext>
-          </a:extLst>
-        </p:spPr>
-        <p:txBody>
-          <a:bodyPr wrap="none" anchor="ctr"/>
-          <a:lstStyle/>
-          <a:p>
-            <a:endParaRPr lang="en-US">
-              <a:solidFill>
-                <a:srgbClr val="000000"/>
-              </a:solidFill>
-              <a:latin typeface="Kross Neue Grotesk"/>
-            </a:endParaRPr>
-          </a:p>
-        </p:txBody>
-      </p:sp>
-      <p:graphicFrame>
-        <p:nvGraphicFramePr>
-          <p:cNvPr id="62" name="Object 33">
-            <a:extLst>
-              <a:ext uri="{FF2B5EF4-FFF2-40B4-BE49-F238E27FC236}">
-                <a16:creationId xmlns:a16="http://schemas.microsoft.com/office/drawing/2014/main" id="{376E9039-560C-2C0E-61CF-815EA32EBAED}"/>
-              </a:ext>
-            </a:extLst>
-          </p:cNvPr>
-          <p:cNvGraphicFramePr>
-            <a:graphicFrameLocks noChangeAspect="1"/>
-          </p:cNvGraphicFramePr>
-          <p:nvPr>
-            <p:extLst>
-              <p:ext uri="{D42A27DB-BD31-4B8C-83A1-F6EECF244321}">
-                <p14:modId xmlns:p14="http://schemas.microsoft.com/office/powerpoint/2010/main" val="3908938921"/>
-              </p:ext>
-            </p:extLst>
-          </p:nvPr>
-        </p:nvGraphicFramePr>
-        <p:xfrm>
-          <a:off x="2221104" y="3132449"/>
-          <a:ext cx="539750" cy="488950"/>
-        </p:xfrm>
-        <a:graphic>
-          <a:graphicData uri="http://schemas.openxmlformats.org/presentationml/2006/ole">
-            <mc:AlternateContent xmlns:mc="http://schemas.openxmlformats.org/markup-compatibility/2006">
-              <mc:Choice xmlns:v="urn:schemas-microsoft-com:vml" Requires="v">
-                <p:oleObj name="Equation" r:id="rId4" imgW="266400" imgH="241200" progId="Equation.3">
-                  <p:embed/>
-                </p:oleObj>
-              </mc:Choice>
-              <mc:Fallback>
-                <p:oleObj name="Equation" r:id="rId4" imgW="266400" imgH="241200" progId="Equation.3">
-                  <p:embed/>
-                  <p:pic>
-                    <p:nvPicPr>
-                      <p:cNvPr id="13" name="Object 33">
-                        <a:extLst>
-                          <a:ext uri="{FF2B5EF4-FFF2-40B4-BE49-F238E27FC236}">
-                            <a16:creationId xmlns:a16="http://schemas.microsoft.com/office/drawing/2014/main" id="{0DADBDAE-C1ED-F2B7-60A3-DA98CD7BD7AE}"/>
-                          </a:ext>
-                        </a:extLst>
-                      </p:cNvPr>
-                      <p:cNvPicPr>
-                        <a:picLocks noChangeAspect="1" noChangeArrowheads="1"/>
-                      </p:cNvPicPr>
-                      <p:nvPr/>
-                    </p:nvPicPr>
-                    <p:blipFill>
-                      <a:blip r:embed="rId5">
-                        <a:extLst>
-                          <a:ext uri="{28A0092B-C50C-407E-A947-70E740481C1C}">
-                            <a14:useLocalDpi xmlns:a14="http://schemas.microsoft.com/office/drawing/2010/main" val="0"/>
-                          </a:ext>
-                        </a:extLst>
-                      </a:blip>
-                      <a:srcRect/>
-                      <a:stretch>
-                        <a:fillRect/>
-                      </a:stretch>
-                    </p:blipFill>
-                    <p:spPr bwMode="auto">
-                      <a:xfrm>
-                        <a:off x="2221104" y="3132449"/>
-                        <a:ext cx="539750" cy="488950"/>
-                      </a:xfrm>
-                      <a:prstGeom prst="rect">
-                        <a:avLst/>
-                      </a:prstGeom>
-                      <a:noFill/>
-                      <a:ln>
-                        <a:noFill/>
-                      </a:ln>
-                      <a:effectLst/>
-                      <a:extLst>
-                        <a:ext uri="{909E8E84-426E-40DD-AFC4-6F175D3DCCD1}">
-                          <a14:hiddenFill xmlns:a14="http://schemas.microsoft.com/office/drawing/2010/main">
-                            <a:solidFill>
-                              <a:schemeClr val="accent1"/>
-                            </a:solidFill>
-                          </a14:hiddenFill>
-                        </a:ext>
-                        <a:ext uri="{91240B29-F687-4F45-9708-019B960494DF}">
-                          <a14:hiddenLine xmlns:a14="http://schemas.microsoft.com/office/drawing/2010/main" w="9525">
-                            <a:solidFill>
-                              <a:schemeClr val="tx1"/>
-                            </a:solidFill>
-                            <a:miter lim="800000"/>
-                            <a:headEnd/>
-                            <a:tailEnd/>
-                          </a14:hiddenLine>
-                        </a:ext>
-                        <a:ext uri="{AF507438-7753-43E0-B8FC-AC1667EBCBE1}">
-                          <a14:hiddenEffects xmlns:a14="http://schemas.microsoft.com/office/drawing/2010/main">
-                            <a:effectLst>
-                              <a:outerShdw dist="35921" dir="2700000" algn="ctr" rotWithShape="0">
-                                <a:schemeClr val="bg2"/>
-                              </a:outerShdw>
-                            </a:effectLst>
-                          </a14:hiddenEffects>
-                        </a:ext>
-                      </a:extLst>
-                    </p:spPr>
-                  </p:pic>
-                </p:oleObj>
-              </mc:Fallback>
-            </mc:AlternateContent>
-          </a:graphicData>
-        </a:graphic>
-      </p:graphicFrame>
-      <p:sp>
-        <p:nvSpPr>
-          <p:cNvPr id="63" name="Line 9">
-            <a:extLst>
-              <a:ext uri="{FF2B5EF4-FFF2-40B4-BE49-F238E27FC236}">
-                <a16:creationId xmlns:a16="http://schemas.microsoft.com/office/drawing/2014/main" id="{F7CF8FFE-9C7A-04D5-5755-07D5801AB628}"/>
-              </a:ext>
-            </a:extLst>
-          </p:cNvPr>
-          <p:cNvSpPr>
-            <a:spLocks noChangeShapeType="1"/>
-          </p:cNvSpPr>
-          <p:nvPr/>
-        </p:nvSpPr>
-        <p:spPr bwMode="auto">
-          <a:xfrm flipV="1">
-            <a:off x="2783922" y="5166811"/>
-            <a:ext cx="0" cy="534988"/>
-          </a:xfrm>
-          <a:prstGeom prst="line">
-            <a:avLst/>
-          </a:prstGeom>
-          <a:noFill/>
-          <a:ln w="28575">
-            <a:solidFill>
-              <a:srgbClr val="000000"/>
-            </a:solidFill>
-            <a:round/>
-            <a:headEnd/>
-            <a:tailEnd type="triangle" w="med" len="med"/>
-          </a:ln>
-          <a:effectLst/>
-          <a:extLst>
-            <a:ext uri="{909E8E84-426E-40DD-AFC4-6F175D3DCCD1}">
-              <a14:hiddenFill xmlns:a14="http://schemas.microsoft.com/office/drawing/2010/main">
-                <a:noFill/>
-              </a14:hiddenFill>
-            </a:ext>
-            <a:ext uri="{AF507438-7753-43E0-B8FC-AC1667EBCBE1}">
-              <a14:hiddenEffects xmlns:a14="http://schemas.microsoft.com/office/drawing/2010/main">
-                <a:effectLst>
-                  <a:outerShdw dist="35921" dir="2700000" algn="ctr" rotWithShape="0">
-                    <a:schemeClr val="bg2"/>
-                  </a:outerShdw>
-                </a:effectLst>
-              </a14:hiddenEffects>
-            </a:ext>
-          </a:extLst>
-        </p:spPr>
-        <p:txBody>
-          <a:bodyPr wrap="none" anchor="ctr"/>
-          <a:lstStyle/>
-          <a:p>
-            <a:endParaRPr lang="en-US">
-              <a:solidFill>
-                <a:srgbClr val="000000"/>
-              </a:solidFill>
-              <a:latin typeface="Kross Neue Grotesk"/>
-            </a:endParaRPr>
-          </a:p>
-        </p:txBody>
-      </p:sp>
-      <p:sp>
-        <p:nvSpPr>
-          <p:cNvPr id="64" name="Line 21">
-            <a:extLst>
-              <a:ext uri="{FF2B5EF4-FFF2-40B4-BE49-F238E27FC236}">
-                <a16:creationId xmlns:a16="http://schemas.microsoft.com/office/drawing/2014/main" id="{5888C2D8-0517-72AE-48F6-2994DF8C1F14}"/>
-              </a:ext>
-            </a:extLst>
-          </p:cNvPr>
-          <p:cNvSpPr>
-            <a:spLocks noChangeShapeType="1"/>
-          </p:cNvSpPr>
-          <p:nvPr/>
-        </p:nvSpPr>
-        <p:spPr bwMode="auto">
-          <a:xfrm flipV="1">
-            <a:off x="3108090" y="4865293"/>
-            <a:ext cx="0" cy="1143555"/>
-          </a:xfrm>
-          <a:prstGeom prst="line">
-            <a:avLst/>
-          </a:prstGeom>
-          <a:noFill/>
-          <a:ln w="28575">
-            <a:solidFill>
-              <a:srgbClr val="000000"/>
-            </a:solidFill>
-            <a:round/>
-            <a:headEnd/>
-            <a:tailEnd/>
-          </a:ln>
-          <a:effectLst/>
-          <a:extLst>
-            <a:ext uri="{909E8E84-426E-40DD-AFC4-6F175D3DCCD1}">
-              <a14:hiddenFill xmlns:a14="http://schemas.microsoft.com/office/drawing/2010/main">
-                <a:noFill/>
-              </a14:hiddenFill>
-            </a:ext>
-            <a:ext uri="{AF507438-7753-43E0-B8FC-AC1667EBCBE1}">
-              <a14:hiddenEffects xmlns:a14="http://schemas.microsoft.com/office/drawing/2010/main">
-                <a:effectLst>
-                  <a:outerShdw dist="35921" dir="2700000" algn="ctr" rotWithShape="0">
-                    <a:schemeClr val="bg2"/>
-                  </a:outerShdw>
-                </a:effectLst>
-              </a14:hiddenEffects>
-            </a:ext>
-          </a:extLst>
-        </p:spPr>
-        <p:txBody>
-          <a:bodyPr/>
-          <a:lstStyle/>
-          <a:p>
-            <a:endParaRPr lang="en-US">
-              <a:solidFill>
-                <a:srgbClr val="000000"/>
-              </a:solidFill>
-              <a:latin typeface="Kross Neue Grotesk"/>
-            </a:endParaRPr>
-          </a:p>
-        </p:txBody>
-      </p:sp>
-      <p:graphicFrame>
-        <p:nvGraphicFramePr>
-          <p:cNvPr id="65" name="Object 22">
-            <a:extLst>
-              <a:ext uri="{FF2B5EF4-FFF2-40B4-BE49-F238E27FC236}">
-                <a16:creationId xmlns:a16="http://schemas.microsoft.com/office/drawing/2014/main" id="{206B8547-90B7-5413-58CF-B7C7021B7C99}"/>
-              </a:ext>
-            </a:extLst>
-          </p:cNvPr>
-          <p:cNvGraphicFramePr>
-            <a:graphicFrameLocks noGrp="1" noChangeAspect="1"/>
-          </p:cNvGraphicFramePr>
-          <p:nvPr>
-            <p:extLst>
-              <p:ext uri="{D42A27DB-BD31-4B8C-83A1-F6EECF244321}">
-                <p14:modId xmlns:p14="http://schemas.microsoft.com/office/powerpoint/2010/main" val="296037011"/>
-              </p:ext>
-            </p:extLst>
-          </p:nvPr>
-        </p:nvGraphicFramePr>
-        <p:xfrm>
-          <a:off x="2273427" y="5222533"/>
-          <a:ext cx="450850" cy="454025"/>
-        </p:xfrm>
-        <a:graphic>
-          <a:graphicData uri="http://schemas.openxmlformats.org/presentationml/2006/ole">
-            <mc:AlternateContent xmlns:mc="http://schemas.openxmlformats.org/markup-compatibility/2006">
-              <mc:Choice xmlns:v="urn:schemas-microsoft-com:vml" Requires="v">
-                <p:oleObj name="Equation" r:id="rId6" imgW="215640" imgH="228600" progId="Equation.3">
-                  <p:embed/>
-                </p:oleObj>
-              </mc:Choice>
-              <mc:Fallback>
-                <p:oleObj name="Equation" r:id="rId6" imgW="215640" imgH="228600" progId="Equation.3">
-                  <p:embed/>
-                  <p:pic>
-                    <p:nvPicPr>
-                      <p:cNvPr id="22" name="Object 22">
-                        <a:extLst>
-                          <a:ext uri="{FF2B5EF4-FFF2-40B4-BE49-F238E27FC236}">
-                            <a16:creationId xmlns:a16="http://schemas.microsoft.com/office/drawing/2014/main" id="{C2712EA5-01DA-A96F-0D37-CD0C6CD9C103}"/>
-                          </a:ext>
-                        </a:extLst>
-                      </p:cNvPr>
-                      <p:cNvPicPr>
-                        <a:picLocks noGrp="1" noChangeAspect="1" noChangeArrowheads="1"/>
-                      </p:cNvPicPr>
-                      <p:nvPr/>
-                    </p:nvPicPr>
-                    <p:blipFill>
-                      <a:blip r:embed="rId7">
-                        <a:extLst>
-                          <a:ext uri="{28A0092B-C50C-407E-A947-70E740481C1C}">
-                            <a14:useLocalDpi xmlns:a14="http://schemas.microsoft.com/office/drawing/2010/main" val="0"/>
-                          </a:ext>
-                        </a:extLst>
-                      </a:blip>
-                      <a:srcRect/>
-                      <a:stretch>
-                        <a:fillRect/>
-                      </a:stretch>
-                    </p:blipFill>
-                    <p:spPr bwMode="auto">
-                      <a:xfrm>
-                        <a:off x="2273427" y="5222533"/>
-                        <a:ext cx="450850" cy="454025"/>
-                      </a:xfrm>
-                      <a:prstGeom prst="rect">
-                        <a:avLst/>
-                      </a:prstGeom>
-                      <a:noFill/>
-                      <a:ln>
-                        <a:noFill/>
-                      </a:ln>
-                      <a:effectLst/>
-                      <a:extLst>
-                        <a:ext uri="{909E8E84-426E-40DD-AFC4-6F175D3DCCD1}">
-                          <a14:hiddenFill xmlns:a14="http://schemas.microsoft.com/office/drawing/2010/main">
-                            <a:solidFill>
-                              <a:schemeClr val="accent1"/>
-                            </a:solidFill>
-                          </a14:hiddenFill>
-                        </a:ext>
-                        <a:ext uri="{91240B29-F687-4F45-9708-019B960494DF}">
-                          <a14:hiddenLine xmlns:a14="http://schemas.microsoft.com/office/drawing/2010/main" w="9525">
-                            <a:solidFill>
-                              <a:schemeClr val="tx1"/>
-                            </a:solidFill>
-                            <a:miter lim="800000"/>
-                            <a:headEnd/>
-                            <a:tailEnd/>
-                          </a14:hiddenLine>
-                        </a:ext>
-                        <a:ext uri="{AF507438-7753-43E0-B8FC-AC1667EBCBE1}">
-                          <a14:hiddenEffects xmlns:a14="http://schemas.microsoft.com/office/drawing/2010/main">
-                            <a:effectLst>
-                              <a:outerShdw dist="35921" dir="2700000" algn="ctr" rotWithShape="0">
-                                <a:schemeClr val="bg2"/>
-                              </a:outerShdw>
-                            </a:effectLst>
-                          </a14:hiddenEffects>
-                        </a:ext>
-                      </a:extLst>
-                    </p:spPr>
-                  </p:pic>
-                </p:oleObj>
-              </mc:Fallback>
-            </mc:AlternateContent>
-          </a:graphicData>
-        </a:graphic>
-      </p:graphicFrame>
-      <p:sp>
-        <p:nvSpPr>
-          <p:cNvPr id="66" name="Text Box 27">
-            <a:extLst>
-              <a:ext uri="{FF2B5EF4-FFF2-40B4-BE49-F238E27FC236}">
-                <a16:creationId xmlns:a16="http://schemas.microsoft.com/office/drawing/2014/main" id="{3C26BE68-3C3E-C0EC-6D64-51D3ED933B28}"/>
-              </a:ext>
-            </a:extLst>
-          </p:cNvPr>
-          <p:cNvSpPr txBox="1">
-            <a:spLocks noChangeArrowheads="1"/>
-          </p:cNvSpPr>
-          <p:nvPr/>
-        </p:nvSpPr>
-        <p:spPr bwMode="auto">
-          <a:xfrm>
-            <a:off x="1214429" y="4245855"/>
-            <a:ext cx="1200150" cy="584775"/>
-          </a:xfrm>
-          <a:prstGeom prst="rect">
-            <a:avLst/>
-          </a:prstGeom>
-          <a:noFill/>
-          <a:ln>
-            <a:noFill/>
-          </a:ln>
-          <a:effectLst/>
-          <a:extLst>
-            <a:ext uri="{909E8E84-426E-40DD-AFC4-6F175D3DCCD1}">
-              <a14:hiddenFill xmlns:a14="http://schemas.microsoft.com/office/drawing/2010/main">
-                <a:solidFill>
-                  <a:srgbClr val="FF9900"/>
-                </a:solidFill>
-              </a14:hiddenFill>
-            </a:ext>
-            <a:ext uri="{91240B29-F687-4F45-9708-019B960494DF}">
-              <a14:hiddenLine xmlns:a14="http://schemas.microsoft.com/office/drawing/2010/main" w="9525" algn="ctr">
-                <a:solidFill>
-                  <a:srgbClr val="FFFFFF"/>
-                </a:solidFill>
-                <a:miter lim="800000"/>
-                <a:headEnd/>
-                <a:tailEnd/>
-              </a14:hiddenLine>
-            </a:ext>
-            <a:ext uri="{AF507438-7753-43E0-B8FC-AC1667EBCBE1}">
-              <a14:hiddenEffects xmlns:a14="http://schemas.microsoft.com/office/drawing/2010/main">
-                <a:effectLst>
-                  <a:outerShdw dist="35921" dir="2700000" algn="ctr" rotWithShape="0">
-                    <a:schemeClr val="bg2"/>
-                  </a:outerShdw>
-                </a:effectLst>
-              </a14:hiddenEffects>
-            </a:ext>
-          </a:extLst>
-        </p:spPr>
-        <p:txBody>
-          <a:bodyPr wrap="square">
-            <a:spAutoFit/>
-          </a:bodyPr>
-          <a:lstStyle/>
-          <a:p>
-            <a:r>
-              <a:rPr lang="en-GB" altLang="fr-FR" sz="1600" i="1" dirty="0">
-                <a:solidFill>
-                  <a:srgbClr val="000000"/>
-                </a:solidFill>
-                <a:latin typeface="Kross Neue Grotesk"/>
-              </a:rPr>
-              <a:t>Activation losses</a:t>
-            </a:r>
-          </a:p>
-        </p:txBody>
-      </p:sp>
-      <p:graphicFrame>
-        <p:nvGraphicFramePr>
-          <p:cNvPr id="67" name="Object 30">
-            <a:extLst>
-              <a:ext uri="{FF2B5EF4-FFF2-40B4-BE49-F238E27FC236}">
-                <a16:creationId xmlns:a16="http://schemas.microsoft.com/office/drawing/2014/main" id="{35924EAF-63EA-6E6C-D9F5-4A5DA00166C9}"/>
-              </a:ext>
-            </a:extLst>
-          </p:cNvPr>
-          <p:cNvGraphicFramePr>
-            <a:graphicFrameLocks noChangeAspect="1"/>
-          </p:cNvGraphicFramePr>
-          <p:nvPr>
-            <p:extLst>
-              <p:ext uri="{D42A27DB-BD31-4B8C-83A1-F6EECF244321}">
-                <p14:modId xmlns:p14="http://schemas.microsoft.com/office/powerpoint/2010/main" val="3543171808"/>
-              </p:ext>
-            </p:extLst>
-          </p:nvPr>
-        </p:nvGraphicFramePr>
-        <p:xfrm>
-          <a:off x="2252578" y="4286187"/>
-          <a:ext cx="449262" cy="425450"/>
-        </p:xfrm>
-        <a:graphic>
-          <a:graphicData uri="http://schemas.openxmlformats.org/presentationml/2006/ole">
-            <mc:AlternateContent xmlns:mc="http://schemas.openxmlformats.org/markup-compatibility/2006">
-              <mc:Choice xmlns:v="urn:schemas-microsoft-com:vml" Requires="v">
-                <p:oleObj name="Equation" r:id="rId8" imgW="241200" imgH="228600" progId="Equation.3">
-                  <p:embed/>
-                </p:oleObj>
-              </mc:Choice>
-              <mc:Fallback>
-                <p:oleObj name="Equation" r:id="rId8" imgW="241200" imgH="228600" progId="Equation.3">
-                  <p:embed/>
-                  <p:pic>
-                    <p:nvPicPr>
-                      <p:cNvPr id="33" name="Object 30">
-                        <a:extLst>
-                          <a:ext uri="{FF2B5EF4-FFF2-40B4-BE49-F238E27FC236}">
-                            <a16:creationId xmlns:a16="http://schemas.microsoft.com/office/drawing/2014/main" id="{1DD3C53D-F10E-DD8D-0FDB-45066441BF3E}"/>
-                          </a:ext>
-                        </a:extLst>
-                      </p:cNvPr>
-                      <p:cNvPicPr>
-                        <a:picLocks noChangeAspect="1" noChangeArrowheads="1"/>
-                      </p:cNvPicPr>
-                      <p:nvPr/>
-                    </p:nvPicPr>
-                    <p:blipFill>
-                      <a:blip r:embed="rId9">
-                        <a:extLst>
-                          <a:ext uri="{28A0092B-C50C-407E-A947-70E740481C1C}">
-                            <a14:useLocalDpi xmlns:a14="http://schemas.microsoft.com/office/drawing/2010/main" val="0"/>
-                          </a:ext>
-                        </a:extLst>
-                      </a:blip>
-                      <a:srcRect/>
-                      <a:stretch>
-                        <a:fillRect/>
-                      </a:stretch>
-                    </p:blipFill>
-                    <p:spPr bwMode="auto">
-                      <a:xfrm>
-                        <a:off x="2252578" y="4286187"/>
-                        <a:ext cx="449262" cy="425450"/>
-                      </a:xfrm>
-                      <a:prstGeom prst="rect">
-                        <a:avLst/>
-                      </a:prstGeom>
-                      <a:noFill/>
-                      <a:ln>
-                        <a:noFill/>
-                      </a:ln>
-                      <a:effectLst/>
-                      <a:extLst>
-                        <a:ext uri="{909E8E84-426E-40DD-AFC4-6F175D3DCCD1}">
-                          <a14:hiddenFill xmlns:a14="http://schemas.microsoft.com/office/drawing/2010/main">
-                            <a:solidFill>
-                              <a:schemeClr val="accent1"/>
-                            </a:solidFill>
-                          </a14:hiddenFill>
-                        </a:ext>
-                        <a:ext uri="{91240B29-F687-4F45-9708-019B960494DF}">
-                          <a14:hiddenLine xmlns:a14="http://schemas.microsoft.com/office/drawing/2010/main" w="9525">
-                            <a:solidFill>
-                              <a:schemeClr val="tx1"/>
-                            </a:solidFill>
-                            <a:miter lim="800000"/>
-                            <a:headEnd/>
-                            <a:tailEnd/>
-                          </a14:hiddenLine>
-                        </a:ext>
-                        <a:ext uri="{AF507438-7753-43E0-B8FC-AC1667EBCBE1}">
-                          <a14:hiddenEffects xmlns:a14="http://schemas.microsoft.com/office/drawing/2010/main">
-                            <a:effectLst>
-                              <a:outerShdw dist="35921" dir="2700000" algn="ctr" rotWithShape="0">
-                                <a:schemeClr val="bg2"/>
-                              </a:outerShdw>
-                            </a:effectLst>
-                          </a14:hiddenEffects>
-                        </a:ext>
-                      </a:extLst>
-                    </p:spPr>
-                  </p:pic>
-                </p:oleObj>
-              </mc:Fallback>
-            </mc:AlternateContent>
-          </a:graphicData>
-        </a:graphic>
-      </p:graphicFrame>
-      <p:sp>
-        <p:nvSpPr>
-          <p:cNvPr id="68" name="Text Box 32">
-            <a:extLst>
-              <a:ext uri="{FF2B5EF4-FFF2-40B4-BE49-F238E27FC236}">
-                <a16:creationId xmlns:a16="http://schemas.microsoft.com/office/drawing/2014/main" id="{B922432D-438E-CBFB-0E64-B9A057A4A9F9}"/>
-              </a:ext>
-            </a:extLst>
-          </p:cNvPr>
-          <p:cNvSpPr txBox="1">
-            <a:spLocks noChangeArrowheads="1"/>
-          </p:cNvSpPr>
-          <p:nvPr/>
-        </p:nvSpPr>
-        <p:spPr bwMode="auto">
-          <a:xfrm>
-            <a:off x="1198747" y="3182059"/>
-            <a:ext cx="969182" cy="584775"/>
-          </a:xfrm>
-          <a:prstGeom prst="rect">
-            <a:avLst/>
-          </a:prstGeom>
-          <a:noFill/>
-          <a:ln>
-            <a:noFill/>
-          </a:ln>
-          <a:effectLst/>
-          <a:extLst>
-            <a:ext uri="{909E8E84-426E-40DD-AFC4-6F175D3DCCD1}">
-              <a14:hiddenFill xmlns:a14="http://schemas.microsoft.com/office/drawing/2010/main">
-                <a:solidFill>
-                  <a:srgbClr val="FF9900"/>
-                </a:solidFill>
-              </a14:hiddenFill>
-            </a:ext>
-            <a:ext uri="{91240B29-F687-4F45-9708-019B960494DF}">
-              <a14:hiddenLine xmlns:a14="http://schemas.microsoft.com/office/drawing/2010/main" w="9525" algn="ctr">
-                <a:solidFill>
-                  <a:srgbClr val="FFFFFF"/>
-                </a:solidFill>
-                <a:miter lim="800000"/>
-                <a:headEnd/>
-                <a:tailEnd/>
-              </a14:hiddenLine>
-            </a:ext>
-            <a:ext uri="{AF507438-7753-43E0-B8FC-AC1667EBCBE1}">
-              <a14:hiddenEffects xmlns:a14="http://schemas.microsoft.com/office/drawing/2010/main">
-                <a:effectLst>
-                  <a:outerShdw dist="35921" dir="2700000" algn="ctr" rotWithShape="0">
-                    <a:schemeClr val="bg2"/>
-                  </a:outerShdw>
-                </a:effectLst>
-              </a14:hiddenEffects>
-            </a:ext>
-          </a:extLst>
-        </p:spPr>
-        <p:txBody>
-          <a:bodyPr wrap="square">
-            <a:spAutoFit/>
-          </a:bodyPr>
-          <a:lstStyle/>
-          <a:p>
-            <a:r>
-              <a:rPr lang="en-GB" altLang="fr-FR" sz="1600" i="1" dirty="0">
-                <a:solidFill>
-                  <a:srgbClr val="000000"/>
-                </a:solidFill>
-                <a:latin typeface="Kross Neue Grotesk"/>
-              </a:rPr>
-              <a:t>Diffusion losses</a:t>
-            </a:r>
-          </a:p>
-        </p:txBody>
-      </p:sp>
-      <p:sp>
-        <p:nvSpPr>
-          <p:cNvPr id="69" name="Line 37">
-            <a:extLst>
-              <a:ext uri="{FF2B5EF4-FFF2-40B4-BE49-F238E27FC236}">
-                <a16:creationId xmlns:a16="http://schemas.microsoft.com/office/drawing/2014/main" id="{447C74CA-01F5-7096-20B4-A3EE47494674}"/>
-              </a:ext>
-            </a:extLst>
-          </p:cNvPr>
-          <p:cNvSpPr>
-            <a:spLocks noChangeShapeType="1"/>
-          </p:cNvSpPr>
-          <p:nvPr/>
-        </p:nvSpPr>
-        <p:spPr bwMode="auto">
-          <a:xfrm flipV="1">
-            <a:off x="2881650" y="4260518"/>
-            <a:ext cx="477838" cy="581025"/>
-          </a:xfrm>
-          <a:prstGeom prst="line">
-            <a:avLst/>
-          </a:prstGeom>
-          <a:noFill/>
-          <a:ln w="25400">
-            <a:solidFill>
-              <a:srgbClr val="000000"/>
-            </a:solidFill>
-            <a:round/>
-            <a:headEnd/>
-            <a:tailEnd type="triangle" w="med" len="med"/>
-          </a:ln>
-          <a:effectLst/>
-          <a:extLst>
-            <a:ext uri="{909E8E84-426E-40DD-AFC4-6F175D3DCCD1}">
-              <a14:hiddenFill xmlns:a14="http://schemas.microsoft.com/office/drawing/2010/main">
-                <a:noFill/>
-              </a14:hiddenFill>
-            </a:ext>
-            <a:ext uri="{AF507438-7753-43E0-B8FC-AC1667EBCBE1}">
-              <a14:hiddenEffects xmlns:a14="http://schemas.microsoft.com/office/drawing/2010/main">
-                <a:effectLst>
-                  <a:outerShdw dist="35921" dir="2700000" algn="ctr" rotWithShape="0">
-                    <a:schemeClr val="bg2"/>
-                  </a:outerShdw>
-                </a:effectLst>
-              </a14:hiddenEffects>
-            </a:ext>
-          </a:extLst>
-        </p:spPr>
-        <p:txBody>
-          <a:bodyPr anchor="ctr">
-            <a:spAutoFit/>
-          </a:bodyPr>
-          <a:lstStyle/>
-          <a:p>
-            <a:endParaRPr lang="en-US">
-              <a:solidFill>
-                <a:srgbClr val="000000"/>
-              </a:solidFill>
-              <a:latin typeface="Kross Neue Grotesk"/>
-            </a:endParaRPr>
-          </a:p>
-        </p:txBody>
-      </p:sp>
-      <p:sp>
-        <p:nvSpPr>
-          <p:cNvPr id="70" name="Rectangle 38">
-            <a:extLst>
-              <a:ext uri="{FF2B5EF4-FFF2-40B4-BE49-F238E27FC236}">
-                <a16:creationId xmlns:a16="http://schemas.microsoft.com/office/drawing/2014/main" id="{9621075D-ED6C-A9C5-6006-84619730A150}"/>
-              </a:ext>
-            </a:extLst>
-          </p:cNvPr>
-          <p:cNvSpPr>
-            <a:spLocks noChangeArrowheads="1"/>
-          </p:cNvSpPr>
-          <p:nvPr/>
-        </p:nvSpPr>
-        <p:spPr bwMode="auto">
-          <a:xfrm rot="16200000">
-            <a:off x="2815196" y="4456527"/>
-            <a:ext cx="585788" cy="225425"/>
-          </a:xfrm>
-          <a:prstGeom prst="rect">
-            <a:avLst/>
-          </a:prstGeom>
-          <a:noFill/>
-          <a:ln w="28575" algn="ctr">
-            <a:solidFill>
-              <a:srgbClr val="000000"/>
-            </a:solidFill>
-            <a:miter lim="800000"/>
-            <a:headEnd/>
-            <a:tailEnd/>
-          </a:ln>
-          <a:effectLst/>
-          <a:extLst>
-            <a:ext uri="{909E8E84-426E-40DD-AFC4-6F175D3DCCD1}">
-              <a14:hiddenFill xmlns:a14="http://schemas.microsoft.com/office/drawing/2010/main">
-                <a:solidFill>
-                  <a:schemeClr val="accent1"/>
-                </a:solidFill>
-              </a14:hiddenFill>
-            </a:ext>
-            <a:ext uri="{AF507438-7753-43E0-B8FC-AC1667EBCBE1}">
-              <a14:hiddenEffects xmlns:a14="http://schemas.microsoft.com/office/drawing/2010/main">
-                <a:effectLst>
-                  <a:outerShdw dist="35921" dir="2700000" algn="ctr" rotWithShape="0">
-                    <a:schemeClr val="bg2"/>
-                  </a:outerShdw>
-                </a:effectLst>
-              </a14:hiddenEffects>
-            </a:ext>
-          </a:extLst>
-        </p:spPr>
-        <p:txBody>
-          <a:bodyPr wrap="none" anchor="ctr"/>
-          <a:lstStyle/>
-          <a:p>
-            <a:pPr marL="0" marR="0" lvl="0" indent="0" defTabSz="914400" eaLnBrk="1" fontAlgn="auto" latinLnBrk="0" hangingPunct="1">
-              <a:lnSpc>
-                <a:spcPct val="100000"/>
-              </a:lnSpc>
-              <a:spcBef>
-                <a:spcPts val="0"/>
-              </a:spcBef>
-              <a:spcAft>
-                <a:spcPts val="0"/>
-              </a:spcAft>
-              <a:buClrTx/>
-              <a:buSzTx/>
-              <a:buFontTx/>
-              <a:buNone/>
-              <a:tabLst/>
-              <a:defRPr/>
-            </a:pPr>
-            <a:endParaRPr kumimoji="0" lang="en-US" sz="1800" b="0" i="0" u="none" strike="noStrike" kern="0" cap="none" spc="0" normalizeH="0" baseline="0" noProof="0">
-              <a:ln>
-                <a:noFill/>
-              </a:ln>
-              <a:solidFill>
-                <a:srgbClr val="000000"/>
-              </a:solidFill>
-              <a:effectLst/>
-              <a:uLnTx/>
-              <a:uFillTx/>
-              <a:latin typeface="Kross Neue Grotesk"/>
-            </a:endParaRPr>
-          </a:p>
-        </p:txBody>
-      </p:sp>
-      <p:sp>
-        <p:nvSpPr>
-          <p:cNvPr id="71" name="Line 39">
-            <a:extLst>
-              <a:ext uri="{FF2B5EF4-FFF2-40B4-BE49-F238E27FC236}">
-                <a16:creationId xmlns:a16="http://schemas.microsoft.com/office/drawing/2014/main" id="{0A4D3710-ADC9-DB7F-17D8-D850910CA62D}"/>
-              </a:ext>
-            </a:extLst>
-          </p:cNvPr>
-          <p:cNvSpPr>
-            <a:spLocks noChangeShapeType="1"/>
-          </p:cNvSpPr>
-          <p:nvPr/>
-        </p:nvSpPr>
-        <p:spPr bwMode="auto">
-          <a:xfrm flipH="1" flipV="1">
-            <a:off x="3108090" y="1755819"/>
-            <a:ext cx="0" cy="198901"/>
-          </a:xfrm>
-          <a:prstGeom prst="line">
-            <a:avLst/>
-          </a:prstGeom>
-          <a:noFill/>
-          <a:ln w="25400">
-            <a:solidFill>
-              <a:srgbClr val="000000"/>
-            </a:solidFill>
-            <a:round/>
-            <a:headEnd/>
-            <a:tailEnd type="triangle" w="lg" len="med"/>
-          </a:ln>
-          <a:effectLst/>
-          <a:extLst>
-            <a:ext uri="{909E8E84-426E-40DD-AFC4-6F175D3DCCD1}">
-              <a14:hiddenFill xmlns:a14="http://schemas.microsoft.com/office/drawing/2010/main">
-                <a:noFill/>
-              </a14:hiddenFill>
-            </a:ext>
-            <a:ext uri="{AF507438-7753-43E0-B8FC-AC1667EBCBE1}">
-              <a14:hiddenEffects xmlns:a14="http://schemas.microsoft.com/office/drawing/2010/main">
-                <a:effectLst>
-                  <a:outerShdw dist="35921" dir="2700000" algn="ctr" rotWithShape="0">
-                    <a:schemeClr val="bg2"/>
-                  </a:outerShdw>
-                </a:effectLst>
-              </a14:hiddenEffects>
-            </a:ext>
-          </a:extLst>
-        </p:spPr>
-        <p:txBody>
-          <a:bodyPr wrap="square">
-            <a:spAutoFit/>
-          </a:bodyPr>
-          <a:lstStyle/>
-          <a:p>
-            <a:endParaRPr lang="en-US">
-              <a:solidFill>
-                <a:srgbClr val="000000"/>
-              </a:solidFill>
-              <a:latin typeface="Kross Neue Grotesk"/>
-            </a:endParaRPr>
-          </a:p>
-        </p:txBody>
-      </p:sp>
-      <p:sp>
-        <p:nvSpPr>
-          <p:cNvPr id="72" name="Text Box 42">
-            <a:extLst>
-              <a:ext uri="{FF2B5EF4-FFF2-40B4-BE49-F238E27FC236}">
-                <a16:creationId xmlns:a16="http://schemas.microsoft.com/office/drawing/2014/main" id="{E31B7056-0E8F-2741-A68C-7727328B65E6}"/>
-              </a:ext>
-            </a:extLst>
-          </p:cNvPr>
-          <p:cNvSpPr txBox="1">
-            <a:spLocks noChangeArrowheads="1"/>
-          </p:cNvSpPr>
-          <p:nvPr/>
-        </p:nvSpPr>
-        <p:spPr bwMode="auto">
-          <a:xfrm>
-            <a:off x="3133978" y="1497548"/>
-            <a:ext cx="248786" cy="369332"/>
-          </a:xfrm>
-          <a:prstGeom prst="rect">
-            <a:avLst/>
-          </a:prstGeom>
-          <a:noFill/>
-          <a:ln>
-            <a:noFill/>
-          </a:ln>
-          <a:effectLst/>
-          <a:extLst>
-            <a:ext uri="{909E8E84-426E-40DD-AFC4-6F175D3DCCD1}">
-              <a14:hiddenFill xmlns:a14="http://schemas.microsoft.com/office/drawing/2010/main">
-                <a:solidFill>
-                  <a:srgbClr val="FF9900"/>
-                </a:solidFill>
-              </a14:hiddenFill>
-            </a:ext>
-            <a:ext uri="{91240B29-F687-4F45-9708-019B960494DF}">
-              <a14:hiddenLine xmlns:a14="http://schemas.microsoft.com/office/drawing/2010/main" w="25400">
-                <a:solidFill>
-                  <a:srgbClr val="FFFFFF"/>
-                </a:solidFill>
-                <a:miter lim="800000"/>
-                <a:headEnd/>
-                <a:tailEnd/>
-              </a14:hiddenLine>
-            </a:ext>
-            <a:ext uri="{AF507438-7753-43E0-B8FC-AC1667EBCBE1}">
-              <a14:hiddenEffects xmlns:a14="http://schemas.microsoft.com/office/drawing/2010/main">
-                <a:effectLst>
-                  <a:outerShdw dist="35921" dir="2700000" algn="ctr" rotWithShape="0">
-                    <a:schemeClr val="bg2"/>
-                  </a:outerShdw>
-                </a:effectLst>
-              </a14:hiddenEffects>
-            </a:ext>
-          </a:extLst>
-        </p:spPr>
-        <p:txBody>
-          <a:bodyPr wrap="none">
-            <a:spAutoFit/>
-          </a:bodyPr>
-          <a:lstStyle/>
-          <a:p>
-            <a:pPr eaLnBrk="0" hangingPunct="0"/>
-            <a:r>
-              <a:rPr lang="en-GB" altLang="fr-FR" b="1" i="1" dirty="0" err="1">
-                <a:solidFill>
-                  <a:srgbClr val="000000"/>
-                </a:solidFill>
-                <a:latin typeface="Times New Roman" panose="02020603050405020304" pitchFamily="18" charset="0"/>
-              </a:rPr>
-              <a:t>i</a:t>
-            </a:r>
-            <a:endParaRPr lang="en-GB" altLang="fr-FR" b="1" i="1" dirty="0">
-              <a:solidFill>
-                <a:srgbClr val="000000"/>
-              </a:solidFill>
-              <a:latin typeface="Times New Roman" panose="02020603050405020304" pitchFamily="18" charset="0"/>
-            </a:endParaRPr>
-          </a:p>
-        </p:txBody>
-      </p:sp>
-      <mc:AlternateContent xmlns:mc="http://schemas.openxmlformats.org/markup-compatibility/2006">
-        <mc:Choice xmlns:a14="http://schemas.microsoft.com/office/drawing/2010/main" Requires="a14">
-          <p:sp>
-            <p:nvSpPr>
-              <p:cNvPr id="73" name="Object 143">
-                <a:extLst>
-                  <a:ext uri="{FF2B5EF4-FFF2-40B4-BE49-F238E27FC236}">
-                    <a16:creationId xmlns:a16="http://schemas.microsoft.com/office/drawing/2014/main" id="{76B96E2A-0676-2F48-9097-57B6D8763762}"/>
-                  </a:ext>
-                </a:extLst>
-              </p:cNvPr>
-              <p:cNvSpPr txBox="1"/>
-              <p:nvPr/>
-            </p:nvSpPr>
-            <p:spPr bwMode="auto">
-              <a:xfrm>
-                <a:off x="2248474" y="2036637"/>
-                <a:ext cx="592138" cy="461962"/>
-              </a:xfrm>
-              <a:prstGeom prst="rect">
-                <a:avLst/>
-              </a:prstGeom>
-              <a:noFill/>
-              <a:ln>
-                <a:noFill/>
-              </a:ln>
-              <a:effectLst/>
-            </p:spPr>
-            <p:txBody>
-              <a:bodyPr>
-                <a:normAutofit/>
-              </a:bodyPr>
-              <a:lstStyle/>
-              <a:p>
-                <a:pPr/>
-                <a14:m>
-                  <m:oMathPara xmlns:m="http://schemas.openxmlformats.org/officeDocument/2006/math">
-                    <m:oMathParaPr>
-                      <m:jc m:val="left"/>
-                    </m:oMathParaPr>
-                    <m:oMath xmlns:m="http://schemas.openxmlformats.org/officeDocument/2006/math">
-                      <m:sSub>
-                        <m:sSubPr>
-                          <m:ctrlPr>
-                            <a:rPr lang="fr-FR" i="1">
-                              <a:solidFill>
-                                <a:srgbClr val="000000"/>
-                              </a:solidFill>
-                              <a:latin typeface="Cambria Math" panose="02040503050406030204" pitchFamily="18" charset="0"/>
-                            </a:rPr>
-                          </m:ctrlPr>
-                        </m:sSubPr>
-                        <m:e>
-                          <m:r>
-                            <a:rPr lang="fr-FR" i="1">
-                              <a:solidFill>
-                                <a:srgbClr val="000000"/>
-                              </a:solidFill>
-                              <a:latin typeface="Cambria Math" panose="02040503050406030204" pitchFamily="18" charset="0"/>
-                            </a:rPr>
-                            <m:t>𝑅</m:t>
-                          </m:r>
-                        </m:e>
-                        <m:sub>
-                          <m:r>
-                            <a:rPr lang="fr-FR" i="1">
-                              <a:solidFill>
-                                <a:srgbClr val="000000"/>
-                              </a:solidFill>
-                              <a:latin typeface="Cambria Math" panose="02040503050406030204" pitchFamily="18" charset="0"/>
-                            </a:rPr>
-                            <m:t>𝑜h𝑚</m:t>
-                          </m:r>
-                        </m:sub>
-                      </m:sSub>
-                    </m:oMath>
-                  </m:oMathPara>
-                </a14:m>
-                <a:endParaRPr lang="fr-FR" dirty="0">
-                  <a:solidFill>
-                    <a:srgbClr val="000000"/>
-                  </a:solidFill>
-                  <a:latin typeface="Kross Neue Grotesk"/>
-                </a:endParaRPr>
-              </a:p>
-            </p:txBody>
-          </p:sp>
-        </mc:Choice>
-        <mc:Fallback>
-          <p:sp>
-            <p:nvSpPr>
-              <p:cNvPr id="73" name="Object 143">
-                <a:extLst>
-                  <a:ext uri="{FF2B5EF4-FFF2-40B4-BE49-F238E27FC236}">
-                    <a16:creationId xmlns:a16="http://schemas.microsoft.com/office/drawing/2014/main" id="{76B96E2A-0676-2F48-9097-57B6D8763762}"/>
-                  </a:ext>
-                </a:extLst>
-              </p:cNvPr>
-              <p:cNvSpPr txBox="1">
-                <a:spLocks noRot="1" noChangeAspect="1" noMove="1" noResize="1" noEditPoints="1" noAdjustHandles="1" noChangeArrowheads="1" noChangeShapeType="1" noTextEdit="1"/>
-              </p:cNvSpPr>
-              <p:nvPr/>
-            </p:nvSpPr>
-            <p:spPr bwMode="auto">
-              <a:xfrm>
-                <a:off x="2248474" y="2036637"/>
-                <a:ext cx="592138" cy="461962"/>
-              </a:xfrm>
-              <a:prstGeom prst="rect">
-                <a:avLst/>
-              </a:prstGeom>
-              <a:blipFill>
-                <a:blip r:embed="rId10"/>
-                <a:stretch>
-                  <a:fillRect r="-10309"/>
-                </a:stretch>
-              </a:blipFill>
-              <a:ln>
-                <a:noFill/>
-              </a:ln>
-              <a:effectLst/>
-            </p:spPr>
-            <p:txBody>
-              <a:bodyPr/>
-              <a:lstStyle/>
-              <a:p>
-                <a:r>
-                  <a:rPr lang="fr-FR">
-                    <a:noFill/>
-                  </a:rPr>
-                  <a:t> </a:t>
-                </a:r>
-              </a:p>
-            </p:txBody>
-          </p:sp>
-        </mc:Fallback>
-      </mc:AlternateContent>
-      <p:sp>
-        <p:nvSpPr>
-          <p:cNvPr id="74" name="Text Box 146">
-            <a:extLst>
-              <a:ext uri="{FF2B5EF4-FFF2-40B4-BE49-F238E27FC236}">
-                <a16:creationId xmlns:a16="http://schemas.microsoft.com/office/drawing/2014/main" id="{6A0677D6-8DF5-E673-33A9-316F83EE5F33}"/>
-              </a:ext>
-            </a:extLst>
-          </p:cNvPr>
-          <p:cNvSpPr txBox="1">
-            <a:spLocks noChangeArrowheads="1"/>
-          </p:cNvSpPr>
-          <p:nvPr/>
-        </p:nvSpPr>
-        <p:spPr bwMode="auto">
-          <a:xfrm>
-            <a:off x="2599329" y="1197310"/>
-            <a:ext cx="536575" cy="701675"/>
-          </a:xfrm>
-          <a:prstGeom prst="rect">
-            <a:avLst/>
-          </a:prstGeom>
-          <a:noFill/>
-          <a:ln>
-            <a:noFill/>
-          </a:ln>
-          <a:effectLst/>
-          <a:extLst>
-            <a:ext uri="{909E8E84-426E-40DD-AFC4-6F175D3DCCD1}">
-              <a14:hiddenFill xmlns:a14="http://schemas.microsoft.com/office/drawing/2010/main">
-                <a:solidFill>
-                  <a:srgbClr val="FF9900"/>
-                </a:solidFill>
-              </a14:hiddenFill>
-            </a:ext>
-            <a:ext uri="{91240B29-F687-4F45-9708-019B960494DF}">
-              <a14:hiddenLine xmlns:a14="http://schemas.microsoft.com/office/drawing/2010/main" w="25400">
-                <a:solidFill>
-                  <a:srgbClr val="FFFFFF"/>
-                </a:solidFill>
-                <a:miter lim="800000"/>
-                <a:headEnd/>
-                <a:tailEnd/>
-              </a14:hiddenLine>
-            </a:ext>
-            <a:ext uri="{AF507438-7753-43E0-B8FC-AC1667EBCBE1}">
-              <a14:hiddenEffects xmlns:a14="http://schemas.microsoft.com/office/drawing/2010/main">
-                <a:effectLst>
-                  <a:outerShdw dist="35921" dir="2700000" algn="ctr" rotWithShape="0">
-                    <a:schemeClr val="bg2"/>
-                  </a:outerShdw>
-                </a:effectLst>
-              </a14:hiddenEffects>
-            </a:ext>
-          </a:extLst>
-        </p:spPr>
-        <p:txBody>
-          <a:bodyPr>
-            <a:spAutoFit/>
-          </a:bodyPr>
-          <a:lstStyle/>
-          <a:p>
-            <a:pPr eaLnBrk="0" hangingPunct="0"/>
-            <a:r>
-              <a:rPr lang="fr-FR" altLang="fr-FR" sz="4000" b="1" dirty="0">
-                <a:solidFill>
-                  <a:srgbClr val="000000"/>
-                </a:solidFill>
-                <a:latin typeface="Kross Neue Grotesk"/>
-              </a:rPr>
-              <a:t>+</a:t>
-            </a:r>
-          </a:p>
-        </p:txBody>
-      </p:sp>
-      <p:sp>
-        <p:nvSpPr>
-          <p:cNvPr id="75" name="Text Box 147">
-            <a:extLst>
-              <a:ext uri="{FF2B5EF4-FFF2-40B4-BE49-F238E27FC236}">
-                <a16:creationId xmlns:a16="http://schemas.microsoft.com/office/drawing/2014/main" id="{288847E6-6D07-1CDB-8752-97939AC6A61C}"/>
-              </a:ext>
-            </a:extLst>
-          </p:cNvPr>
-          <p:cNvSpPr txBox="1">
-            <a:spLocks noChangeArrowheads="1"/>
-          </p:cNvSpPr>
-          <p:nvPr/>
-        </p:nvSpPr>
-        <p:spPr bwMode="auto">
-          <a:xfrm>
-            <a:off x="2544543" y="5587498"/>
-            <a:ext cx="536575" cy="701675"/>
-          </a:xfrm>
-          <a:prstGeom prst="rect">
-            <a:avLst/>
-          </a:prstGeom>
-          <a:noFill/>
-          <a:ln>
-            <a:noFill/>
-          </a:ln>
-          <a:effectLst/>
-          <a:extLst>
-            <a:ext uri="{909E8E84-426E-40DD-AFC4-6F175D3DCCD1}">
-              <a14:hiddenFill xmlns:a14="http://schemas.microsoft.com/office/drawing/2010/main">
-                <a:solidFill>
-                  <a:srgbClr val="FF9900"/>
-                </a:solidFill>
-              </a14:hiddenFill>
-            </a:ext>
-            <a:ext uri="{91240B29-F687-4F45-9708-019B960494DF}">
-              <a14:hiddenLine xmlns:a14="http://schemas.microsoft.com/office/drawing/2010/main" w="25400">
-                <a:solidFill>
-                  <a:srgbClr val="FFFFFF"/>
-                </a:solidFill>
-                <a:miter lim="800000"/>
-                <a:headEnd/>
-                <a:tailEnd/>
-              </a14:hiddenLine>
-            </a:ext>
-            <a:ext uri="{AF507438-7753-43E0-B8FC-AC1667EBCBE1}">
-              <a14:hiddenEffects xmlns:a14="http://schemas.microsoft.com/office/drawing/2010/main">
-                <a:effectLst>
-                  <a:outerShdw dist="35921" dir="2700000" algn="ctr" rotWithShape="0">
-                    <a:schemeClr val="bg2"/>
-                  </a:outerShdw>
-                </a:effectLst>
-              </a14:hiddenEffects>
-            </a:ext>
-          </a:extLst>
-        </p:spPr>
-        <p:txBody>
-          <a:bodyPr>
-            <a:spAutoFit/>
-          </a:bodyPr>
-          <a:lstStyle/>
-          <a:p>
-            <a:pPr eaLnBrk="0" hangingPunct="0"/>
-            <a:r>
-              <a:rPr lang="fr-FR" altLang="fr-FR" sz="4000" b="1" dirty="0">
-                <a:solidFill>
-                  <a:srgbClr val="000000"/>
-                </a:solidFill>
-                <a:latin typeface="Kross Neue Grotesk"/>
-              </a:rPr>
-              <a:t>-</a:t>
-            </a:r>
-          </a:p>
-        </p:txBody>
-      </p:sp>
-      <p:sp>
-        <p:nvSpPr>
-          <p:cNvPr id="76" name="Line 9">
-            <a:extLst>
-              <a:ext uri="{FF2B5EF4-FFF2-40B4-BE49-F238E27FC236}">
-                <a16:creationId xmlns:a16="http://schemas.microsoft.com/office/drawing/2014/main" id="{5276CF46-502D-A230-3782-9AEC3165050A}"/>
-              </a:ext>
-            </a:extLst>
-          </p:cNvPr>
-          <p:cNvSpPr>
-            <a:spLocks noChangeShapeType="1"/>
-          </p:cNvSpPr>
-          <p:nvPr/>
-        </p:nvSpPr>
-        <p:spPr bwMode="auto">
-          <a:xfrm>
-            <a:off x="2783922" y="4337445"/>
-            <a:ext cx="0" cy="524689"/>
-          </a:xfrm>
-          <a:prstGeom prst="line">
-            <a:avLst/>
-          </a:prstGeom>
-          <a:noFill/>
-          <a:ln w="28575">
-            <a:solidFill>
-              <a:srgbClr val="000000"/>
-            </a:solidFill>
-            <a:round/>
-            <a:headEnd/>
-            <a:tailEnd type="triangle" w="med" len="med"/>
-          </a:ln>
-          <a:effectLst/>
-          <a:extLst>
-            <a:ext uri="{909E8E84-426E-40DD-AFC4-6F175D3DCCD1}">
-              <a14:hiddenFill xmlns:a14="http://schemas.microsoft.com/office/drawing/2010/main">
-                <a:noFill/>
-              </a14:hiddenFill>
-            </a:ext>
-            <a:ext uri="{AF507438-7753-43E0-B8FC-AC1667EBCBE1}">
-              <a14:hiddenEffects xmlns:a14="http://schemas.microsoft.com/office/drawing/2010/main">
-                <a:effectLst>
-                  <a:outerShdw dist="35921" dir="2700000" algn="ctr" rotWithShape="0">
-                    <a:schemeClr val="bg2"/>
-                  </a:outerShdw>
-                </a:effectLst>
-              </a14:hiddenEffects>
-            </a:ext>
-          </a:extLst>
-        </p:spPr>
-        <p:txBody>
-          <a:bodyPr wrap="none" anchor="ctr"/>
-          <a:lstStyle/>
-          <a:p>
-            <a:endParaRPr lang="en-US">
-              <a:solidFill>
-                <a:srgbClr val="000000"/>
-              </a:solidFill>
-              <a:latin typeface="Kross Neue Grotesk"/>
-            </a:endParaRPr>
-          </a:p>
-        </p:txBody>
-      </p:sp>
-      <p:sp>
-        <p:nvSpPr>
-          <p:cNvPr id="77" name="Line 37">
-            <a:extLst>
-              <a:ext uri="{FF2B5EF4-FFF2-40B4-BE49-F238E27FC236}">
-                <a16:creationId xmlns:a16="http://schemas.microsoft.com/office/drawing/2014/main" id="{D428EF7A-3D3D-5F3A-D36A-A7F02F455584}"/>
-              </a:ext>
-            </a:extLst>
-          </p:cNvPr>
-          <p:cNvSpPr>
-            <a:spLocks noChangeShapeType="1"/>
-          </p:cNvSpPr>
-          <p:nvPr/>
-        </p:nvSpPr>
-        <p:spPr bwMode="auto">
-          <a:xfrm flipV="1">
-            <a:off x="2881651" y="3160456"/>
-            <a:ext cx="477838" cy="581025"/>
-          </a:xfrm>
-          <a:prstGeom prst="line">
-            <a:avLst/>
-          </a:prstGeom>
-          <a:noFill/>
-          <a:ln w="25400">
-            <a:solidFill>
-              <a:srgbClr val="000000"/>
-            </a:solidFill>
-            <a:round/>
-            <a:headEnd/>
-            <a:tailEnd type="triangle" w="med" len="med"/>
-          </a:ln>
-          <a:effectLst/>
-          <a:extLst>
-            <a:ext uri="{909E8E84-426E-40DD-AFC4-6F175D3DCCD1}">
-              <a14:hiddenFill xmlns:a14="http://schemas.microsoft.com/office/drawing/2010/main">
-                <a:noFill/>
-              </a14:hiddenFill>
-            </a:ext>
-            <a:ext uri="{AF507438-7753-43E0-B8FC-AC1667EBCBE1}">
-              <a14:hiddenEffects xmlns:a14="http://schemas.microsoft.com/office/drawing/2010/main">
-                <a:effectLst>
-                  <a:outerShdw dist="35921" dir="2700000" algn="ctr" rotWithShape="0">
-                    <a:schemeClr val="bg2"/>
-                  </a:outerShdw>
-                </a:effectLst>
-              </a14:hiddenEffects>
-            </a:ext>
-          </a:extLst>
-        </p:spPr>
-        <p:txBody>
-          <a:bodyPr anchor="ctr">
-            <a:spAutoFit/>
-          </a:bodyPr>
-          <a:lstStyle/>
-          <a:p>
-            <a:endParaRPr lang="en-US">
-              <a:solidFill>
-                <a:srgbClr val="000000"/>
-              </a:solidFill>
-              <a:latin typeface="Kross Neue Grotesk"/>
-            </a:endParaRPr>
-          </a:p>
-        </p:txBody>
-      </p:sp>
-      <p:sp>
-        <p:nvSpPr>
-          <p:cNvPr id="78" name="Rectangle 38">
-            <a:extLst>
-              <a:ext uri="{FF2B5EF4-FFF2-40B4-BE49-F238E27FC236}">
-                <a16:creationId xmlns:a16="http://schemas.microsoft.com/office/drawing/2014/main" id="{AB7E679B-3D72-D9B3-C335-972BFCE2BED8}"/>
-              </a:ext>
-            </a:extLst>
-          </p:cNvPr>
-          <p:cNvSpPr>
-            <a:spLocks noChangeArrowheads="1"/>
-          </p:cNvSpPr>
-          <p:nvPr/>
-        </p:nvSpPr>
-        <p:spPr bwMode="auto">
-          <a:xfrm rot="16200000">
-            <a:off x="2815197" y="3356465"/>
-            <a:ext cx="585788" cy="225425"/>
-          </a:xfrm>
-          <a:prstGeom prst="rect">
-            <a:avLst/>
-          </a:prstGeom>
-          <a:noFill/>
-          <a:ln w="28575" algn="ctr">
-            <a:solidFill>
-              <a:srgbClr val="000000"/>
-            </a:solidFill>
-            <a:miter lim="800000"/>
-            <a:headEnd/>
-            <a:tailEnd/>
-          </a:ln>
-          <a:effectLst/>
-          <a:extLst>
-            <a:ext uri="{909E8E84-426E-40DD-AFC4-6F175D3DCCD1}">
-              <a14:hiddenFill xmlns:a14="http://schemas.microsoft.com/office/drawing/2010/main">
-                <a:solidFill>
-                  <a:schemeClr val="accent1"/>
-                </a:solidFill>
-              </a14:hiddenFill>
-            </a:ext>
-            <a:ext uri="{AF507438-7753-43E0-B8FC-AC1667EBCBE1}">
-              <a14:hiddenEffects xmlns:a14="http://schemas.microsoft.com/office/drawing/2010/main">
-                <a:effectLst>
-                  <a:outerShdw dist="35921" dir="2700000" algn="ctr" rotWithShape="0">
-                    <a:schemeClr val="bg2"/>
-                  </a:outerShdw>
-                </a:effectLst>
-              </a14:hiddenEffects>
-            </a:ext>
-          </a:extLst>
-        </p:spPr>
-        <p:txBody>
-          <a:bodyPr wrap="none" anchor="ctr"/>
-          <a:lstStyle/>
-          <a:p>
-            <a:pPr marL="0" marR="0" lvl="0" indent="0" defTabSz="914400" eaLnBrk="1" fontAlgn="auto" latinLnBrk="0" hangingPunct="1">
-              <a:lnSpc>
-                <a:spcPct val="100000"/>
-              </a:lnSpc>
-              <a:spcBef>
-                <a:spcPts val="0"/>
-              </a:spcBef>
-              <a:spcAft>
-                <a:spcPts val="0"/>
-              </a:spcAft>
-              <a:buClrTx/>
-              <a:buSzTx/>
-              <a:buFontTx/>
-              <a:buNone/>
-              <a:tabLst/>
-              <a:defRPr/>
-            </a:pPr>
-            <a:endParaRPr kumimoji="0" lang="en-US" sz="1800" b="0" i="0" u="none" strike="noStrike" kern="0" cap="none" spc="0" normalizeH="0" baseline="0" noProof="0">
-              <a:ln>
-                <a:noFill/>
-              </a:ln>
-              <a:solidFill>
-                <a:srgbClr val="000000"/>
-              </a:solidFill>
-              <a:effectLst/>
-              <a:uLnTx/>
-              <a:uFillTx/>
-              <a:latin typeface="Kross Neue Grotesk"/>
-            </a:endParaRPr>
-          </a:p>
-        </p:txBody>
-      </p:sp>
-      <p:sp>
-        <p:nvSpPr>
-          <p:cNvPr id="79" name="Line 21">
-            <a:extLst>
-              <a:ext uri="{FF2B5EF4-FFF2-40B4-BE49-F238E27FC236}">
-                <a16:creationId xmlns:a16="http://schemas.microsoft.com/office/drawing/2014/main" id="{09D0AA5F-3D4C-9AC3-C991-AB5385BE336C}"/>
-              </a:ext>
-            </a:extLst>
-          </p:cNvPr>
-          <p:cNvSpPr>
-            <a:spLocks noChangeShapeType="1"/>
-          </p:cNvSpPr>
-          <p:nvPr/>
-        </p:nvSpPr>
-        <p:spPr bwMode="auto">
-          <a:xfrm flipV="1">
-            <a:off x="3108090" y="3779320"/>
-            <a:ext cx="0" cy="506866"/>
-          </a:xfrm>
-          <a:prstGeom prst="line">
-            <a:avLst/>
-          </a:prstGeom>
-          <a:noFill/>
-          <a:ln w="28575">
-            <a:solidFill>
-              <a:srgbClr val="000000"/>
-            </a:solidFill>
-            <a:round/>
-            <a:headEnd/>
-            <a:tailEnd/>
-          </a:ln>
-          <a:effectLst/>
-          <a:extLst>
-            <a:ext uri="{909E8E84-426E-40DD-AFC4-6F175D3DCCD1}">
-              <a14:hiddenFill xmlns:a14="http://schemas.microsoft.com/office/drawing/2010/main">
-                <a:noFill/>
-              </a14:hiddenFill>
-            </a:ext>
-            <a:ext uri="{AF507438-7753-43E0-B8FC-AC1667EBCBE1}">
-              <a14:hiddenEffects xmlns:a14="http://schemas.microsoft.com/office/drawing/2010/main">
-                <a:effectLst>
-                  <a:outerShdw dist="35921" dir="2700000" algn="ctr" rotWithShape="0">
-                    <a:schemeClr val="bg2"/>
-                  </a:outerShdw>
-                </a:effectLst>
-              </a14:hiddenEffects>
-            </a:ext>
-          </a:extLst>
-        </p:spPr>
-        <p:txBody>
-          <a:bodyPr/>
-          <a:lstStyle/>
-          <a:p>
-            <a:endParaRPr lang="en-US">
-              <a:solidFill>
-                <a:srgbClr val="000000"/>
-              </a:solidFill>
-              <a:latin typeface="Kross Neue Grotesk"/>
-            </a:endParaRPr>
-          </a:p>
-        </p:txBody>
-      </p:sp>
-      <p:sp>
-        <p:nvSpPr>
-          <p:cNvPr id="80" name="Line 9">
-            <a:extLst>
-              <a:ext uri="{FF2B5EF4-FFF2-40B4-BE49-F238E27FC236}">
-                <a16:creationId xmlns:a16="http://schemas.microsoft.com/office/drawing/2014/main" id="{DB3C4DC4-D102-CE72-34C9-7A7DEEB5930D}"/>
-              </a:ext>
-            </a:extLst>
-          </p:cNvPr>
-          <p:cNvSpPr>
-            <a:spLocks noChangeShapeType="1"/>
-          </p:cNvSpPr>
-          <p:nvPr/>
-        </p:nvSpPr>
-        <p:spPr bwMode="auto">
-          <a:xfrm>
-            <a:off x="2783922" y="3216792"/>
-            <a:ext cx="0" cy="524689"/>
-          </a:xfrm>
-          <a:prstGeom prst="line">
-            <a:avLst/>
-          </a:prstGeom>
-          <a:noFill/>
-          <a:ln w="28575">
-            <a:solidFill>
-              <a:srgbClr val="000000"/>
-            </a:solidFill>
-            <a:round/>
-            <a:headEnd/>
-            <a:tailEnd type="triangle" w="med" len="med"/>
-          </a:ln>
-          <a:effectLst/>
-          <a:extLst>
-            <a:ext uri="{909E8E84-426E-40DD-AFC4-6F175D3DCCD1}">
-              <a14:hiddenFill xmlns:a14="http://schemas.microsoft.com/office/drawing/2010/main">
-                <a:noFill/>
-              </a14:hiddenFill>
-            </a:ext>
-            <a:ext uri="{AF507438-7753-43E0-B8FC-AC1667EBCBE1}">
-              <a14:hiddenEffects xmlns:a14="http://schemas.microsoft.com/office/drawing/2010/main">
-                <a:effectLst>
-                  <a:outerShdw dist="35921" dir="2700000" algn="ctr" rotWithShape="0">
-                    <a:schemeClr val="bg2"/>
-                  </a:outerShdw>
-                </a:effectLst>
-              </a14:hiddenEffects>
-            </a:ext>
-          </a:extLst>
-        </p:spPr>
-        <p:txBody>
-          <a:bodyPr wrap="none" anchor="ctr"/>
-          <a:lstStyle/>
-          <a:p>
-            <a:endParaRPr lang="en-US">
-              <a:solidFill>
-                <a:srgbClr val="000000"/>
-              </a:solidFill>
-              <a:latin typeface="Kross Neue Grotesk"/>
-            </a:endParaRPr>
-          </a:p>
-        </p:txBody>
-      </p:sp>
-      <p:sp>
-        <p:nvSpPr>
-          <p:cNvPr id="81" name="Rectangle 38">
-            <a:extLst>
-              <a:ext uri="{FF2B5EF4-FFF2-40B4-BE49-F238E27FC236}">
-                <a16:creationId xmlns:a16="http://schemas.microsoft.com/office/drawing/2014/main" id="{24FD92A2-6A17-DED5-64B4-59EBE1433D2D}"/>
-              </a:ext>
-            </a:extLst>
-          </p:cNvPr>
-          <p:cNvSpPr>
-            <a:spLocks noChangeArrowheads="1"/>
-          </p:cNvSpPr>
-          <p:nvPr/>
-        </p:nvSpPr>
-        <p:spPr bwMode="auto">
-          <a:xfrm rot="16200000">
-            <a:off x="2815198" y="2135150"/>
-            <a:ext cx="585788" cy="225425"/>
-          </a:xfrm>
-          <a:prstGeom prst="rect">
-            <a:avLst/>
-          </a:prstGeom>
-          <a:noFill/>
-          <a:ln w="28575" algn="ctr">
-            <a:solidFill>
-              <a:srgbClr val="000000"/>
-            </a:solidFill>
-            <a:miter lim="800000"/>
-            <a:headEnd/>
-            <a:tailEnd/>
-          </a:ln>
-          <a:effectLst/>
-          <a:extLst>
-            <a:ext uri="{909E8E84-426E-40DD-AFC4-6F175D3DCCD1}">
-              <a14:hiddenFill xmlns:a14="http://schemas.microsoft.com/office/drawing/2010/main">
-                <a:solidFill>
-                  <a:schemeClr val="accent1"/>
-                </a:solidFill>
-              </a14:hiddenFill>
-            </a:ext>
-            <a:ext uri="{AF507438-7753-43E0-B8FC-AC1667EBCBE1}">
-              <a14:hiddenEffects xmlns:a14="http://schemas.microsoft.com/office/drawing/2010/main">
-                <a:effectLst>
-                  <a:outerShdw dist="35921" dir="2700000" algn="ctr" rotWithShape="0">
-                    <a:schemeClr val="bg2"/>
-                  </a:outerShdw>
-                </a:effectLst>
-              </a14:hiddenEffects>
-            </a:ext>
-          </a:extLst>
-        </p:spPr>
-        <p:txBody>
-          <a:bodyPr wrap="none" anchor="ctr"/>
-          <a:lstStyle/>
-          <a:p>
-            <a:pPr marL="0" marR="0" lvl="0" indent="0" defTabSz="914400" eaLnBrk="1" fontAlgn="auto" latinLnBrk="0" hangingPunct="1">
-              <a:lnSpc>
-                <a:spcPct val="100000"/>
-              </a:lnSpc>
-              <a:spcBef>
-                <a:spcPts val="0"/>
-              </a:spcBef>
-              <a:spcAft>
-                <a:spcPts val="0"/>
-              </a:spcAft>
-              <a:buClrTx/>
-              <a:buSzTx/>
-              <a:buFontTx/>
-              <a:buNone/>
-              <a:tabLst/>
-              <a:defRPr/>
-            </a:pPr>
-            <a:endParaRPr kumimoji="0" lang="en-US" sz="1800" b="0" i="0" u="none" strike="noStrike" kern="0" cap="none" spc="0" normalizeH="0" baseline="0" noProof="0">
-              <a:ln>
-                <a:noFill/>
-              </a:ln>
-              <a:solidFill>
-                <a:srgbClr val="000000"/>
-              </a:solidFill>
-              <a:effectLst/>
-              <a:uLnTx/>
-              <a:uFillTx/>
-              <a:latin typeface="Kross Neue Grotesk"/>
-            </a:endParaRPr>
-          </a:p>
-        </p:txBody>
-      </p:sp>
-      <p:sp>
-        <p:nvSpPr>
-          <p:cNvPr id="82" name="Line 21">
-            <a:extLst>
-              <a:ext uri="{FF2B5EF4-FFF2-40B4-BE49-F238E27FC236}">
-                <a16:creationId xmlns:a16="http://schemas.microsoft.com/office/drawing/2014/main" id="{D539A99E-E1B9-427B-FE25-DFDE33E3C917}"/>
-              </a:ext>
-            </a:extLst>
-          </p:cNvPr>
-          <p:cNvSpPr>
-            <a:spLocks noChangeShapeType="1"/>
-          </p:cNvSpPr>
-          <p:nvPr/>
-        </p:nvSpPr>
-        <p:spPr bwMode="auto">
-          <a:xfrm flipV="1">
-            <a:off x="3108090" y="2542336"/>
-            <a:ext cx="0" cy="625429"/>
-          </a:xfrm>
-          <a:prstGeom prst="line">
-            <a:avLst/>
-          </a:prstGeom>
-          <a:noFill/>
-          <a:ln w="28575">
-            <a:solidFill>
-              <a:srgbClr val="000000"/>
-            </a:solidFill>
-            <a:round/>
-            <a:headEnd/>
-            <a:tailEnd/>
-          </a:ln>
-          <a:effectLst/>
-          <a:extLst>
-            <a:ext uri="{909E8E84-426E-40DD-AFC4-6F175D3DCCD1}">
-              <a14:hiddenFill xmlns:a14="http://schemas.microsoft.com/office/drawing/2010/main">
-                <a:noFill/>
-              </a14:hiddenFill>
-            </a:ext>
-            <a:ext uri="{AF507438-7753-43E0-B8FC-AC1667EBCBE1}">
-              <a14:hiddenEffects xmlns:a14="http://schemas.microsoft.com/office/drawing/2010/main">
-                <a:effectLst>
-                  <a:outerShdw dist="35921" dir="2700000" algn="ctr" rotWithShape="0">
-                    <a:schemeClr val="bg2"/>
-                  </a:outerShdw>
-                </a:effectLst>
-              </a14:hiddenEffects>
-            </a:ext>
-          </a:extLst>
-        </p:spPr>
-        <p:txBody>
-          <a:bodyPr/>
-          <a:lstStyle/>
-          <a:p>
-            <a:endParaRPr lang="en-US">
-              <a:solidFill>
-                <a:srgbClr val="000000"/>
-              </a:solidFill>
-              <a:latin typeface="Kross Neue Grotesk"/>
-            </a:endParaRPr>
-          </a:p>
-        </p:txBody>
-      </p:sp>
-      <p:sp>
-        <p:nvSpPr>
-          <p:cNvPr id="83" name="Line 21">
-            <a:extLst>
-              <a:ext uri="{FF2B5EF4-FFF2-40B4-BE49-F238E27FC236}">
-                <a16:creationId xmlns:a16="http://schemas.microsoft.com/office/drawing/2014/main" id="{EB48844A-6F76-933E-31A9-46F6AFD3B99A}"/>
-              </a:ext>
-            </a:extLst>
-          </p:cNvPr>
-          <p:cNvSpPr>
-            <a:spLocks noChangeShapeType="1"/>
-          </p:cNvSpPr>
-          <p:nvPr/>
-        </p:nvSpPr>
-        <p:spPr bwMode="auto">
-          <a:xfrm flipV="1">
-            <a:off x="3108090" y="1588116"/>
-            <a:ext cx="0" cy="185880"/>
-          </a:xfrm>
-          <a:prstGeom prst="line">
-            <a:avLst/>
-          </a:prstGeom>
-          <a:noFill/>
-          <a:ln w="28575">
-            <a:solidFill>
-              <a:srgbClr val="000000"/>
-            </a:solidFill>
-            <a:round/>
-            <a:headEnd/>
-            <a:tailEnd/>
-          </a:ln>
-          <a:effectLst/>
-          <a:extLst>
-            <a:ext uri="{909E8E84-426E-40DD-AFC4-6F175D3DCCD1}">
-              <a14:hiddenFill xmlns:a14="http://schemas.microsoft.com/office/drawing/2010/main">
-                <a:noFill/>
-              </a14:hiddenFill>
-            </a:ext>
-            <a:ext uri="{AF507438-7753-43E0-B8FC-AC1667EBCBE1}">
-              <a14:hiddenEffects xmlns:a14="http://schemas.microsoft.com/office/drawing/2010/main">
-                <a:effectLst>
-                  <a:outerShdw dist="35921" dir="2700000" algn="ctr" rotWithShape="0">
-                    <a:schemeClr val="bg2"/>
-                  </a:outerShdw>
-                </a:effectLst>
-              </a14:hiddenEffects>
-            </a:ext>
-          </a:extLst>
-        </p:spPr>
-        <p:txBody>
-          <a:bodyPr/>
-          <a:lstStyle/>
-          <a:p>
-            <a:endParaRPr lang="en-US">
-              <a:solidFill>
-                <a:srgbClr val="000000"/>
-              </a:solidFill>
-              <a:latin typeface="Kross Neue Grotesk"/>
-            </a:endParaRPr>
-          </a:p>
-        </p:txBody>
-      </p:sp>
-      <p:sp>
-        <p:nvSpPr>
-          <p:cNvPr id="84" name="Text Box 32">
-            <a:extLst>
-              <a:ext uri="{FF2B5EF4-FFF2-40B4-BE49-F238E27FC236}">
-                <a16:creationId xmlns:a16="http://schemas.microsoft.com/office/drawing/2014/main" id="{985282B8-05A3-DC08-6521-E93B8012EB83}"/>
-              </a:ext>
-            </a:extLst>
-          </p:cNvPr>
-          <p:cNvSpPr txBox="1">
-            <a:spLocks noChangeArrowheads="1"/>
-          </p:cNvSpPr>
-          <p:nvPr/>
-        </p:nvSpPr>
-        <p:spPr bwMode="auto">
-          <a:xfrm>
-            <a:off x="1198747" y="2008785"/>
-            <a:ext cx="969182" cy="584775"/>
-          </a:xfrm>
-          <a:prstGeom prst="rect">
-            <a:avLst/>
-          </a:prstGeom>
-          <a:noFill/>
-          <a:ln>
-            <a:noFill/>
-          </a:ln>
-          <a:effectLst/>
-          <a:extLst>
-            <a:ext uri="{909E8E84-426E-40DD-AFC4-6F175D3DCCD1}">
-              <a14:hiddenFill xmlns:a14="http://schemas.microsoft.com/office/drawing/2010/main">
-                <a:solidFill>
-                  <a:srgbClr val="FF9900"/>
-                </a:solidFill>
-              </a14:hiddenFill>
-            </a:ext>
-            <a:ext uri="{91240B29-F687-4F45-9708-019B960494DF}">
-              <a14:hiddenLine xmlns:a14="http://schemas.microsoft.com/office/drawing/2010/main" w="9525" algn="ctr">
-                <a:solidFill>
-                  <a:srgbClr val="FFFFFF"/>
-                </a:solidFill>
-                <a:miter lim="800000"/>
-                <a:headEnd/>
-                <a:tailEnd/>
-              </a14:hiddenLine>
-            </a:ext>
-            <a:ext uri="{AF507438-7753-43E0-B8FC-AC1667EBCBE1}">
-              <a14:hiddenEffects xmlns:a14="http://schemas.microsoft.com/office/drawing/2010/main">
-                <a:effectLst>
-                  <a:outerShdw dist="35921" dir="2700000" algn="ctr" rotWithShape="0">
-                    <a:schemeClr val="bg2"/>
-                  </a:outerShdw>
-                </a:effectLst>
-              </a14:hiddenEffects>
-            </a:ext>
-          </a:extLst>
-        </p:spPr>
-        <p:txBody>
-          <a:bodyPr wrap="square">
-            <a:spAutoFit/>
-          </a:bodyPr>
-          <a:lstStyle/>
-          <a:p>
-            <a:r>
-              <a:rPr lang="en-GB" altLang="fr-FR" sz="1600" i="1" dirty="0">
-                <a:solidFill>
-                  <a:srgbClr val="000000"/>
-                </a:solidFill>
-                <a:latin typeface="Kross Neue Grotesk"/>
-              </a:rPr>
-              <a:t>Ohmic losses</a:t>
-            </a:r>
-          </a:p>
-        </p:txBody>
-      </p:sp>
-      <p:grpSp>
-        <p:nvGrpSpPr>
-          <p:cNvPr id="85" name="Groupe 84">
-            <a:extLst>
-              <a:ext uri="{FF2B5EF4-FFF2-40B4-BE49-F238E27FC236}">
-                <a16:creationId xmlns:a16="http://schemas.microsoft.com/office/drawing/2014/main" id="{BC301EAB-D3F4-E7F6-EDAB-719AC1F1EAE1}"/>
-              </a:ext>
-            </a:extLst>
-          </p:cNvPr>
-          <p:cNvGrpSpPr/>
-          <p:nvPr/>
-        </p:nvGrpSpPr>
-        <p:grpSpPr>
-          <a:xfrm>
-            <a:off x="3449880" y="3004179"/>
-            <a:ext cx="198120" cy="2064842"/>
-            <a:chOff x="3500120" y="3004179"/>
-            <a:chExt cx="198120" cy="2064842"/>
-          </a:xfrm>
-        </p:grpSpPr>
-        <p:cxnSp>
-          <p:nvCxnSpPr>
-            <p:cNvPr id="86" name="Connecteur droit 85">
-              <a:extLst>
-                <a:ext uri="{FF2B5EF4-FFF2-40B4-BE49-F238E27FC236}">
-                  <a16:creationId xmlns:a16="http://schemas.microsoft.com/office/drawing/2014/main" id="{69370505-D2F9-64A5-20C7-E77F05D11641}"/>
-                </a:ext>
-              </a:extLst>
-            </p:cNvPr>
-            <p:cNvCxnSpPr>
-              <a:cxnSpLocks/>
-            </p:cNvCxnSpPr>
-            <p:nvPr/>
-          </p:nvCxnSpPr>
-          <p:spPr>
-            <a:xfrm>
-              <a:off x="3500120" y="3004179"/>
-              <a:ext cx="198120" cy="0"/>
-            </a:xfrm>
-            <a:prstGeom prst="line">
-              <a:avLst/>
-            </a:prstGeom>
-            <a:noFill/>
-            <a:ln w="12700" cap="flat" cmpd="sng" algn="ctr">
-              <a:solidFill>
-                <a:srgbClr val="EE765D"/>
-              </a:solidFill>
-              <a:prstDash val="dash"/>
-              <a:miter lim="800000"/>
-            </a:ln>
-            <a:effectLst/>
-          </p:spPr>
-        </p:cxnSp>
-        <p:cxnSp>
-          <p:nvCxnSpPr>
-            <p:cNvPr id="87" name="Connecteur droit 86">
-              <a:extLst>
-                <a:ext uri="{FF2B5EF4-FFF2-40B4-BE49-F238E27FC236}">
-                  <a16:creationId xmlns:a16="http://schemas.microsoft.com/office/drawing/2014/main" id="{E0EC9472-3B05-2FDE-4437-5B5D401850D1}"/>
-                </a:ext>
-              </a:extLst>
-            </p:cNvPr>
-            <p:cNvCxnSpPr>
-              <a:cxnSpLocks/>
-            </p:cNvCxnSpPr>
-            <p:nvPr/>
-          </p:nvCxnSpPr>
-          <p:spPr>
-            <a:xfrm>
-              <a:off x="3500120" y="5069021"/>
-              <a:ext cx="198120" cy="0"/>
-            </a:xfrm>
-            <a:prstGeom prst="line">
-              <a:avLst/>
-            </a:prstGeom>
-            <a:noFill/>
-            <a:ln w="12700" cap="flat" cmpd="sng" algn="ctr">
-              <a:solidFill>
-                <a:srgbClr val="EE765D"/>
-              </a:solidFill>
-              <a:prstDash val="dash"/>
-              <a:miter lim="800000"/>
-            </a:ln>
-            <a:effectLst/>
-          </p:spPr>
-        </p:cxnSp>
-        <p:cxnSp>
-          <p:nvCxnSpPr>
-            <p:cNvPr id="88" name="Connecteur droit 87">
-              <a:extLst>
-                <a:ext uri="{FF2B5EF4-FFF2-40B4-BE49-F238E27FC236}">
-                  <a16:creationId xmlns:a16="http://schemas.microsoft.com/office/drawing/2014/main" id="{986E9728-3EF5-C018-14B1-311D2D9DDE8C}"/>
-                </a:ext>
-              </a:extLst>
-            </p:cNvPr>
-            <p:cNvCxnSpPr>
-              <a:cxnSpLocks/>
-            </p:cNvCxnSpPr>
-            <p:nvPr/>
-          </p:nvCxnSpPr>
-          <p:spPr>
-            <a:xfrm flipV="1">
-              <a:off x="3698240" y="3010307"/>
-              <a:ext cx="0" cy="2048554"/>
-            </a:xfrm>
-            <a:prstGeom prst="line">
-              <a:avLst/>
-            </a:prstGeom>
-            <a:noFill/>
-            <a:ln w="12700" cap="flat" cmpd="sng" algn="ctr">
-              <a:solidFill>
-                <a:srgbClr val="EE765D"/>
-              </a:solidFill>
-              <a:prstDash val="dash"/>
-              <a:miter lim="800000"/>
-            </a:ln>
-            <a:effectLst/>
-          </p:spPr>
-        </p:cxnSp>
-      </p:grpSp>
-      <p:sp>
-        <p:nvSpPr>
-          <p:cNvPr id="89" name="Flèche : droite 88">
-            <a:extLst>
-              <a:ext uri="{FF2B5EF4-FFF2-40B4-BE49-F238E27FC236}">
-                <a16:creationId xmlns:a16="http://schemas.microsoft.com/office/drawing/2014/main" id="{5A86E959-349F-6AA3-A996-D007B8B4ED0F}"/>
-              </a:ext>
-            </a:extLst>
-          </p:cNvPr>
-          <p:cNvSpPr/>
-          <p:nvPr/>
-        </p:nvSpPr>
-        <p:spPr>
-          <a:xfrm>
-            <a:off x="4578497" y="3407007"/>
-            <a:ext cx="358419" cy="246661"/>
-          </a:xfrm>
-          <a:prstGeom prst="rightArrow">
-            <a:avLst/>
-          </a:prstGeom>
-          <a:solidFill>
-            <a:srgbClr val="EE765D"/>
-          </a:solidFill>
-          <a:ln w="12700" cap="flat" cmpd="sng" algn="ctr">
-            <a:solidFill>
-              <a:srgbClr val="EE765D"/>
-            </a:solidFill>
-            <a:prstDash val="solid"/>
-            <a:miter lim="800000"/>
-          </a:ln>
-          <a:effectLst/>
-        </p:spPr>
-        <p:txBody>
-          <a:bodyPr rtlCol="0" anchor="ctr"/>
-          <a:lstStyle/>
-          <a:p>
-            <a:pPr marL="0" marR="0" lvl="0" indent="0" algn="ctr" defTabSz="914400" eaLnBrk="1" fontAlgn="auto" latinLnBrk="0" hangingPunct="1">
-              <a:lnSpc>
-                <a:spcPct val="100000"/>
-              </a:lnSpc>
-              <a:spcBef>
-                <a:spcPts val="0"/>
-              </a:spcBef>
-              <a:spcAft>
-                <a:spcPts val="0"/>
-              </a:spcAft>
-              <a:buClrTx/>
-              <a:buSzTx/>
-              <a:buFontTx/>
-              <a:buNone/>
-              <a:tabLst/>
-              <a:defRPr/>
-            </a:pPr>
-            <a:endParaRPr kumimoji="0" lang="fr-FR" sz="1800" b="0" i="0" u="none" strike="noStrike" kern="0" cap="none" spc="0" normalizeH="0" baseline="0" noProof="0">
-              <a:ln>
-                <a:noFill/>
-              </a:ln>
-              <a:solidFill>
-                <a:srgbClr val="FFFFFF"/>
-              </a:solidFill>
-              <a:effectLst/>
-              <a:uLnTx/>
-              <a:uFillTx/>
-              <a:latin typeface="Kross Neue Grotesk"/>
-              <a:ea typeface="+mn-ea"/>
-              <a:cs typeface="+mn-cs"/>
-            </a:endParaRPr>
-          </a:p>
-        </p:txBody>
-      </p:sp>
-      <p:sp>
-        <p:nvSpPr>
-          <p:cNvPr id="90" name="ZoneTexte 89">
-            <a:extLst>
-              <a:ext uri="{FF2B5EF4-FFF2-40B4-BE49-F238E27FC236}">
-                <a16:creationId xmlns:a16="http://schemas.microsoft.com/office/drawing/2014/main" id="{4A1190B7-BD05-CD86-B605-6CC9305A6D9F}"/>
-              </a:ext>
-            </a:extLst>
-          </p:cNvPr>
-          <p:cNvSpPr txBox="1"/>
-          <p:nvPr/>
-        </p:nvSpPr>
-        <p:spPr>
-          <a:xfrm>
-            <a:off x="3816092" y="3762993"/>
-            <a:ext cx="2093340" cy="1162113"/>
-          </a:xfrm>
-          <a:prstGeom prst="rect">
-            <a:avLst/>
-          </a:prstGeom>
-          <a:noFill/>
-        </p:spPr>
-        <p:txBody>
-          <a:bodyPr wrap="square" rtlCol="0">
-            <a:spAutoFit/>
-          </a:bodyPr>
-          <a:lstStyle/>
-          <a:p>
-            <a:pPr>
-              <a:lnSpc>
-                <a:spcPct val="150000"/>
-              </a:lnSpc>
-            </a:pPr>
-            <a:r>
-              <a:rPr lang="fr-FR" sz="1600" dirty="0">
-                <a:solidFill>
-                  <a:srgbClr val="EE765D"/>
-                </a:solidFill>
-                <a:latin typeface="Kross Neue Grotesk"/>
-              </a:rPr>
-              <a:t>Modeling of non-</a:t>
-            </a:r>
-            <a:r>
-              <a:rPr lang="fr-FR" sz="1600" dirty="0" err="1">
-                <a:solidFill>
-                  <a:srgbClr val="EE765D"/>
-                </a:solidFill>
-                <a:latin typeface="Kross Neue Grotesk"/>
-              </a:rPr>
-              <a:t>linear</a:t>
-            </a:r>
-            <a:r>
-              <a:rPr lang="fr-FR" sz="1600" dirty="0">
-                <a:solidFill>
-                  <a:srgbClr val="EE765D"/>
-                </a:solidFill>
-                <a:latin typeface="Kross Neue Grotesk"/>
-              </a:rPr>
-              <a:t> </a:t>
-            </a:r>
-            <a:r>
-              <a:rPr lang="fr-FR" sz="1600" dirty="0" err="1">
-                <a:solidFill>
-                  <a:srgbClr val="EE765D"/>
-                </a:solidFill>
-                <a:latin typeface="Kross Neue Grotesk"/>
-              </a:rPr>
-              <a:t>losses</a:t>
-            </a:r>
-            <a:r>
-              <a:rPr lang="fr-FR" sz="1600" dirty="0">
-                <a:solidFill>
-                  <a:srgbClr val="EE765D"/>
-                </a:solidFill>
-                <a:latin typeface="Kross Neue Grotesk"/>
-              </a:rPr>
-              <a:t> in a single non-</a:t>
-            </a:r>
-            <a:r>
-              <a:rPr lang="fr-FR" sz="1600" dirty="0" err="1">
-                <a:solidFill>
-                  <a:srgbClr val="EE765D"/>
-                </a:solidFill>
-                <a:latin typeface="Kross Neue Grotesk"/>
-              </a:rPr>
-              <a:t>linear</a:t>
-            </a:r>
-            <a:r>
-              <a:rPr lang="fr-FR" sz="1600" dirty="0">
-                <a:solidFill>
-                  <a:srgbClr val="EE765D"/>
-                </a:solidFill>
-                <a:latin typeface="Kross Neue Grotesk"/>
-              </a:rPr>
-              <a:t> </a:t>
-            </a:r>
-            <a:r>
-              <a:rPr lang="fr-FR" sz="1600" dirty="0" err="1">
-                <a:solidFill>
-                  <a:srgbClr val="EE765D"/>
-                </a:solidFill>
-                <a:latin typeface="Kross Neue Grotesk"/>
-              </a:rPr>
-              <a:t>resistor</a:t>
-            </a:r>
-            <a:endParaRPr lang="fr-FR" sz="1600" dirty="0">
-              <a:solidFill>
-                <a:srgbClr val="EE765D"/>
-              </a:solidFill>
-              <a:latin typeface="Kross Neue Grotesk"/>
-            </a:endParaRPr>
-          </a:p>
-        </p:txBody>
-      </p:sp>
-      <p:pic>
-        <p:nvPicPr>
-          <p:cNvPr id="91" name="Image 90">
-            <a:extLst>
-              <a:ext uri="{FF2B5EF4-FFF2-40B4-BE49-F238E27FC236}">
-                <a16:creationId xmlns:a16="http://schemas.microsoft.com/office/drawing/2014/main" id="{EE9BBCFF-2FD9-2A55-FBCC-4E7DA8ED9329}"/>
-              </a:ext>
-            </a:extLst>
-          </p:cNvPr>
-          <p:cNvPicPr>
-            <a:picLocks noChangeAspect="1"/>
-          </p:cNvPicPr>
-          <p:nvPr/>
-        </p:nvPicPr>
-        <p:blipFill>
-          <a:blip r:embed="rId11"/>
-          <a:stretch>
-            <a:fillRect/>
-          </a:stretch>
-        </p:blipFill>
-        <p:spPr>
-          <a:xfrm>
-            <a:off x="7799913" y="2546722"/>
-            <a:ext cx="3451389" cy="2757459"/>
-          </a:xfrm>
-          <a:prstGeom prst="rect">
-            <a:avLst/>
-          </a:prstGeom>
-          <a:ln>
-            <a:solidFill>
-              <a:srgbClr val="EE765D"/>
-            </a:solidFill>
-            <a:prstDash val="dash"/>
-          </a:ln>
-        </p:spPr>
-      </p:pic>
     </p:spTree>
     <p:extLst>
       <p:ext uri="{BB962C8B-B14F-4D97-AF65-F5344CB8AC3E}">
@@ -7585,68 +7585,15 @@
                                   </p:childTnLst>
                                 </p:cTn>
                               </p:par>
-                            </p:childTnLst>
-                          </p:cTn>
-                        </p:par>
-                      </p:childTnLst>
-                    </p:cTn>
-                  </p:par>
-                  <p:par>
-                    <p:cTn id="14" fill="hold">
-                      <p:stCondLst>
-                        <p:cond delay="indefinite"/>
-                      </p:stCondLst>
-                      <p:childTnLst>
-                        <p:par>
-                          <p:cTn id="15" fill="hold">
-                            <p:stCondLst>
-                              <p:cond delay="0"/>
-                            </p:stCondLst>
-                            <p:childTnLst>
                               <p:par>
-                                <p:cTn id="16" presetID="16" presetClass="entr" presetSubtype="21" fill="hold" nodeType="clickEffect">
+                                <p:cTn id="14" presetID="16" presetClass="entr" presetSubtype="21" fill="hold" grpId="0" nodeType="withEffect">
                                   <p:stCondLst>
                                     <p:cond delay="0"/>
                                   </p:stCondLst>
                                   <p:childTnLst>
                                     <p:set>
                                       <p:cBhvr>
-                                        <p:cTn id="17" dur="1" fill="hold">
-                                          <p:stCondLst>
-                                            <p:cond delay="0"/>
-                                          </p:stCondLst>
-                                        </p:cTn>
-                                        <p:tgtEl>
-                                          <p:spTgt spid="47"/>
-                                        </p:tgtEl>
-                                        <p:attrNameLst>
-                                          <p:attrName>style.visibility</p:attrName>
-                                        </p:attrNameLst>
-                                      </p:cBhvr>
-                                      <p:to>
-                                        <p:strVal val="visible"/>
-                                      </p:to>
-                                    </p:set>
-                                    <p:animEffect transition="in" filter="barn(inVertical)">
-                                      <p:cBhvr>
-                                        <p:cTn id="18" dur="500"/>
-                                        <p:tgtEl>
-                                          <p:spTgt spid="47"/>
-                                        </p:tgtEl>
-                                      </p:cBhvr>
-                                    </p:animEffect>
-                                  </p:childTnLst>
-                                </p:cTn>
-                              </p:par>
-                              <p:par>
-                                <p:cTn id="19" presetID="16" presetClass="entr" presetSubtype="21" fill="hold" grpId="0" nodeType="withEffect">
-                                  <p:stCondLst>
-                                    <p:cond delay="0"/>
-                                  </p:stCondLst>
-                                  <p:childTnLst>
-                                    <p:set>
-                                      <p:cBhvr>
-                                        <p:cTn id="20" dur="1" fill="hold">
+                                        <p:cTn id="15" dur="1" fill="hold">
                                           <p:stCondLst>
                                             <p:cond delay="0"/>
                                           </p:stCondLst>
@@ -7664,7 +7611,7 @@
                                     </p:set>
                                     <p:animEffect transition="in" filter="barn(inVertical)">
                                       <p:cBhvr>
-                                        <p:cTn id="21" dur="500"/>
+                                        <p:cTn id="16" dur="500"/>
                                         <p:tgtEl>
                                           <p:spTgt spid="48"/>
                                         </p:tgtEl>
@@ -7674,14 +7621,14 @@
                                 </p:cTn>
                               </p:par>
                               <p:par>
-                                <p:cTn id="22" presetID="16" presetClass="entr" presetSubtype="21" fill="hold" grpId="0" nodeType="withEffect">
+                                <p:cTn id="17" presetID="16" presetClass="entr" presetSubtype="21" fill="hold" grpId="0" nodeType="withEffect">
                                   <p:stCondLst>
                                     <p:cond delay="0"/>
                                   </p:stCondLst>
                                   <p:childTnLst>
                                     <p:set>
                                       <p:cBhvr>
-                                        <p:cTn id="23" dur="1" fill="hold">
+                                        <p:cTn id="18" dur="1" fill="hold">
                                           <p:stCondLst>
                                             <p:cond delay="0"/>
                                           </p:stCondLst>
@@ -7699,7 +7646,7 @@
                                     </p:set>
                                     <p:animEffect transition="in" filter="barn(inVertical)">
                                       <p:cBhvr>
-                                        <p:cTn id="24" dur="500"/>
+                                        <p:cTn id="19" dur="500"/>
                                         <p:tgtEl>
                                           <p:spTgt spid="49"/>
                                         </p:tgtEl>
@@ -7709,14 +7656,14 @@
                                 </p:cTn>
                               </p:par>
                               <p:par>
-                                <p:cTn id="25" presetID="16" presetClass="entr" presetSubtype="21" fill="hold" nodeType="withEffect">
+                                <p:cTn id="20" presetID="16" presetClass="entr" presetSubtype="21" fill="hold" nodeType="withEffect">
                                   <p:stCondLst>
                                     <p:cond delay="0"/>
                                   </p:stCondLst>
                                   <p:childTnLst>
                                     <p:set>
                                       <p:cBhvr>
-                                        <p:cTn id="26" dur="1" fill="hold">
+                                        <p:cTn id="21" dur="1" fill="hold">
                                           <p:stCondLst>
                                             <p:cond delay="0"/>
                                           </p:stCondLst>
@@ -7734,7 +7681,7 @@
                                     </p:set>
                                     <p:animEffect transition="in" filter="barn(inVertical)">
                                       <p:cBhvr>
-                                        <p:cTn id="27" dur="500"/>
+                                        <p:cTn id="22" dur="500"/>
                                         <p:tgtEl>
                                           <p:spTgt spid="52"/>
                                         </p:tgtEl>
@@ -7744,14 +7691,14 @@
                                 </p:cTn>
                               </p:par>
                               <p:par>
-                                <p:cTn id="28" presetID="16" presetClass="entr" presetSubtype="21" fill="hold" grpId="0" nodeType="withEffect">
+                                <p:cTn id="23" presetID="16" presetClass="entr" presetSubtype="21" fill="hold" grpId="0" nodeType="withEffect">
                                   <p:stCondLst>
                                     <p:cond delay="0"/>
                                   </p:stCondLst>
                                   <p:childTnLst>
                                     <p:set>
                                       <p:cBhvr>
-                                        <p:cTn id="29" dur="1" fill="hold">
+                                        <p:cTn id="24" dur="1" fill="hold">
                                           <p:stCondLst>
                                             <p:cond delay="0"/>
                                           </p:stCondLst>
@@ -7769,7 +7716,7 @@
                                     </p:set>
                                     <p:animEffect transition="in" filter="barn(inVertical)">
                                       <p:cBhvr>
-                                        <p:cTn id="30" dur="500"/>
+                                        <p:cTn id="25" dur="500"/>
                                         <p:tgtEl>
                                           <p:spTgt spid="57"/>
                                         </p:tgtEl>
@@ -7785,26 +7732,26 @@
                     </p:cTn>
                   </p:par>
                   <p:par>
-                    <p:cTn id="31" fill="hold">
+                    <p:cTn id="26" fill="hold">
                       <p:stCondLst>
                         <p:cond delay="indefinite"/>
                       </p:stCondLst>
                       <p:childTnLst>
                         <p:par>
-                          <p:cTn id="32" fill="hold">
+                          <p:cTn id="27" fill="hold">
                             <p:stCondLst>
                               <p:cond delay="0"/>
                             </p:stCondLst>
                             <p:childTnLst>
                               <p:par>
-                                <p:cTn id="33" presetID="10" presetClass="entr" presetSubtype="0" fill="hold" nodeType="clickEffect">
+                                <p:cTn id="28" presetID="10" presetClass="entr" presetSubtype="0" fill="hold" nodeType="clickEffect">
                                   <p:stCondLst>
                                     <p:cond delay="0"/>
                                   </p:stCondLst>
                                   <p:childTnLst>
                                     <p:set>
                                       <p:cBhvr>
-                                        <p:cTn id="34" dur="1" fill="hold">
+                                        <p:cTn id="29" dur="1" fill="hold">
                                           <p:stCondLst>
                                             <p:cond delay="0"/>
                                           </p:stCondLst>
@@ -7822,7 +7769,7 @@
                                     </p:set>
                                     <p:animEffect transition="in" filter="fade">
                                       <p:cBhvr>
-                                        <p:cTn id="35" dur="500"/>
+                                        <p:cTn id="30" dur="500"/>
                                         <p:tgtEl>
                                           <p:spTgt spid="50"/>
                                         </p:tgtEl>
@@ -7832,14 +7779,14 @@
                                 </p:cTn>
                               </p:par>
                               <p:par>
-                                <p:cTn id="36" presetID="10" presetClass="entr" presetSubtype="0" fill="hold" grpId="0" nodeType="withEffect">
+                                <p:cTn id="31" presetID="10" presetClass="entr" presetSubtype="0" fill="hold" grpId="0" nodeType="withEffect">
                                   <p:stCondLst>
                                     <p:cond delay="0"/>
                                   </p:stCondLst>
                                   <p:childTnLst>
                                     <p:set>
                                       <p:cBhvr>
-                                        <p:cTn id="37" dur="1" fill="hold">
+                                        <p:cTn id="32" dur="1" fill="hold">
                                           <p:stCondLst>
                                             <p:cond delay="0"/>
                                           </p:stCondLst>
@@ -7857,7 +7804,7 @@
                                     </p:set>
                                     <p:animEffect transition="in" filter="fade">
                                       <p:cBhvr>
-                                        <p:cTn id="38" dur="500"/>
+                                        <p:cTn id="33" dur="500"/>
                                         <p:tgtEl>
                                           <p:spTgt spid="51"/>
                                         </p:tgtEl>
@@ -7867,14 +7814,14 @@
                                 </p:cTn>
                               </p:par>
                               <p:par>
-                                <p:cTn id="39" presetID="10" presetClass="entr" presetSubtype="0" fill="hold" nodeType="withEffect">
+                                <p:cTn id="34" presetID="10" presetClass="entr" presetSubtype="0" fill="hold" nodeType="withEffect">
                                   <p:stCondLst>
                                     <p:cond delay="0"/>
                                   </p:stCondLst>
                                   <p:childTnLst>
                                     <p:set>
                                       <p:cBhvr>
-                                        <p:cTn id="40" dur="1" fill="hold">
+                                        <p:cTn id="35" dur="1" fill="hold">
                                           <p:stCondLst>
                                             <p:cond delay="0"/>
                                           </p:stCondLst>
@@ -7892,7 +7839,7 @@
                                     </p:set>
                                     <p:animEffect transition="in" filter="fade">
                                       <p:cBhvr>
-                                        <p:cTn id="41" dur="500"/>
+                                        <p:cTn id="36" dur="500"/>
                                         <p:tgtEl>
                                           <p:spTgt spid="91"/>
                                         </p:tgtEl>
@@ -7929,12 +7876,12 @@
       </p:par>
     </p:tnLst>
     <p:bldLst>
+      <p:bldP spid="57" grpId="0"/>
+      <p:bldP spid="89" grpId="0" animBg="1"/>
+      <p:bldP spid="90" grpId="0"/>
       <p:bldP spid="48" grpId="0" animBg="1"/>
       <p:bldP spid="49" grpId="0" animBg="1"/>
       <p:bldP spid="51" grpId="0"/>
-      <p:bldP spid="57" grpId="0"/>
-      <p:bldP spid="89" grpId="0" animBg="1"/>
-      <p:bldP spid="90" grpId="0"/>
     </p:bldLst>
   </p:timing>
 </p:sld>
@@ -8006,182 +7953,6 @@
           <a:p>
             <a:pPr algn="ctr"/>
             <a:endParaRPr lang="fr-FR"/>
-          </a:p>
-        </p:txBody>
-      </p:sp>
-      <p:pic>
-        <p:nvPicPr>
-          <p:cNvPr id="5" name="Image 4">
-            <a:extLst>
-              <a:ext uri="{FF2B5EF4-FFF2-40B4-BE49-F238E27FC236}">
-                <a16:creationId xmlns:a16="http://schemas.microsoft.com/office/drawing/2014/main" id="{5B130E91-4F31-1F1B-0E2A-3C43F3CEA166}"/>
-              </a:ext>
-            </a:extLst>
-          </p:cNvPr>
-          <p:cNvPicPr>
-            <a:picLocks noChangeAspect="1"/>
-          </p:cNvPicPr>
-          <p:nvPr/>
-        </p:nvPicPr>
-        <p:blipFill>
-          <a:blip r:embed="rId2"/>
-          <a:stretch>
-            <a:fillRect/>
-          </a:stretch>
-        </p:blipFill>
-        <p:spPr>
-          <a:xfrm>
-            <a:off x="7669831" y="1458362"/>
-            <a:ext cx="2256407" cy="4643287"/>
-          </a:xfrm>
-          <a:prstGeom prst="rect">
-            <a:avLst/>
-          </a:prstGeom>
-        </p:spPr>
-      </p:pic>
-      <p:sp>
-        <p:nvSpPr>
-          <p:cNvPr id="6" name="Rectangle : coins arrondis 5">
-            <a:extLst>
-              <a:ext uri="{FF2B5EF4-FFF2-40B4-BE49-F238E27FC236}">
-                <a16:creationId xmlns:a16="http://schemas.microsoft.com/office/drawing/2014/main" id="{DCF7D021-A435-E97D-79D1-6C11146E926E}"/>
-              </a:ext>
-            </a:extLst>
-          </p:cNvPr>
-          <p:cNvSpPr/>
-          <p:nvPr/>
-        </p:nvSpPr>
-        <p:spPr>
-          <a:xfrm>
-            <a:off x="7530883" y="1054916"/>
-            <a:ext cx="3086934" cy="5106339"/>
-          </a:xfrm>
-          <a:prstGeom prst="roundRect">
-            <a:avLst>
-              <a:gd name="adj" fmla="val 8113"/>
-            </a:avLst>
-          </a:prstGeom>
-          <a:solidFill>
-            <a:srgbClr val="4329FF">
-              <a:alpha val="5000"/>
-            </a:srgbClr>
-          </a:solidFill>
-          <a:ln w="12700" cap="flat" cmpd="sng" algn="ctr">
-            <a:solidFill>
-              <a:srgbClr val="4329FF">
-                <a:shade val="15000"/>
-              </a:srgbClr>
-            </a:solidFill>
-            <a:prstDash val="dash"/>
-            <a:miter lim="800000"/>
-          </a:ln>
-          <a:effectLst/>
-        </p:spPr>
-        <p:txBody>
-          <a:bodyPr rtlCol="0" anchor="ctr"/>
-          <a:lstStyle/>
-          <a:p>
-            <a:pPr marL="0" marR="0" lvl="0" indent="0" algn="ctr" defTabSz="914400" eaLnBrk="1" fontAlgn="auto" latinLnBrk="0" hangingPunct="1">
-              <a:lnSpc>
-                <a:spcPct val="100000"/>
-              </a:lnSpc>
-              <a:spcBef>
-                <a:spcPts val="0"/>
-              </a:spcBef>
-              <a:spcAft>
-                <a:spcPts val="0"/>
-              </a:spcAft>
-              <a:buClrTx/>
-              <a:buSzTx/>
-              <a:buFontTx/>
-              <a:buNone/>
-              <a:tabLst/>
-              <a:defRPr/>
-            </a:pPr>
-            <a:endParaRPr kumimoji="0" lang="fr-FR" sz="1800" b="0" i="0" u="none" strike="noStrike" kern="0" cap="none" spc="0" normalizeH="0" baseline="0" noProof="0">
-              <a:ln>
-                <a:noFill/>
-              </a:ln>
-              <a:solidFill>
-                <a:srgbClr val="FFFFFF"/>
-              </a:solidFill>
-              <a:effectLst/>
-              <a:uLnTx/>
-              <a:uFillTx/>
-              <a:latin typeface="Kross Neue Grotesk"/>
-              <a:ea typeface="+mn-ea"/>
-              <a:cs typeface="+mn-cs"/>
-            </a:endParaRPr>
-          </a:p>
-        </p:txBody>
-      </p:sp>
-      <p:sp>
-        <p:nvSpPr>
-          <p:cNvPr id="7" name="Oval 73">
-            <a:extLst>
-              <a:ext uri="{FF2B5EF4-FFF2-40B4-BE49-F238E27FC236}">
-                <a16:creationId xmlns:a16="http://schemas.microsoft.com/office/drawing/2014/main" id="{080DCA44-1F99-ED4D-A3F0-4FF82C1BE42D}"/>
-              </a:ext>
-            </a:extLst>
-          </p:cNvPr>
-          <p:cNvSpPr>
-            <a:spLocks noChangeArrowheads="1"/>
-          </p:cNvSpPr>
-          <p:nvPr/>
-        </p:nvSpPr>
-        <p:spPr bwMode="auto">
-          <a:xfrm>
-            <a:off x="8902078" y="4185083"/>
-            <a:ext cx="867025" cy="1812451"/>
-          </a:xfrm>
-          <a:prstGeom prst="ellipse">
-            <a:avLst/>
-          </a:prstGeom>
-          <a:solidFill>
-            <a:srgbClr val="0A0203">
-              <a:lumMod val="20000"/>
-              <a:lumOff val="80000"/>
-              <a:alpha val="30000"/>
-            </a:srgbClr>
-          </a:solidFill>
-          <a:ln>
-            <a:noFill/>
-          </a:ln>
-          <a:effectLst/>
-        </p:spPr>
-        <p:txBody>
-          <a:bodyPr wrap="none" anchor="ctr"/>
-          <a:lstStyle/>
-          <a:p>
-            <a:pPr marL="0" marR="0" lvl="0" indent="0" defTabSz="914400" eaLnBrk="1" fontAlgn="auto" latinLnBrk="0" hangingPunct="1">
-              <a:lnSpc>
-                <a:spcPct val="100000"/>
-              </a:lnSpc>
-              <a:spcBef>
-                <a:spcPts val="0"/>
-              </a:spcBef>
-              <a:spcAft>
-                <a:spcPts val="0"/>
-              </a:spcAft>
-              <a:buClrTx/>
-              <a:buSzTx/>
-              <a:buFontTx/>
-              <a:buNone/>
-              <a:tabLst/>
-              <a:defRPr/>
-            </a:pPr>
-            <a:endParaRPr kumimoji="0" lang="en-US" sz="1800" b="0" i="0" u="none" strike="noStrike" kern="0" cap="none" spc="0" normalizeH="0" baseline="0" noProof="0">
-              <a:ln>
-                <a:noFill/>
-              </a:ln>
-              <a:solidFill>
-                <a:srgbClr val="000000"/>
-              </a:solidFill>
-              <a:effectLst/>
-              <a:uLnTx/>
-              <a:uFillTx/>
-              <a:latin typeface="Kross Neue Grotesk"/>
-            </a:endParaRPr>
           </a:p>
         </p:txBody>
       </p:sp>
@@ -8550,12 +8321,12 @@
           <a:graphicData uri="http://schemas.openxmlformats.org/presentationml/2006/ole">
             <mc:AlternateContent xmlns:mc="http://schemas.openxmlformats.org/markup-compatibility/2006">
               <mc:Choice xmlns:v="urn:schemas-microsoft-com:vml" Requires="v">
-                <p:oleObj name="Equation" r:id="rId3" imgW="266400" imgH="241200" progId="Equation.3">
+                <p:oleObj name="Equation" r:id="rId2" imgW="266400" imgH="241200" progId="Equation.3">
                   <p:embed/>
                 </p:oleObj>
               </mc:Choice>
               <mc:Fallback>
-                <p:oleObj name="Equation" r:id="rId3" imgW="266400" imgH="241200" progId="Equation.3">
+                <p:oleObj name="Equation" r:id="rId2" imgW="266400" imgH="241200" progId="Equation.3">
                   <p:embed/>
                   <p:pic>
                     <p:nvPicPr>
@@ -8572,7 +8343,7 @@
                       <p:nvPr/>
                     </p:nvPicPr>
                     <p:blipFill>
-                      <a:blip r:embed="rId4">
+                      <a:blip r:embed="rId3">
                         <a:extLst>
                           <a:ext uri="{28A0092B-C50C-407E-A947-70E740481C1C}">
                             <a14:useLocalDpi xmlns:a14="http://schemas.microsoft.com/office/drawing/2010/main" val="0"/>
@@ -8785,12 +8556,12 @@
           <a:graphicData uri="http://schemas.openxmlformats.org/presentationml/2006/ole">
             <mc:AlternateContent xmlns:mc="http://schemas.openxmlformats.org/markup-compatibility/2006">
               <mc:Choice xmlns:v="urn:schemas-microsoft-com:vml" Requires="v">
-                <p:oleObj name="Equation" r:id="rId5" imgW="215640" imgH="228600" progId="Equation.3">
+                <p:oleObj name="Equation" r:id="rId4" imgW="215640" imgH="228600" progId="Equation.3">
                   <p:embed/>
                 </p:oleObj>
               </mc:Choice>
               <mc:Fallback>
-                <p:oleObj name="Equation" r:id="rId5" imgW="215640" imgH="228600" progId="Equation.3">
+                <p:oleObj name="Equation" r:id="rId4" imgW="215640" imgH="228600" progId="Equation.3">
                   <p:embed/>
                   <p:pic>
                     <p:nvPicPr>
@@ -8807,7 +8578,7 @@
                       <p:nvPr/>
                     </p:nvPicPr>
                     <p:blipFill>
-                      <a:blip r:embed="rId6">
+                      <a:blip r:embed="rId5">
                         <a:extLst>
                           <a:ext uri="{28A0092B-C50C-407E-A947-70E740481C1C}">
                             <a14:useLocalDpi xmlns:a14="http://schemas.microsoft.com/office/drawing/2010/main" val="0"/>
@@ -8970,12 +8741,12 @@
           <a:graphicData uri="http://schemas.openxmlformats.org/presentationml/2006/ole">
             <mc:AlternateContent xmlns:mc="http://schemas.openxmlformats.org/markup-compatibility/2006">
               <mc:Choice xmlns:v="urn:schemas-microsoft-com:vml" Requires="v">
-                <p:oleObj name="Equation" r:id="rId7" imgW="241200" imgH="228600" progId="Equation.3">
+                <p:oleObj name="Equation" r:id="rId6" imgW="241200" imgH="228600" progId="Equation.3">
                   <p:embed/>
                 </p:oleObj>
               </mc:Choice>
               <mc:Fallback>
-                <p:oleObj name="Equation" r:id="rId7" imgW="241200" imgH="228600" progId="Equation.3">
+                <p:oleObj name="Equation" r:id="rId6" imgW="241200" imgH="228600" progId="Equation.3">
                   <p:embed/>
                   <p:pic>
                     <p:nvPicPr>
@@ -8992,7 +8763,7 @@
                       <p:nvPr/>
                     </p:nvPicPr>
                     <p:blipFill>
-                      <a:blip r:embed="rId8">
+                      <a:blip r:embed="rId7">
                         <a:extLst>
                           <a:ext uri="{28A0092B-C50C-407E-A947-70E740481C1C}">
                             <a14:useLocalDpi xmlns:a14="http://schemas.microsoft.com/office/drawing/2010/main" val="0"/>
@@ -9423,8 +9194,8 @@
           </a:p>
         </p:txBody>
       </p:sp>
-      <mc:AlternateContent xmlns:mc="http://schemas.openxmlformats.org/markup-compatibility/2006">
-        <mc:Choice xmlns:a14="http://schemas.microsoft.com/office/drawing/2010/main" Requires="a14">
+      <mc:AlternateContent xmlns:mc="http://schemas.openxmlformats.org/markup-compatibility/2006" xmlns:a14="http://schemas.microsoft.com/office/drawing/2010/main">
+        <mc:Choice Requires="a14">
           <p:sp>
             <p:nvSpPr>
               <p:cNvPr id="32" name="Object 143">
@@ -9511,7 +9282,7 @@
             </p:txBody>
           </p:sp>
         </mc:Choice>
-        <mc:Fallback>
+        <mc:Fallback xmlns="">
           <p:sp>
             <p:nvSpPr>
               <p:cNvPr id="32" name="Object 143">
@@ -10704,8 +10475,8 @@
           </a:p>
         </p:txBody>
       </p:sp>
-      <mc:AlternateContent xmlns:mc="http://schemas.openxmlformats.org/markup-compatibility/2006">
-        <mc:Choice xmlns:a14="http://schemas.microsoft.com/office/drawing/2010/main" Requires="a14">
+      <mc:AlternateContent xmlns:mc="http://schemas.openxmlformats.org/markup-compatibility/2006" xmlns:a14="http://schemas.microsoft.com/office/drawing/2010/main">
+        <mc:Choice Requires="a14">
           <p:sp>
             <p:nvSpPr>
               <p:cNvPr id="54" name="Object 22">
@@ -10787,7 +10558,7 @@
             </p:txBody>
           </p:sp>
         </mc:Choice>
-        <mc:Fallback>
+        <mc:Fallback xmlns="">
           <p:sp>
             <p:nvSpPr>
               <p:cNvPr id="54" name="Object 22">
@@ -10902,6 +10673,182 @@
               <a:latin typeface="Kross Neue Grotesk"/>
               <a:ea typeface="+mn-ea"/>
               <a:cs typeface="+mn-cs"/>
+            </a:endParaRPr>
+          </a:p>
+        </p:txBody>
+      </p:sp>
+      <p:pic>
+        <p:nvPicPr>
+          <p:cNvPr id="3" name="Image 2">
+            <a:extLst>
+              <a:ext uri="{FF2B5EF4-FFF2-40B4-BE49-F238E27FC236}">
+                <a16:creationId xmlns:a16="http://schemas.microsoft.com/office/drawing/2014/main" id="{2D5431DF-BA82-0214-EE7F-7E87B18E3500}"/>
+              </a:ext>
+            </a:extLst>
+          </p:cNvPr>
+          <p:cNvPicPr>
+            <a:picLocks noChangeAspect="1"/>
+          </p:cNvPicPr>
+          <p:nvPr/>
+        </p:nvPicPr>
+        <p:blipFill>
+          <a:blip r:embed="rId11"/>
+          <a:stretch>
+            <a:fillRect/>
+          </a:stretch>
+        </p:blipFill>
+        <p:spPr>
+          <a:xfrm>
+            <a:off x="7697940" y="1197310"/>
+            <a:ext cx="2395938" cy="4710281"/>
+          </a:xfrm>
+          <a:prstGeom prst="rect">
+            <a:avLst/>
+          </a:prstGeom>
+        </p:spPr>
+      </p:pic>
+      <p:sp>
+        <p:nvSpPr>
+          <p:cNvPr id="6" name="Rectangle : coins arrondis 5">
+            <a:extLst>
+              <a:ext uri="{FF2B5EF4-FFF2-40B4-BE49-F238E27FC236}">
+                <a16:creationId xmlns:a16="http://schemas.microsoft.com/office/drawing/2014/main" id="{DCF7D021-A435-E97D-79D1-6C11146E926E}"/>
+              </a:ext>
+            </a:extLst>
+          </p:cNvPr>
+          <p:cNvSpPr/>
+          <p:nvPr/>
+        </p:nvSpPr>
+        <p:spPr>
+          <a:xfrm>
+            <a:off x="7405074" y="1054916"/>
+            <a:ext cx="3086934" cy="5106339"/>
+          </a:xfrm>
+          <a:prstGeom prst="roundRect">
+            <a:avLst>
+              <a:gd name="adj" fmla="val 8113"/>
+            </a:avLst>
+          </a:prstGeom>
+          <a:solidFill>
+            <a:srgbClr val="4329FF">
+              <a:alpha val="5000"/>
+            </a:srgbClr>
+          </a:solidFill>
+          <a:ln w="12700" cap="flat" cmpd="sng" algn="ctr">
+            <a:solidFill>
+              <a:srgbClr val="4329FF">
+                <a:shade val="15000"/>
+              </a:srgbClr>
+            </a:solidFill>
+            <a:prstDash val="dash"/>
+            <a:miter lim="800000"/>
+          </a:ln>
+          <a:effectLst/>
+        </p:spPr>
+        <p:txBody>
+          <a:bodyPr rtlCol="0" anchor="ctr"/>
+          <a:lstStyle/>
+          <a:p>
+            <a:pPr marL="0" marR="0" lvl="0" indent="0" algn="ctr" defTabSz="914400" eaLnBrk="1" fontAlgn="auto" latinLnBrk="0" hangingPunct="1">
+              <a:lnSpc>
+                <a:spcPct val="100000"/>
+              </a:lnSpc>
+              <a:spcBef>
+                <a:spcPts val="0"/>
+              </a:spcBef>
+              <a:spcAft>
+                <a:spcPts val="0"/>
+              </a:spcAft>
+              <a:buClrTx/>
+              <a:buSzTx/>
+              <a:buFontTx/>
+              <a:buNone/>
+              <a:tabLst/>
+              <a:defRPr/>
+            </a:pPr>
+            <a:endParaRPr kumimoji="0" lang="fr-FR" sz="1800" b="0" i="0" u="none" strike="noStrike" kern="0" cap="none" spc="0" normalizeH="0" baseline="0" noProof="0">
+              <a:ln>
+                <a:noFill/>
+              </a:ln>
+              <a:solidFill>
+                <a:srgbClr val="FFFFFF"/>
+              </a:solidFill>
+              <a:effectLst/>
+              <a:uLnTx/>
+              <a:uFillTx/>
+              <a:latin typeface="Kross Neue Grotesk"/>
+              <a:ea typeface="+mn-ea"/>
+              <a:cs typeface="+mn-cs"/>
+            </a:endParaRPr>
+          </a:p>
+        </p:txBody>
+      </p:sp>
+      <p:sp>
+        <p:nvSpPr>
+          <p:cNvPr id="7" name="Oval 73">
+            <a:extLst>
+              <a:ext uri="{FF2B5EF4-FFF2-40B4-BE49-F238E27FC236}">
+                <a16:creationId xmlns:a16="http://schemas.microsoft.com/office/drawing/2014/main" id="{080DCA44-1F99-ED4D-A3F0-4FF82C1BE42D}"/>
+              </a:ext>
+            </a:extLst>
+          </p:cNvPr>
+          <p:cNvSpPr>
+            <a:spLocks noChangeArrowheads="1"/>
+          </p:cNvSpPr>
+          <p:nvPr/>
+        </p:nvSpPr>
+        <p:spPr bwMode="auto">
+          <a:xfrm>
+            <a:off x="8902078" y="4185083"/>
+            <a:ext cx="867025" cy="1812451"/>
+          </a:xfrm>
+          <a:prstGeom prst="ellipse">
+            <a:avLst/>
+          </a:prstGeom>
+          <a:solidFill>
+            <a:srgbClr val="0A0203">
+              <a:lumMod val="20000"/>
+              <a:lumOff val="80000"/>
+              <a:alpha val="30000"/>
+            </a:srgbClr>
+          </a:solidFill>
+          <a:ln>
+            <a:noFill/>
+          </a:ln>
+          <a:effectLst/>
+        </p:spPr>
+        <p:txBody>
+          <a:bodyPr wrap="none" anchor="ctr"/>
+          <a:lstStyle/>
+          <a:p>
+            <a:pPr marL="0" marR="0" lvl="0" indent="0" defTabSz="914400" eaLnBrk="1" fontAlgn="auto" latinLnBrk="0" hangingPunct="1">
+              <a:lnSpc>
+                <a:spcPct val="100000"/>
+              </a:lnSpc>
+              <a:spcBef>
+                <a:spcPts val="0"/>
+              </a:spcBef>
+              <a:spcAft>
+                <a:spcPts val="0"/>
+              </a:spcAft>
+              <a:buClrTx/>
+              <a:buSzTx/>
+              <a:buFontTx/>
+              <a:buNone/>
+              <a:tabLst/>
+              <a:defRPr/>
+            </a:pPr>
+            <a:endParaRPr kumimoji="0" lang="en-US" sz="1800" b="0" i="0" u="none" strike="noStrike" kern="0" cap="none" spc="0" normalizeH="0" baseline="0" noProof="0">
+              <a:ln>
+                <a:noFill/>
+              </a:ln>
+              <a:solidFill>
+                <a:srgbClr val="000000"/>
+              </a:solidFill>
+              <a:effectLst/>
+              <a:uLnTx/>
+              <a:uFillTx/>
+              <a:latin typeface="Kross Neue Grotesk"/>
             </a:endParaRPr>
           </a:p>
         </p:txBody>
@@ -10964,6 +10911,9 @@
                     <p:cTn id="3" fill="hold">
                       <p:stCondLst>
                         <p:cond delay="indefinite"/>
+                        <p:cond evt="onBegin" delay="0">
+                          <p:tn val="2"/>
+                        </p:cond>
                       </p:stCondLst>
                       <p:childTnLst>
                         <p:par>
@@ -10973,7 +10923,7 @@
                             </p:stCondLst>
                             <p:childTnLst>
                               <p:par>
-                                <p:cTn id="5" presetID="2" presetClass="entr" presetSubtype="2" fill="hold" nodeType="clickEffect">
+                                <p:cTn id="5" presetID="2" presetClass="entr" presetSubtype="2" fill="hold" grpId="0" nodeType="withEffect">
                                   <p:stCondLst>
                                     <p:cond delay="0"/>
                                   </p:stCondLst>
@@ -10986,7 +10936,7 @@
                                           </p:stCondLst>
                                         </p:cTn>
                                         <p:tgtEl>
-                                          <p:spTgt spid="5"/>
+                                          <p:spTgt spid="6"/>
                                         </p:tgtEl>
                                         <p:attrNameLst>
                                           <p:attrName>style.visibility</p:attrName>
@@ -11000,7 +10950,7 @@
                                       <p:cBhvr additive="base">
                                         <p:cTn id="7" dur="500" fill="hold"/>
                                         <p:tgtEl>
-                                          <p:spTgt spid="5"/>
+                                          <p:spTgt spid="6"/>
                                         </p:tgtEl>
                                         <p:attrNameLst>
                                           <p:attrName>ppt_x</p:attrName>
@@ -11023,7 +10973,7 @@
                                       <p:cBhvr additive="base">
                                         <p:cTn id="8" dur="500" fill="hold"/>
                                         <p:tgtEl>
-                                          <p:spTgt spid="5"/>
+                                          <p:spTgt spid="6"/>
                                         </p:tgtEl>
                                         <p:attrNameLst>
                                           <p:attrName>ppt_y</p:attrName>
@@ -11059,7 +11009,7 @@
                                           </p:stCondLst>
                                         </p:cTn>
                                         <p:tgtEl>
-                                          <p:spTgt spid="6"/>
+                                          <p:spTgt spid="7"/>
                                         </p:tgtEl>
                                         <p:attrNameLst>
                                           <p:attrName>style.visibility</p:attrName>
@@ -11072,79 +11022,6 @@
                                     <p:anim calcmode="lin" valueType="num">
                                       <p:cBhvr additive="base">
                                         <p:cTn id="11" dur="500" fill="hold"/>
-                                        <p:tgtEl>
-                                          <p:spTgt spid="6"/>
-                                        </p:tgtEl>
-                                        <p:attrNameLst>
-                                          <p:attrName>ppt_x</p:attrName>
-                                        </p:attrNameLst>
-                                      </p:cBhvr>
-                                      <p:tavLst>
-                                        <p:tav tm="0">
-                                          <p:val>
-                                            <p:strVal val="1+#ppt_w/2"/>
-                                          </p:val>
-                                        </p:tav>
-                                        <p:tav tm="100000">
-                                          <p:val>
-                                            <p:strVal val="#ppt_x"/>
-                                          </p:val>
-                                        </p:tav>
-                                      </p:tavLst>
-                                    </p:anim>
-                                    <p:anim calcmode="lin" valueType="num">
-                                      <p:cBhvr additive="base">
-                                        <p:cTn id="12" dur="500" fill="hold"/>
-                                        <p:tgtEl>
-                                          <p:spTgt spid="6"/>
-                                        </p:tgtEl>
-                                        <p:attrNameLst>
-                                          <p:attrName>ppt_y</p:attrName>
-                                        </p:attrNameLst>
-                                      </p:cBhvr>
-                                      <p:tavLst>
-                                        <p:tav tm="0">
-                                          <p:val>
-                                            <p:strVal val="#ppt_y"/>
-                                          </p:val>
-                                        </p:tav>
-                                        <p:tav tm="100000">
-                                          <p:val>
-                                            <p:strVal val="#ppt_y"/>
-                                          </p:val>
-                                        </p:tav>
-                                      </p:tavLst>
-                                    </p:anim>
-                                  </p:childTnLst>
-                                </p:cTn>
-                              </p:par>
-                              <p:par>
-                                <p:cTn id="13" presetID="2" presetClass="entr" presetSubtype="2" fill="hold" grpId="0" nodeType="withEffect">
-                                  <p:stCondLst>
-                                    <p:cond delay="0"/>
-                                  </p:stCondLst>
-                                  <p:childTnLst>
-                                    <p:set>
-                                      <p:cBhvr>
-                                        <p:cTn id="14" dur="1" fill="hold">
-                                          <p:stCondLst>
-                                            <p:cond delay="0"/>
-                                          </p:stCondLst>
-                                        </p:cTn>
-                                        <p:tgtEl>
-                                          <p:spTgt spid="7"/>
-                                        </p:tgtEl>
-                                        <p:attrNameLst>
-                                          <p:attrName>style.visibility</p:attrName>
-                                        </p:attrNameLst>
-                                      </p:cBhvr>
-                                      <p:to>
-                                        <p:strVal val="visible"/>
-                                      </p:to>
-                                    </p:set>
-                                    <p:anim calcmode="lin" valueType="num">
-                                      <p:cBhvr additive="base">
-                                        <p:cTn id="15" dur="500" fill="hold"/>
                                         <p:tgtEl>
                                           <p:spTgt spid="7"/>
                                         </p:tgtEl>
@@ -11167,7 +11044,7 @@
                                     </p:anim>
                                     <p:anim calcmode="lin" valueType="num">
                                       <p:cBhvr additive="base">
-                                        <p:cTn id="16" dur="500" fill="hold"/>
+                                        <p:cTn id="12" dur="500" fill="hold"/>
                                         <p:tgtEl>
                                           <p:spTgt spid="7"/>
                                         </p:tgtEl>
@@ -11192,14 +11069,14 @@
                                 </p:cTn>
                               </p:par>
                               <p:par>
-                                <p:cTn id="17" presetID="22" presetClass="entr" presetSubtype="8" fill="hold" grpId="0" nodeType="withEffect">
+                                <p:cTn id="13" presetID="22" presetClass="entr" presetSubtype="8" fill="hold" grpId="0" nodeType="withEffect">
                                   <p:stCondLst>
                                     <p:cond delay="0"/>
                                   </p:stCondLst>
                                   <p:childTnLst>
                                     <p:set>
                                       <p:cBhvr>
-                                        <p:cTn id="18" dur="1" fill="hold">
+                                        <p:cTn id="14" dur="1" fill="hold">
                                           <p:stCondLst>
                                             <p:cond delay="0"/>
                                           </p:stCondLst>
@@ -11217,7 +11094,7 @@
                                     </p:set>
                                     <p:animEffect transition="in" filter="wipe(left)">
                                       <p:cBhvr>
-                                        <p:cTn id="19" dur="500"/>
+                                        <p:cTn id="15" dur="500"/>
                                         <p:tgtEl>
                                           <p:spTgt spid="8"/>
                                         </p:tgtEl>
@@ -11227,14 +11104,14 @@
                                 </p:cTn>
                               </p:par>
                               <p:par>
-                                <p:cTn id="20" presetID="22" presetClass="entr" presetSubtype="8" fill="hold" grpId="0" nodeType="withEffect">
+                                <p:cTn id="16" presetID="22" presetClass="entr" presetSubtype="8" fill="hold" grpId="0" nodeType="withEffect">
                                   <p:stCondLst>
                                     <p:cond delay="0"/>
                                   </p:stCondLst>
                                   <p:childTnLst>
                                     <p:set>
                                       <p:cBhvr>
-                                        <p:cTn id="21" dur="1" fill="hold">
+                                        <p:cTn id="17" dur="1" fill="hold">
                                           <p:stCondLst>
                                             <p:cond delay="0"/>
                                           </p:stCondLst>
@@ -11252,7 +11129,7 @@
                                     </p:set>
                                     <p:animEffect transition="in" filter="wipe(left)">
                                       <p:cBhvr>
-                                        <p:cTn id="22" dur="500"/>
+                                        <p:cTn id="18" dur="500"/>
                                         <p:tgtEl>
                                           <p:spTgt spid="57"/>
                                         </p:tgtEl>
@@ -11268,26 +11145,26 @@
                     </p:cTn>
                   </p:par>
                   <p:par>
-                    <p:cTn id="23" fill="hold">
+                    <p:cTn id="19" fill="hold">
                       <p:stCondLst>
                         <p:cond delay="indefinite"/>
                       </p:stCondLst>
                       <p:childTnLst>
                         <p:par>
-                          <p:cTn id="24" fill="hold">
+                          <p:cTn id="20" fill="hold">
                             <p:stCondLst>
                               <p:cond delay="0"/>
                             </p:stCondLst>
                             <p:childTnLst>
                               <p:par>
-                                <p:cTn id="25" presetID="10" presetClass="entr" presetSubtype="0" fill="hold" nodeType="clickEffect">
+                                <p:cTn id="21" presetID="10" presetClass="entr" presetSubtype="0" fill="hold" nodeType="clickEffect">
                                   <p:stCondLst>
                                     <p:cond delay="0"/>
                                   </p:stCondLst>
                                   <p:childTnLst>
                                     <p:set>
                                       <p:cBhvr>
-                                        <p:cTn id="26" dur="1" fill="hold">
+                                        <p:cTn id="22" dur="1" fill="hold">
                                           <p:stCondLst>
                                             <p:cond delay="0"/>
                                           </p:stCondLst>
@@ -11305,7 +11182,7 @@
                                     </p:set>
                                     <p:animEffect transition="in" filter="fade">
                                       <p:cBhvr>
-                                        <p:cTn id="27" dur="500"/>
+                                        <p:cTn id="23" dur="500"/>
                                         <p:tgtEl>
                                           <p:spTgt spid="59"/>
                                         </p:tgtEl>
@@ -11342,10 +11219,10 @@
       </p:par>
     </p:tnLst>
     <p:bldLst>
+      <p:bldP spid="8" grpId="0"/>
+      <p:bldP spid="57" grpId="0" animBg="1"/>
       <p:bldP spid="6" grpId="0" animBg="1"/>
       <p:bldP spid="7" grpId="0" animBg="1"/>
-      <p:bldP spid="8" grpId="0"/>
-      <p:bldP spid="57" grpId="0" animBg="1"/>
     </p:bldLst>
   </p:timing>
 </p:sld>
